--- a/docs/part1ca/06_CallStack/CA_Lecture_06.pptx
+++ b/docs/part1ca/06_CallStack/CA_Lecture_06.pptx
@@ -5,10 +5,10 @@
     <p:sldMasterId id="2147483648" r:id="rId1"/>
   </p:sldMasterIdLst>
   <p:notesMasterIdLst>
-    <p:notesMasterId r:id="rId18"/>
+    <p:notesMasterId r:id="rId19"/>
   </p:notesMasterIdLst>
   <p:handoutMasterIdLst>
-    <p:handoutMasterId r:id="rId19"/>
+    <p:handoutMasterId r:id="rId20"/>
   </p:handoutMasterIdLst>
   <p:sldIdLst>
     <p:sldId id="256" r:id="rId2"/>
@@ -26,7 +26,8 @@
     <p:sldId id="355" r:id="rId14"/>
     <p:sldId id="359" r:id="rId15"/>
     <p:sldId id="354" r:id="rId16"/>
-    <p:sldId id="272" r:id="rId17"/>
+    <p:sldId id="360" r:id="rId17"/>
+    <p:sldId id="272" r:id="rId18"/>
   </p:sldIdLst>
   <p:sldSz cx="12192000" cy="6858000"/>
   <p:notesSz cx="6858000" cy="9144000"/>
@@ -127,7 +128,7 @@
   </p:defaultTextStyle>
   <p:extLst>
     <p:ext uri="{EFAFB233-063F-42B5-8137-9DF3F51BA10A}">
-      <p15:sldGuideLst xmlns="" xmlns:p15="http://schemas.microsoft.com/office/powerpoint/2012/main">
+      <p15:sldGuideLst xmlns:p15="http://schemas.microsoft.com/office/powerpoint/2012/main" xmlns="">
         <p15:guide id="1" orient="horz" pos="2160">
           <p15:clr>
             <a:srgbClr val="A4A3A4"/>
@@ -141,7 +142,7 @@
       </p15:sldGuideLst>
     </p:ext>
     <p:ext uri="{2D200454-40CA-4A62-9FC3-DE9A4176ACB9}">
-      <p15:notesGuideLst xmlns="" xmlns:p15="http://schemas.microsoft.com/office/powerpoint/2012/main">
+      <p15:notesGuideLst xmlns:p15="http://schemas.microsoft.com/office/powerpoint/2012/main" xmlns="">
         <p15:guide id="1" orient="horz" pos="2880">
           <p15:clr>
             <a:srgbClr val="A4A3A4"/>
@@ -325,7 +326,7 @@
     </p:spTree>
     <p:extLst>
       <p:ext uri="{BB962C8B-B14F-4D97-AF65-F5344CB8AC3E}">
-        <p14:creationId xmlns="" xmlns:p14="http://schemas.microsoft.com/office/powerpoint/2010/main" val="827279973"/>
+        <p14:creationId xmlns:p14="http://schemas.microsoft.com/office/powerpoint/2010/main" xmlns="" val="827279973"/>
       </p:ext>
     </p:extLst>
   </p:cSld>
@@ -586,7 +587,7 @@
     </p:spTree>
     <p:extLst>
       <p:ext uri="{BB962C8B-B14F-4D97-AF65-F5344CB8AC3E}">
-        <p14:creationId xmlns="" xmlns:p14="http://schemas.microsoft.com/office/powerpoint/2010/main" val="3865021395"/>
+        <p14:creationId xmlns:p14="http://schemas.microsoft.com/office/powerpoint/2010/main" xmlns="" val="3865021395"/>
       </p:ext>
     </p:extLst>
   </p:cSld>
@@ -800,7 +801,7 @@
     </p:spTree>
     <p:extLst>
       <p:ext uri="{BB962C8B-B14F-4D97-AF65-F5344CB8AC3E}">
-        <p14:creationId xmlns="" xmlns:p14="http://schemas.microsoft.com/office/powerpoint/2010/main" val="2381791527"/>
+        <p14:creationId xmlns:p14="http://schemas.microsoft.com/office/powerpoint/2010/main" xmlns="" val="2381791527"/>
       </p:ext>
     </p:extLst>
   </p:cSld>
@@ -914,7 +915,7 @@
             <a:fld id="{5583B3A5-99BF-45D9-956B-DC57CC23AD97}" type="slidenum">
               <a:rPr lang="ru-RU" smtClean="0"/>
               <a:pPr/>
-              <a:t>16</a:t>
+              <a:t>17</a:t>
             </a:fld>
             <a:endParaRPr lang="ru-RU"/>
           </a:p>
@@ -923,7 +924,7 @@
     </p:spTree>
     <p:extLst>
       <p:ext uri="{BB962C8B-B14F-4D97-AF65-F5344CB8AC3E}">
-        <p14:creationId xmlns="" xmlns:p14="http://schemas.microsoft.com/office/powerpoint/2010/main" val="1915950851"/>
+        <p14:creationId xmlns:p14="http://schemas.microsoft.com/office/powerpoint/2010/main" xmlns="" val="1915950851"/>
       </p:ext>
     </p:extLst>
   </p:cSld>
@@ -1183,7 +1184,7 @@
     </p:spTree>
     <p:extLst>
       <p:ext uri="{BB962C8B-B14F-4D97-AF65-F5344CB8AC3E}">
-        <p14:creationId xmlns="" xmlns:p14="http://schemas.microsoft.com/office/powerpoint/2010/main" val="322455162"/>
+        <p14:creationId xmlns:p14="http://schemas.microsoft.com/office/powerpoint/2010/main" xmlns="" val="322455162"/>
       </p:ext>
     </p:extLst>
   </p:cSld>
@@ -1357,7 +1358,7 @@
     </p:spTree>
     <p:extLst>
       <p:ext uri="{BB962C8B-B14F-4D97-AF65-F5344CB8AC3E}">
-        <p14:creationId xmlns="" xmlns:p14="http://schemas.microsoft.com/office/powerpoint/2010/main" val="971117636"/>
+        <p14:creationId xmlns:p14="http://schemas.microsoft.com/office/powerpoint/2010/main" xmlns="" val="971117636"/>
       </p:ext>
     </p:extLst>
   </p:cSld>
@@ -1534,7 +1535,7 @@
     </p:spTree>
     <p:extLst>
       <p:ext uri="{BB962C8B-B14F-4D97-AF65-F5344CB8AC3E}">
-        <p14:creationId xmlns="" xmlns:p14="http://schemas.microsoft.com/office/powerpoint/2010/main" val="3348877825"/>
+        <p14:creationId xmlns:p14="http://schemas.microsoft.com/office/powerpoint/2010/main" xmlns="" val="3348877825"/>
       </p:ext>
     </p:extLst>
   </p:cSld>
@@ -1859,7 +1860,7 @@
     </p:spTree>
     <p:extLst>
       <p:ext uri="{BB962C8B-B14F-4D97-AF65-F5344CB8AC3E}">
-        <p14:creationId xmlns="" xmlns:p14="http://schemas.microsoft.com/office/powerpoint/2010/main" val="3256953994"/>
+        <p14:creationId xmlns:p14="http://schemas.microsoft.com/office/powerpoint/2010/main" xmlns="" val="3256953994"/>
       </p:ext>
     </p:extLst>
   </p:cSld>
@@ -2109,7 +2110,7 @@
     </p:spTree>
     <p:extLst>
       <p:ext uri="{BB962C8B-B14F-4D97-AF65-F5344CB8AC3E}">
-        <p14:creationId xmlns="" xmlns:p14="http://schemas.microsoft.com/office/powerpoint/2010/main" val="3067076846"/>
+        <p14:creationId xmlns:p14="http://schemas.microsoft.com/office/powerpoint/2010/main" xmlns="" val="3067076846"/>
       </p:ext>
     </p:extLst>
   </p:cSld>
@@ -2345,7 +2346,7 @@
     </p:spTree>
     <p:extLst>
       <p:ext uri="{BB962C8B-B14F-4D97-AF65-F5344CB8AC3E}">
-        <p14:creationId xmlns="" xmlns:p14="http://schemas.microsoft.com/office/powerpoint/2010/main" val="3710015975"/>
+        <p14:creationId xmlns:p14="http://schemas.microsoft.com/office/powerpoint/2010/main" xmlns="" val="3710015975"/>
       </p:ext>
     </p:extLst>
   </p:cSld>
@@ -2716,7 +2717,7 @@
     </p:spTree>
     <p:extLst>
       <p:ext uri="{BB962C8B-B14F-4D97-AF65-F5344CB8AC3E}">
-        <p14:creationId xmlns="" xmlns:p14="http://schemas.microsoft.com/office/powerpoint/2010/main" val="4075590966"/>
+        <p14:creationId xmlns:p14="http://schemas.microsoft.com/office/powerpoint/2010/main" xmlns="" val="4075590966"/>
       </p:ext>
     </p:extLst>
   </p:cSld>
@@ -2838,7 +2839,7 @@
     </p:spTree>
     <p:extLst>
       <p:ext uri="{BB962C8B-B14F-4D97-AF65-F5344CB8AC3E}">
-        <p14:creationId xmlns="" xmlns:p14="http://schemas.microsoft.com/office/powerpoint/2010/main" val="2889604898"/>
+        <p14:creationId xmlns:p14="http://schemas.microsoft.com/office/powerpoint/2010/main" xmlns="" val="2889604898"/>
       </p:ext>
     </p:extLst>
   </p:cSld>
@@ -2937,7 +2938,7 @@
     </p:spTree>
     <p:extLst>
       <p:ext uri="{BB962C8B-B14F-4D97-AF65-F5344CB8AC3E}">
-        <p14:creationId xmlns="" xmlns:p14="http://schemas.microsoft.com/office/powerpoint/2010/main" val="152384765"/>
+        <p14:creationId xmlns:p14="http://schemas.microsoft.com/office/powerpoint/2010/main" xmlns="" val="152384765"/>
       </p:ext>
     </p:extLst>
   </p:cSld>
@@ -3218,7 +3219,7 @@
     </p:spTree>
     <p:extLst>
       <p:ext uri="{BB962C8B-B14F-4D97-AF65-F5344CB8AC3E}">
-        <p14:creationId xmlns="" xmlns:p14="http://schemas.microsoft.com/office/powerpoint/2010/main" val="2127791886"/>
+        <p14:creationId xmlns:p14="http://schemas.microsoft.com/office/powerpoint/2010/main" xmlns="" val="2127791886"/>
       </p:ext>
     </p:extLst>
   </p:cSld>
@@ -3475,7 +3476,7 @@
     </p:spTree>
     <p:extLst>
       <p:ext uri="{BB962C8B-B14F-4D97-AF65-F5344CB8AC3E}">
-        <p14:creationId xmlns="" xmlns:p14="http://schemas.microsoft.com/office/powerpoint/2010/main" val="1752705130"/>
+        <p14:creationId xmlns:p14="http://schemas.microsoft.com/office/powerpoint/2010/main" xmlns="" val="1752705130"/>
       </p:ext>
     </p:extLst>
   </p:cSld>
@@ -3728,7 +3729,7 @@
     </p:spTree>
     <p:extLst>
       <p:ext uri="{BB962C8B-B14F-4D97-AF65-F5344CB8AC3E}">
-        <p14:creationId xmlns="" xmlns:p14="http://schemas.microsoft.com/office/powerpoint/2010/main" val="968833914"/>
+        <p14:creationId xmlns:p14="http://schemas.microsoft.com/office/powerpoint/2010/main" xmlns="" val="968833914"/>
       </p:ext>
     </p:extLst>
   </p:cSld>
@@ -4102,15 +4103,7 @@
             </a:r>
             <a:r>
               <a:rPr lang="en-US" b="1" dirty="0" smtClean="0"/>
-              <a:t>: </a:t>
-            </a:r>
-            <a:r>
-              <a:rPr lang="en-US" b="1" dirty="0" smtClean="0"/>
-              <a:t>Assembly Programming – </a:t>
-            </a:r>
-            <a:r>
-              <a:rPr lang="en-US" b="1" dirty="0" smtClean="0"/>
-              <a:t>Stack</a:t>
+              <a:t>: Assembly Programming – Stack</a:t>
             </a:r>
             <a:endParaRPr lang="ru-RU" b="1" dirty="0"/>
           </a:p>
@@ -4213,7 +4206,7 @@
     </p:spTree>
     <p:extLst>
       <p:ext uri="{BB962C8B-B14F-4D97-AF65-F5344CB8AC3E}">
-        <p14:creationId xmlns="" xmlns:p14="http://schemas.microsoft.com/office/powerpoint/2010/main" val="2492894732"/>
+        <p14:creationId xmlns:p14="http://schemas.microsoft.com/office/powerpoint/2010/main" xmlns="" val="2492894732"/>
       </p:ext>
     </p:extLst>
   </p:cSld>
@@ -4295,33 +4288,12 @@
                   <a:srgbClr val="F7B217"/>
                 </a:solidFill>
               </a:rPr>
-              <a:t>-saved </a:t>
-            </a:r>
-            <a:r>
-              <a:rPr lang="en-US" b="1" dirty="0" smtClean="0">
-                <a:solidFill>
-                  <a:srgbClr val="F7B217"/>
-                </a:solidFill>
-              </a:rPr>
-              <a:t>register</a:t>
+              <a:t>-saved register</a:t>
             </a:r>
             <a:r>
               <a:rPr lang="en-US" dirty="0" smtClean="0"/>
-              <a:t> </a:t>
-            </a:r>
-            <a:r>
-              <a:rPr lang="en-US" dirty="0" smtClean="0"/>
-              <a:t> is </a:t>
-            </a:r>
-            <a:r>
-              <a:rPr lang="en-US" dirty="0" smtClean="0"/>
-              <a:t>register saved by the routine making a </a:t>
-            </a:r>
-            <a:r>
-              <a:rPr lang="en-US" dirty="0" smtClean="0"/>
-              <a:t>function call</a:t>
-            </a:r>
-            <a:endParaRPr lang="en-US" dirty="0" smtClean="0"/>
+              <a:t>  is register saved by the routine making a function call</a:t>
+            </a:r>
           </a:p>
           <a:p>
             <a:pPr>
@@ -4339,15 +4311,7 @@
             </a:r>
             <a:r>
               <a:rPr lang="en-US" dirty="0" smtClean="0"/>
-              <a:t> is a </a:t>
-            </a:r>
-            <a:r>
-              <a:rPr lang="en-US" dirty="0" smtClean="0"/>
-              <a:t>register saved by the routine being </a:t>
-            </a:r>
-            <a:r>
-              <a:rPr lang="en-US" dirty="0" smtClean="0"/>
-              <a:t>called</a:t>
+              <a:t> is a register saved by the routine being called</a:t>
             </a:r>
             <a:endParaRPr lang="ru-RU" dirty="0"/>
           </a:p>
@@ -4457,11 +4421,7 @@
             </a:r>
             <a:r>
               <a:rPr lang="en-US" sz="3300" dirty="0" smtClean="0"/>
-              <a:t> </a:t>
-            </a:r>
-            <a:r>
-              <a:rPr lang="en-US" sz="3300" dirty="0" smtClean="0"/>
-              <a:t>leaf_example (</a:t>
+              <a:t> leaf_example (</a:t>
             </a:r>
             <a:r>
               <a:rPr lang="en-US" sz="3300" b="1" dirty="0" err="1" smtClean="0"/>
@@ -4477,11 +4437,7 @@
             </a:r>
             <a:r>
               <a:rPr lang="en-US" sz="3300" dirty="0" smtClean="0"/>
-              <a:t> h</a:t>
-            </a:r>
-            <a:r>
-              <a:rPr lang="en-US" sz="3300" dirty="0" smtClean="0"/>
-              <a:t>, </a:t>
+              <a:t> h, </a:t>
             </a:r>
             <a:r>
               <a:rPr lang="en-US" sz="3300" b="1" dirty="0" err="1" smtClean="0"/>
@@ -4558,7 +4514,6 @@
               <a:rPr lang="en-US" sz="3300" dirty="0" smtClean="0"/>
               <a:t>}</a:t>
             </a:r>
-            <a:endParaRPr lang="en-US" sz="3300" dirty="0" smtClean="0"/>
           </a:p>
           <a:p>
             <a:pPr>
@@ -4572,11 +4527,7 @@
             </a:pPr>
             <a:r>
               <a:rPr lang="en-US" b="1" dirty="0" smtClean="0"/>
-              <a:t>Requirements</a:t>
-            </a:r>
-            <a:r>
-              <a:rPr lang="en-US" b="1" dirty="0" smtClean="0"/>
-              <a:t>:</a:t>
+              <a:t>Requirements:</a:t>
             </a:r>
           </a:p>
           <a:p>
@@ -4585,15 +4536,7 @@
             </a:pPr>
             <a:r>
               <a:rPr lang="en-US" dirty="0" smtClean="0"/>
-              <a:t>﻿</a:t>
-            </a:r>
-            <a:r>
-              <a:rPr lang="en-US" dirty="0" smtClean="0"/>
-              <a:t>- </a:t>
-            </a:r>
-            <a:r>
-              <a:rPr lang="en-US" dirty="0" smtClean="0"/>
-              <a:t>arguments g, ..., j in a0(x10)...a3(x13)</a:t>
+              <a:t>﻿- arguments g, ..., j in a0(x10)...a3(x13)</a:t>
             </a:r>
           </a:p>
           <a:p>
@@ -4603,11 +4546,7 @@
             </a:pPr>
             <a:r>
               <a:rPr lang="en-US" dirty="0" smtClean="0"/>
-              <a:t>f </a:t>
-            </a:r>
-            <a:r>
-              <a:rPr lang="en-US" dirty="0" smtClean="0"/>
-              <a:t>in s4 (x20)</a:t>
+              <a:t>f in s4 (x20)</a:t>
             </a:r>
           </a:p>
           <a:p>
@@ -4617,11 +4556,7 @@
             </a:pPr>
             <a:r>
               <a:rPr lang="en-US" dirty="0" smtClean="0"/>
-              <a:t>temporaries </a:t>
-            </a:r>
-            <a:r>
-              <a:rPr lang="en-US" dirty="0" smtClean="0"/>
-              <a:t>t0(x5), t1(x6)</a:t>
+              <a:t>temporaries t0(x5), t1(x6)</a:t>
             </a:r>
           </a:p>
           <a:p>
@@ -4630,17 +4565,8 @@
             </a:pPr>
             <a:r>
               <a:rPr lang="en-US" dirty="0" smtClean="0"/>
-              <a:t>- </a:t>
-            </a:r>
-            <a:r>
-              <a:rPr lang="en-US" dirty="0" smtClean="0"/>
-              <a:t>need to save t0, t1, s4 on </a:t>
-            </a:r>
-            <a:r>
-              <a:rPr lang="en-US" dirty="0" smtClean="0"/>
-              <a:t>stack</a:t>
-            </a:r>
-            <a:endParaRPr lang="en-US" dirty="0" smtClean="0"/>
+              <a:t>- need to save t0, t1, s4 on stack</a:t>
+            </a:r>
           </a:p>
         </p:txBody>
       </p:sp>
@@ -4763,11 +4689,7 @@
             </a:pPr>
             <a:r>
               <a:rPr lang="en-US" sz="2800" dirty="0" smtClean="0"/>
-              <a:t>    </a:t>
-            </a:r>
-            <a:r>
-              <a:rPr lang="en-US" sz="2800" dirty="0" smtClean="0"/>
-              <a:t>     addi </a:t>
+              <a:t>         addi </a:t>
             </a:r>
             <a:r>
               <a:rPr lang="en-US" sz="2800" dirty="0" smtClean="0">
@@ -4803,11 +4725,7 @@
             </a:pPr>
             <a:r>
               <a:rPr lang="en-US" sz="2800" dirty="0" smtClean="0"/>
-              <a:t>  </a:t>
-            </a:r>
-            <a:r>
-              <a:rPr lang="en-US" sz="2800" dirty="0" smtClean="0"/>
-              <a:t>       </a:t>
+              <a:t>         </a:t>
             </a:r>
             <a:r>
               <a:rPr lang="en-US" sz="2800" dirty="0" err="1" smtClean="0"/>
@@ -4851,11 +4769,7 @@
             </a:pPr>
             <a:r>
               <a:rPr lang="en-US" sz="2800" dirty="0" smtClean="0"/>
-              <a:t>   </a:t>
-            </a:r>
-            <a:r>
-              <a:rPr lang="en-US" sz="2800" dirty="0" smtClean="0"/>
-              <a:t>      </a:t>
+              <a:t>         </a:t>
             </a:r>
             <a:r>
               <a:rPr lang="en-US" sz="2800" dirty="0" err="1" smtClean="0"/>
@@ -4899,11 +4813,7 @@
             </a:pPr>
             <a:r>
               <a:rPr lang="en-US" sz="2800" dirty="0" smtClean="0"/>
-              <a:t>   </a:t>
-            </a:r>
-            <a:r>
-              <a:rPr lang="en-US" sz="2800" dirty="0" smtClean="0"/>
-              <a:t>      </a:t>
+              <a:t>         </a:t>
             </a:r>
             <a:r>
               <a:rPr lang="en-US" sz="2800" dirty="0" err="1" smtClean="0"/>
@@ -4947,15 +4857,7 @@
             </a:pPr>
             <a:r>
               <a:rPr lang="en-US" sz="2800" dirty="0" smtClean="0"/>
-              <a:t>   </a:t>
-            </a:r>
-            <a:r>
-              <a:rPr lang="en-US" sz="2800" dirty="0" smtClean="0"/>
-              <a:t>      </a:t>
-            </a:r>
-            <a:r>
-              <a:rPr lang="en-US" sz="2800" dirty="0" smtClean="0"/>
-              <a:t>add  </a:t>
+              <a:t>         add  </a:t>
             </a:r>
             <a:r>
               <a:rPr lang="en-US" sz="2800" dirty="0" smtClean="0">
@@ -4999,15 +4901,7 @@
             </a:pPr>
             <a:r>
               <a:rPr lang="en-US" sz="2800" dirty="0" smtClean="0"/>
-              <a:t>   </a:t>
-            </a:r>
-            <a:r>
-              <a:rPr lang="en-US" sz="2800" dirty="0" smtClean="0"/>
-              <a:t>      </a:t>
-            </a:r>
-            <a:r>
-              <a:rPr lang="en-US" sz="2800" dirty="0" smtClean="0"/>
-              <a:t>add  </a:t>
+              <a:t>         add  </a:t>
             </a:r>
             <a:r>
               <a:rPr lang="en-US" sz="2800" dirty="0" smtClean="0">
@@ -5051,15 +4945,7 @@
             </a:pPr>
             <a:r>
               <a:rPr lang="en-US" sz="2800" dirty="0" smtClean="0"/>
-              <a:t>   </a:t>
-            </a:r>
-            <a:r>
-              <a:rPr lang="en-US" sz="2800" dirty="0" smtClean="0"/>
-              <a:t>      </a:t>
-            </a:r>
-            <a:r>
-              <a:rPr lang="en-US" sz="2800" dirty="0" smtClean="0"/>
-              <a:t>sub  </a:t>
+              <a:t>         sub  </a:t>
             </a:r>
             <a:r>
               <a:rPr lang="en-US" sz="2800" dirty="0" smtClean="0">
@@ -5103,11 +4989,7 @@
             </a:pPr>
             <a:r>
               <a:rPr lang="en-US" sz="2800" dirty="0" smtClean="0"/>
-              <a:t>   </a:t>
-            </a:r>
-            <a:r>
-              <a:rPr lang="en-US" sz="2800" dirty="0" smtClean="0"/>
-              <a:t>      </a:t>
+              <a:t>         </a:t>
             </a:r>
             <a:r>
               <a:rPr lang="en-US" sz="2800" dirty="0" err="1" smtClean="0"/>
@@ -5147,11 +5029,7 @@
             </a:pPr>
             <a:r>
               <a:rPr lang="en-US" sz="2800" dirty="0" smtClean="0"/>
-              <a:t>   </a:t>
-            </a:r>
-            <a:r>
-              <a:rPr lang="en-US" sz="2800" dirty="0" smtClean="0"/>
-              <a:t>      </a:t>
+              <a:t>         </a:t>
             </a:r>
             <a:r>
               <a:rPr lang="en-US" sz="2800" dirty="0" err="1" smtClean="0"/>
@@ -5159,11 +5037,7 @@
             </a:r>
             <a:r>
               <a:rPr lang="en-US" sz="2800" dirty="0" smtClean="0"/>
-              <a:t>   </a:t>
-            </a:r>
-            <a:r>
-              <a:rPr lang="en-US" sz="2800" dirty="0" smtClean="0"/>
-              <a:t>  </a:t>
+              <a:t>     </a:t>
             </a:r>
             <a:r>
               <a:rPr lang="en-US" sz="2800" dirty="0" smtClean="0">
@@ -5199,11 +5073,7 @@
             </a:pPr>
             <a:r>
               <a:rPr lang="en-US" sz="2800" dirty="0" smtClean="0"/>
-              <a:t>   </a:t>
-            </a:r>
-            <a:r>
-              <a:rPr lang="en-US" sz="2800" dirty="0" smtClean="0"/>
-              <a:t>      </a:t>
+              <a:t>         </a:t>
             </a:r>
             <a:r>
               <a:rPr lang="en-US" sz="2800" dirty="0" err="1" smtClean="0"/>
@@ -5211,11 +5081,7 @@
             </a:r>
             <a:r>
               <a:rPr lang="en-US" sz="2800" dirty="0" smtClean="0"/>
-              <a:t>   </a:t>
-            </a:r>
-            <a:r>
-              <a:rPr lang="en-US" sz="2800" dirty="0" smtClean="0"/>
-              <a:t>  </a:t>
+              <a:t>     </a:t>
             </a:r>
             <a:r>
               <a:rPr lang="en-US" sz="2800" dirty="0" smtClean="0">
@@ -5251,11 +5117,7 @@
             </a:pPr>
             <a:r>
               <a:rPr lang="en-US" sz="2800" dirty="0" smtClean="0"/>
-              <a:t>   </a:t>
-            </a:r>
-            <a:r>
-              <a:rPr lang="en-US" sz="2800" dirty="0" smtClean="0"/>
-              <a:t>      </a:t>
+              <a:t>         </a:t>
             </a:r>
             <a:r>
               <a:rPr lang="en-US" sz="2800" dirty="0" err="1" smtClean="0"/>
@@ -5263,11 +5125,7 @@
             </a:r>
             <a:r>
               <a:rPr lang="en-US" sz="2800" dirty="0" smtClean="0"/>
-              <a:t>   </a:t>
-            </a:r>
-            <a:r>
-              <a:rPr lang="en-US" sz="2800" dirty="0" smtClean="0"/>
-              <a:t>  </a:t>
+              <a:t>     </a:t>
             </a:r>
             <a:r>
               <a:rPr lang="en-US" sz="2800" dirty="0" smtClean="0">
@@ -5303,15 +5161,7 @@
             </a:pPr>
             <a:r>
               <a:rPr lang="en-US" sz="2800" dirty="0" smtClean="0"/>
-              <a:t>   </a:t>
-            </a:r>
-            <a:r>
-              <a:rPr lang="en-US" sz="2800" dirty="0" smtClean="0"/>
-              <a:t>      </a:t>
-            </a:r>
-            <a:r>
-              <a:rPr lang="en-US" sz="2800" dirty="0" smtClean="0"/>
-              <a:t>addi </a:t>
+              <a:t>         addi </a:t>
             </a:r>
             <a:r>
               <a:rPr lang="en-US" sz="2800" dirty="0" smtClean="0">
@@ -5347,19 +5197,7 @@
             </a:pPr>
             <a:r>
               <a:rPr lang="en-US" sz="2800" dirty="0" smtClean="0"/>
-              <a:t>   </a:t>
-            </a:r>
-            <a:r>
-              <a:rPr lang="en-US" sz="2800" dirty="0" smtClean="0"/>
-              <a:t>      </a:t>
-            </a:r>
-            <a:r>
-              <a:rPr lang="en-US" sz="2800" dirty="0" smtClean="0"/>
-              <a:t>jalr </a:t>
-            </a:r>
-            <a:r>
-              <a:rPr lang="en-US" sz="2800" dirty="0" smtClean="0"/>
-              <a:t>  </a:t>
+              <a:t>         jalr   </a:t>
             </a:r>
             <a:r>
               <a:rPr lang="en-US" sz="2800" dirty="0" smtClean="0">
@@ -5502,15 +5340,7 @@
                   <a:srgbClr val="273272"/>
                 </a:solidFill>
               </a:rPr>
-              <a:t>  </a:t>
-            </a:r>
-            <a:r>
-              <a:rPr lang="en-US" sz="2800" dirty="0" smtClean="0">
-                <a:solidFill>
-                  <a:srgbClr val="273272"/>
-                </a:solidFill>
-              </a:rPr>
-              <a:t>      </a:t>
+              <a:t>        </a:t>
             </a:r>
             <a:r>
               <a:rPr lang="en-US" sz="2800" dirty="0" err="1" smtClean="0">
@@ -5565,15 +5395,7 @@
                   <a:srgbClr val="273272"/>
                 </a:solidFill>
               </a:rPr>
-              <a:t>    </a:t>
-            </a:r>
-            <a:r>
-              <a:rPr lang="en-US" sz="2800" dirty="0" smtClean="0">
-                <a:solidFill>
-                  <a:srgbClr val="273272"/>
-                </a:solidFill>
-              </a:rPr>
-              <a:t>    </a:t>
+              <a:t>        </a:t>
             </a:r>
             <a:r>
               <a:rPr lang="en-US" sz="2800" dirty="0" err="1" smtClean="0">
@@ -5628,15 +5450,7 @@
                   <a:srgbClr val="273272"/>
                 </a:solidFill>
               </a:rPr>
-              <a:t>    </a:t>
-            </a:r>
-            <a:r>
-              <a:rPr lang="en-US" sz="2800" dirty="0" smtClean="0">
-                <a:solidFill>
-                  <a:srgbClr val="273272"/>
-                </a:solidFill>
-              </a:rPr>
-              <a:t>    </a:t>
+              <a:t>        </a:t>
             </a:r>
             <a:r>
               <a:rPr lang="en-US" sz="2800" dirty="0" err="1" smtClean="0">
@@ -5704,15 +5518,7 @@
                   <a:srgbClr val="273272"/>
                 </a:solidFill>
               </a:rPr>
-              <a:t>   </a:t>
-            </a:r>
-            <a:r>
-              <a:rPr lang="en-US" sz="2800" dirty="0" smtClean="0">
-                <a:solidFill>
-                  <a:srgbClr val="273272"/>
-                </a:solidFill>
-              </a:rPr>
-              <a:t>     </a:t>
+              <a:t>        </a:t>
             </a:r>
             <a:r>
               <a:rPr lang="en-US" sz="2800" dirty="0" err="1" smtClean="0">
@@ -5822,15 +5628,7 @@
                   <a:srgbClr val="273272"/>
                 </a:solidFill>
               </a:rPr>
-              <a:t>   </a:t>
-            </a:r>
-            <a:r>
-              <a:rPr lang="en-US" sz="2800" dirty="0" smtClean="0">
-                <a:solidFill>
-                  <a:srgbClr val="273272"/>
-                </a:solidFill>
-              </a:rPr>
-              <a:t>     </a:t>
+              <a:t>        </a:t>
             </a:r>
             <a:r>
               <a:rPr lang="en-US" sz="2800" dirty="0" err="1" smtClean="0">
@@ -5885,15 +5683,7 @@
                   <a:srgbClr val="273272"/>
                 </a:solidFill>
               </a:rPr>
-              <a:t>   </a:t>
-            </a:r>
-            <a:r>
-              <a:rPr lang="en-US" sz="2800" dirty="0" smtClean="0">
-                <a:solidFill>
-                  <a:srgbClr val="273272"/>
-                </a:solidFill>
-              </a:rPr>
-              <a:t>     </a:t>
+              <a:t>        </a:t>
             </a:r>
             <a:r>
               <a:rPr lang="en-US" sz="2800" dirty="0" err="1" smtClean="0">
@@ -5948,15 +5738,7 @@
                   <a:srgbClr val="273272"/>
                 </a:solidFill>
               </a:rPr>
-              <a:t>   </a:t>
-            </a:r>
-            <a:r>
-              <a:rPr lang="en-US" sz="2800" dirty="0" smtClean="0">
-                <a:solidFill>
-                  <a:srgbClr val="273272"/>
-                </a:solidFill>
-              </a:rPr>
-              <a:t>     </a:t>
+              <a:t>        </a:t>
             </a:r>
             <a:r>
               <a:rPr lang="en-US" sz="2800" dirty="0" err="1" smtClean="0">
@@ -6050,15 +5832,7 @@
                   <a:srgbClr val="273272"/>
                 </a:solidFill>
               </a:rPr>
-              <a:t>   </a:t>
-            </a:r>
-            <a:r>
-              <a:rPr lang="en-US" sz="2800" dirty="0" smtClean="0">
-                <a:solidFill>
-                  <a:srgbClr val="273272"/>
-                </a:solidFill>
-              </a:rPr>
-              <a:t>     </a:t>
+              <a:t>        </a:t>
             </a:r>
             <a:r>
               <a:rPr lang="en-US" sz="2800" dirty="0" err="1" smtClean="0">
@@ -6271,15 +6045,7 @@
                   <a:srgbClr val="273272"/>
                 </a:solidFill>
               </a:rPr>
-              <a:t>    </a:t>
-            </a:r>
-            <a:r>
-              <a:rPr lang="en-US" sz="2800" dirty="0" smtClean="0">
-                <a:solidFill>
-                  <a:srgbClr val="273272"/>
-                </a:solidFill>
-              </a:rPr>
-              <a:t>    </a:t>
+              <a:t>        </a:t>
             </a:r>
             <a:r>
               <a:rPr lang="en-US" sz="2800" dirty="0" err="1" smtClean="0">
@@ -6433,11 +6199,7 @@
             </a:pPr>
             <a:r>
               <a:rPr lang="en-US" sz="6700" b="1" dirty="0" smtClean="0"/>
-              <a:t>Preserve </a:t>
-            </a:r>
-            <a:r>
-              <a:rPr lang="en-US" sz="6700" b="1" dirty="0" smtClean="0"/>
-              <a:t>registers</a:t>
+              <a:t>Preserve registers</a:t>
             </a:r>
             <a:r>
               <a:rPr lang="en-US" sz="8000" dirty="0" smtClean="0"/>
@@ -6489,29 +6251,8 @@
                   <a:srgbClr val="00B050"/>
                 </a:solidFill>
               </a:rPr>
-              <a:t># </a:t>
-            </a:r>
-            <a:r>
-              <a:rPr lang="en-US" sz="6000" dirty="0" smtClean="0">
-                <a:solidFill>
-                  <a:srgbClr val="00B050"/>
-                </a:solidFill>
-              </a:rPr>
-              <a:t>make room on stack for 5 </a:t>
-            </a:r>
-            <a:r>
-              <a:rPr lang="en-US" sz="6000" dirty="0" smtClean="0">
-                <a:solidFill>
-                  <a:srgbClr val="00B050"/>
-                </a:solidFill>
-              </a:rPr>
-              <a:t>registers</a:t>
-            </a:r>
-            <a:endParaRPr lang="en-US" sz="6000" dirty="0" smtClean="0">
-              <a:solidFill>
-                <a:srgbClr val="00B050"/>
-              </a:solidFill>
-            </a:endParaRPr>
+              <a:t># make room on stack for 5 registers</a:t>
+            </a:r>
           </a:p>
           <a:p>
             <a:pPr marL="233363" indent="-233363">
@@ -6526,11 +6267,7 @@
             </a:pPr>
             <a:r>
               <a:rPr lang="en-US" sz="6000" dirty="0" smtClean="0"/>
-              <a:t>  </a:t>
-            </a:r>
-            <a:r>
-              <a:rPr lang="en-US" sz="6000" dirty="0" smtClean="0"/>
-              <a:t>  </a:t>
+              <a:t>    </a:t>
             </a:r>
             <a:r>
               <a:rPr lang="en-US" sz="6000" dirty="0" err="1" smtClean="0"/>
@@ -6562,11 +6299,7 @@
             </a:r>
             <a:r>
               <a:rPr lang="en-US" sz="6000" dirty="0" smtClean="0"/>
-              <a:t>) </a:t>
-            </a:r>
-            <a:r>
-              <a:rPr lang="en-US" sz="6000" dirty="0" smtClean="0"/>
-              <a:t> </a:t>
+              <a:t>)  </a:t>
             </a:r>
             <a:r>
               <a:rPr lang="en-US" sz="6000" dirty="0" smtClean="0">
@@ -6574,7 +6307,15 @@
                   <a:srgbClr val="00B050"/>
                 </a:solidFill>
               </a:rPr>
-              <a:t># </a:t>
+              <a:t># save </a:t>
+            </a:r>
+            <a:r>
+              <a:rPr lang="en-US" sz="6000" dirty="0" err="1" smtClean="0">
+                <a:solidFill>
+                  <a:srgbClr val="00B050"/>
+                </a:solidFill>
+              </a:rPr>
+              <a:t>ra</a:t>
             </a:r>
             <a:r>
               <a:rPr lang="en-US" sz="6000" dirty="0" smtClean="0">
@@ -6582,31 +6323,7 @@
                   <a:srgbClr val="00B050"/>
                 </a:solidFill>
               </a:rPr>
-              <a:t>save </a:t>
-            </a:r>
-            <a:r>
-              <a:rPr lang="en-US" sz="6000" dirty="0" err="1" smtClean="0">
-                <a:solidFill>
-                  <a:srgbClr val="00B050"/>
-                </a:solidFill>
-              </a:rPr>
-              <a:t>ra</a:t>
-            </a:r>
-            <a:r>
-              <a:rPr lang="en-US" sz="6000" dirty="0" smtClean="0">
-                <a:solidFill>
-                  <a:srgbClr val="00B050"/>
-                </a:solidFill>
-              </a:rPr>
-              <a:t> (x1) </a:t>
-            </a:r>
-            <a:r>
-              <a:rPr lang="en-US" sz="6000" dirty="0" smtClean="0">
-                <a:solidFill>
-                  <a:srgbClr val="00B050"/>
-                </a:solidFill>
-              </a:rPr>
-              <a:t>on stack</a:t>
+              <a:t> (x1) on stack</a:t>
             </a:r>
           </a:p>
           <a:p>
@@ -6622,11 +6339,7 @@
             </a:pPr>
             <a:r>
               <a:rPr lang="en-US" sz="6000" dirty="0" smtClean="0"/>
-              <a:t>  </a:t>
-            </a:r>
-            <a:r>
-              <a:rPr lang="en-US" sz="6000" dirty="0" smtClean="0"/>
-              <a:t>  </a:t>
+              <a:t>    </a:t>
             </a:r>
             <a:r>
               <a:rPr lang="en-US" sz="6000" dirty="0" err="1" smtClean="0"/>
@@ -6666,31 +6379,7 @@
                   <a:srgbClr val="00B050"/>
                 </a:solidFill>
               </a:rPr>
-              <a:t># </a:t>
-            </a:r>
-            <a:r>
-              <a:rPr lang="en-US" sz="6000" dirty="0" smtClean="0">
-                <a:solidFill>
-                  <a:srgbClr val="00B050"/>
-                </a:solidFill>
-              </a:rPr>
-              <a:t>save </a:t>
-            </a:r>
-            <a:r>
-              <a:rPr lang="en-US" sz="6000" dirty="0" smtClean="0">
-                <a:solidFill>
-                  <a:srgbClr val="00B050"/>
-                </a:solidFill>
-              </a:rPr>
-              <a:t>s1 (x9) </a:t>
-            </a:r>
-            <a:r>
-              <a:rPr lang="en-US" sz="6000" dirty="0" smtClean="0">
-                <a:solidFill>
-                  <a:srgbClr val="00B050"/>
-                </a:solidFill>
-              </a:rPr>
-              <a:t>on stack</a:t>
+              <a:t># save s1 (x9) on stack</a:t>
             </a:r>
           </a:p>
           <a:p>
@@ -6706,11 +6395,7 @@
             </a:pPr>
             <a:r>
               <a:rPr lang="en-US" sz="6000" dirty="0" smtClean="0"/>
-              <a:t>  </a:t>
-            </a:r>
-            <a:r>
-              <a:rPr lang="en-US" sz="6000" dirty="0" smtClean="0"/>
-              <a:t>  </a:t>
+              <a:t>    </a:t>
             </a:r>
             <a:r>
               <a:rPr lang="en-US" sz="6000" dirty="0" err="1" smtClean="0"/>
@@ -6742,11 +6427,7 @@
             </a:r>
             <a:r>
               <a:rPr lang="en-US" sz="6000" dirty="0" smtClean="0"/>
-              <a:t>) </a:t>
-            </a:r>
-            <a:r>
-              <a:rPr lang="en-US" sz="6000" dirty="0" smtClean="0"/>
-              <a:t> </a:t>
+              <a:t>)  </a:t>
             </a:r>
             <a:r>
               <a:rPr lang="en-US" sz="6000" dirty="0" smtClean="0">
@@ -6754,31 +6435,7 @@
                   <a:srgbClr val="00B050"/>
                 </a:solidFill>
               </a:rPr>
-              <a:t># </a:t>
-            </a:r>
-            <a:r>
-              <a:rPr lang="en-US" sz="6000" dirty="0" smtClean="0">
-                <a:solidFill>
-                  <a:srgbClr val="00B050"/>
-                </a:solidFill>
-              </a:rPr>
-              <a:t>save </a:t>
-            </a:r>
-            <a:r>
-              <a:rPr lang="en-US" sz="6000" dirty="0" smtClean="0">
-                <a:solidFill>
-                  <a:srgbClr val="00B050"/>
-                </a:solidFill>
-              </a:rPr>
-              <a:t>s2 (x18) </a:t>
-            </a:r>
-            <a:r>
-              <a:rPr lang="en-US" sz="6000" dirty="0" smtClean="0">
-                <a:solidFill>
-                  <a:srgbClr val="00B050"/>
-                </a:solidFill>
-              </a:rPr>
-              <a:t>on stack</a:t>
+              <a:t># save s2 (x18) on stack</a:t>
             </a:r>
           </a:p>
           <a:p>
@@ -6794,11 +6451,7 @@
             </a:pPr>
             <a:r>
               <a:rPr lang="en-US" sz="6000" dirty="0" smtClean="0"/>
-              <a:t>  </a:t>
-            </a:r>
-            <a:r>
-              <a:rPr lang="en-US" sz="6000" dirty="0" smtClean="0"/>
-              <a:t>  </a:t>
+              <a:t>    </a:t>
             </a:r>
             <a:r>
               <a:rPr lang="en-US" sz="6000" dirty="0" err="1" smtClean="0"/>
@@ -6830,11 +6483,7 @@
             </a:r>
             <a:r>
               <a:rPr lang="en-US" sz="6000" dirty="0" smtClean="0"/>
-              <a:t>) </a:t>
-            </a:r>
-            <a:r>
-              <a:rPr lang="en-US" sz="6000" dirty="0" smtClean="0"/>
-              <a:t> </a:t>
+              <a:t>)  </a:t>
             </a:r>
             <a:r>
               <a:rPr lang="en-US" sz="6000" dirty="0" smtClean="0">
@@ -6842,31 +6491,7 @@
                   <a:srgbClr val="00B050"/>
                 </a:solidFill>
               </a:rPr>
-              <a:t># </a:t>
-            </a:r>
-            <a:r>
-              <a:rPr lang="en-US" sz="6000" dirty="0" smtClean="0">
-                <a:solidFill>
-                  <a:srgbClr val="00B050"/>
-                </a:solidFill>
-              </a:rPr>
-              <a:t>save </a:t>
-            </a:r>
-            <a:r>
-              <a:rPr lang="en-US" sz="6000" dirty="0" smtClean="0">
-                <a:solidFill>
-                  <a:srgbClr val="00B050"/>
-                </a:solidFill>
-              </a:rPr>
-              <a:t>s3 (x19) </a:t>
-            </a:r>
-            <a:r>
-              <a:rPr lang="en-US" sz="6000" dirty="0" smtClean="0">
-                <a:solidFill>
-                  <a:srgbClr val="00B050"/>
-                </a:solidFill>
-              </a:rPr>
-              <a:t>on stack</a:t>
+              <a:t># save s3 (x19) on stack</a:t>
             </a:r>
           </a:p>
           <a:p>
@@ -6882,11 +6507,7 @@
             </a:pPr>
             <a:r>
               <a:rPr lang="en-US" sz="6000" dirty="0" smtClean="0"/>
-              <a:t>  </a:t>
-            </a:r>
-            <a:r>
-              <a:rPr lang="en-US" sz="6000" dirty="0" smtClean="0"/>
-              <a:t>  </a:t>
+              <a:t>    </a:t>
             </a:r>
             <a:r>
               <a:rPr lang="en-US" sz="6000" dirty="0" err="1" smtClean="0"/>
@@ -6926,31 +6547,7 @@
                   <a:srgbClr val="00B050"/>
                 </a:solidFill>
               </a:rPr>
-              <a:t># </a:t>
-            </a:r>
-            <a:r>
-              <a:rPr lang="en-US" sz="6000" dirty="0" smtClean="0">
-                <a:solidFill>
-                  <a:srgbClr val="00B050"/>
-                </a:solidFill>
-              </a:rPr>
-              <a:t>save </a:t>
-            </a:r>
-            <a:r>
-              <a:rPr lang="en-US" sz="6000" dirty="0" smtClean="0">
-                <a:solidFill>
-                  <a:srgbClr val="00B050"/>
-                </a:solidFill>
-              </a:rPr>
-              <a:t>s4 (x20) </a:t>
-            </a:r>
-            <a:r>
-              <a:rPr lang="en-US" sz="6000" dirty="0" smtClean="0">
-                <a:solidFill>
-                  <a:srgbClr val="00B050"/>
-                </a:solidFill>
-              </a:rPr>
-              <a:t>on stack</a:t>
+              <a:t># save s4 (x20) on stack</a:t>
             </a:r>
           </a:p>
           <a:p>
@@ -6962,15 +6559,7 @@
             </a:pPr>
             <a:r>
               <a:rPr lang="en-US" sz="6700" b="1" dirty="0" smtClean="0"/>
-              <a:t>Restore </a:t>
-            </a:r>
-            <a:r>
-              <a:rPr lang="en-US" sz="6700" b="1" dirty="0" smtClean="0"/>
-              <a:t>registers</a:t>
-            </a:r>
-            <a:r>
-              <a:rPr lang="en-US" sz="6700" b="1" dirty="0" smtClean="0"/>
-              <a:t>:</a:t>
+              <a:t>Restore registers:</a:t>
             </a:r>
           </a:p>
           <a:p>
@@ -7018,11 +6607,7 @@
             </a:r>
             <a:r>
               <a:rPr lang="en-US" sz="6000" dirty="0" smtClean="0"/>
-              <a:t>) </a:t>
-            </a:r>
-            <a:r>
-              <a:rPr lang="en-US" sz="6000" dirty="0" smtClean="0"/>
-              <a:t>  </a:t>
+              <a:t>)   </a:t>
             </a:r>
             <a:r>
               <a:rPr lang="en-US" sz="6000" dirty="0" smtClean="0">
@@ -7030,31 +6615,7 @@
                   <a:srgbClr val="00B050"/>
                 </a:solidFill>
               </a:rPr>
-              <a:t># </a:t>
-            </a:r>
-            <a:r>
-              <a:rPr lang="en-US" sz="6000" dirty="0" smtClean="0">
-                <a:solidFill>
-                  <a:srgbClr val="00B050"/>
-                </a:solidFill>
-              </a:rPr>
-              <a:t>restore </a:t>
-            </a:r>
-            <a:r>
-              <a:rPr lang="en-US" sz="6000" dirty="0" smtClean="0">
-                <a:solidFill>
-                  <a:srgbClr val="00B050"/>
-                </a:solidFill>
-              </a:rPr>
-              <a:t>s4 (x20) </a:t>
-            </a:r>
-            <a:r>
-              <a:rPr lang="en-US" sz="6000" dirty="0" smtClean="0">
-                <a:solidFill>
-                  <a:srgbClr val="00B050"/>
-                </a:solidFill>
-              </a:rPr>
-              <a:t>from stack</a:t>
+              <a:t># restore s4 (x20) from stack</a:t>
             </a:r>
           </a:p>
           <a:p>
@@ -7070,11 +6631,7 @@
             </a:pPr>
             <a:r>
               <a:rPr lang="en-US" sz="6000" dirty="0" smtClean="0"/>
-              <a:t>	</a:t>
-            </a:r>
-            <a:r>
-              <a:rPr lang="en-US" sz="6000" dirty="0" smtClean="0"/>
-              <a:t> </a:t>
+              <a:t>	 </a:t>
             </a:r>
             <a:r>
               <a:rPr lang="en-US" sz="6000" dirty="0" err="1" smtClean="0"/>
@@ -7106,11 +6663,7 @@
             </a:r>
             <a:r>
               <a:rPr lang="en-US" sz="6000" dirty="0" smtClean="0"/>
-              <a:t>)  </a:t>
-            </a:r>
-            <a:r>
-              <a:rPr lang="en-US" sz="6000" dirty="0" smtClean="0"/>
-              <a:t> </a:t>
+              <a:t>)   </a:t>
             </a:r>
             <a:r>
               <a:rPr lang="en-US" sz="6000" dirty="0" smtClean="0">
@@ -7118,31 +6671,7 @@
                   <a:srgbClr val="00B050"/>
                 </a:solidFill>
               </a:rPr>
-              <a:t># </a:t>
-            </a:r>
-            <a:r>
-              <a:rPr lang="en-US" sz="6000" dirty="0" smtClean="0">
-                <a:solidFill>
-                  <a:srgbClr val="00B050"/>
-                </a:solidFill>
-              </a:rPr>
-              <a:t>restore </a:t>
-            </a:r>
-            <a:r>
-              <a:rPr lang="en-US" sz="6000" dirty="0" smtClean="0">
-                <a:solidFill>
-                  <a:srgbClr val="00B050"/>
-                </a:solidFill>
-              </a:rPr>
-              <a:t>s3 (x19) from </a:t>
-            </a:r>
-            <a:r>
-              <a:rPr lang="en-US" sz="6000" dirty="0" smtClean="0">
-                <a:solidFill>
-                  <a:srgbClr val="00B050"/>
-                </a:solidFill>
-              </a:rPr>
-              <a:t>stack</a:t>
+              <a:t># restore s3 (x19) from stack</a:t>
             </a:r>
           </a:p>
           <a:p>
@@ -7158,11 +6687,7 @@
             </a:pPr>
             <a:r>
               <a:rPr lang="en-US" sz="6000" dirty="0" smtClean="0"/>
-              <a:t>	</a:t>
-            </a:r>
-            <a:r>
-              <a:rPr lang="en-US" sz="6000" dirty="0" smtClean="0"/>
-              <a:t> </a:t>
+              <a:t>	 </a:t>
             </a:r>
             <a:r>
               <a:rPr lang="en-US" sz="6000" dirty="0" err="1" smtClean="0"/>
@@ -7194,11 +6719,7 @@
             </a:r>
             <a:r>
               <a:rPr lang="en-US" sz="6000" dirty="0" smtClean="0"/>
-              <a:t>) </a:t>
-            </a:r>
-            <a:r>
-              <a:rPr lang="en-US" sz="6000" dirty="0" smtClean="0"/>
-              <a:t>  </a:t>
+              <a:t>)   </a:t>
             </a:r>
             <a:r>
               <a:rPr lang="en-US" sz="6000" dirty="0" smtClean="0">
@@ -7206,31 +6727,7 @@
                   <a:srgbClr val="00B050"/>
                 </a:solidFill>
               </a:rPr>
-              <a:t># </a:t>
-            </a:r>
-            <a:r>
-              <a:rPr lang="en-US" sz="6000" dirty="0" smtClean="0">
-                <a:solidFill>
-                  <a:srgbClr val="00B050"/>
-                </a:solidFill>
-              </a:rPr>
-              <a:t>restore </a:t>
-            </a:r>
-            <a:r>
-              <a:rPr lang="en-US" sz="6000" dirty="0" smtClean="0">
-                <a:solidFill>
-                  <a:srgbClr val="00B050"/>
-                </a:solidFill>
-              </a:rPr>
-              <a:t>s2 (x18) from </a:t>
-            </a:r>
-            <a:r>
-              <a:rPr lang="en-US" sz="6000" dirty="0" smtClean="0">
-                <a:solidFill>
-                  <a:srgbClr val="00B050"/>
-                </a:solidFill>
-              </a:rPr>
-              <a:t>stack</a:t>
+              <a:t># restore s2 (x18) from stack</a:t>
             </a:r>
           </a:p>
           <a:p>
@@ -7246,11 +6743,7 @@
             </a:pPr>
             <a:r>
               <a:rPr lang="en-US" sz="6000" dirty="0" smtClean="0"/>
-              <a:t>	</a:t>
-            </a:r>
-            <a:r>
-              <a:rPr lang="en-US" sz="6000" dirty="0" smtClean="0"/>
-              <a:t> </a:t>
+              <a:t>	 </a:t>
             </a:r>
             <a:r>
               <a:rPr lang="en-US" sz="6000" dirty="0" err="1" smtClean="0"/>
@@ -7290,31 +6783,7 @@
                   <a:srgbClr val="00B050"/>
                 </a:solidFill>
               </a:rPr>
-              <a:t># </a:t>
-            </a:r>
-            <a:r>
-              <a:rPr lang="en-US" sz="6000" dirty="0" smtClean="0">
-                <a:solidFill>
-                  <a:srgbClr val="00B050"/>
-                </a:solidFill>
-              </a:rPr>
-              <a:t>restore </a:t>
-            </a:r>
-            <a:r>
-              <a:rPr lang="en-US" sz="6000" dirty="0" smtClean="0">
-                <a:solidFill>
-                  <a:srgbClr val="00B050"/>
-                </a:solidFill>
-              </a:rPr>
-              <a:t>s1 (x9) from </a:t>
-            </a:r>
-            <a:r>
-              <a:rPr lang="en-US" sz="6000" dirty="0" smtClean="0">
-                <a:solidFill>
-                  <a:srgbClr val="00B050"/>
-                </a:solidFill>
-              </a:rPr>
-              <a:t>stack</a:t>
+              <a:t># restore s1 (x9) from stack</a:t>
             </a:r>
           </a:p>
           <a:p>
@@ -7330,11 +6799,7 @@
             </a:pPr>
             <a:r>
               <a:rPr lang="en-US" sz="6000" dirty="0" smtClean="0"/>
-              <a:t>	</a:t>
-            </a:r>
-            <a:r>
-              <a:rPr lang="en-US" sz="6000" dirty="0" smtClean="0"/>
-              <a:t> </a:t>
+              <a:t>	 </a:t>
             </a:r>
             <a:r>
               <a:rPr lang="en-US" sz="6000" dirty="0" err="1" smtClean="0"/>
@@ -7366,11 +6831,7 @@
             </a:r>
             <a:r>
               <a:rPr lang="en-US" sz="6000" dirty="0" smtClean="0"/>
-              <a:t>)  </a:t>
-            </a:r>
-            <a:r>
-              <a:rPr lang="en-US" sz="6000" dirty="0" smtClean="0"/>
-              <a:t>  </a:t>
+              <a:t>)    </a:t>
             </a:r>
             <a:r>
               <a:rPr lang="en-US" sz="6000" dirty="0" smtClean="0">
@@ -7378,7 +6839,15 @@
                   <a:srgbClr val="00B050"/>
                 </a:solidFill>
               </a:rPr>
-              <a:t># </a:t>
+              <a:t># restore </a:t>
+            </a:r>
+            <a:r>
+              <a:rPr lang="en-US" sz="6000" dirty="0" err="1" smtClean="0">
+                <a:solidFill>
+                  <a:srgbClr val="00B050"/>
+                </a:solidFill>
+              </a:rPr>
+              <a:t>ra</a:t>
             </a:r>
             <a:r>
               <a:rPr lang="en-US" sz="6000" dirty="0" smtClean="0">
@@ -7386,31 +6855,7 @@
                   <a:srgbClr val="00B050"/>
                 </a:solidFill>
               </a:rPr>
-              <a:t>restore </a:t>
-            </a:r>
-            <a:r>
-              <a:rPr lang="en-US" sz="6000" dirty="0" err="1" smtClean="0">
-                <a:solidFill>
-                  <a:srgbClr val="00B050"/>
-                </a:solidFill>
-              </a:rPr>
-              <a:t>ra</a:t>
-            </a:r>
-            <a:r>
-              <a:rPr lang="en-US" sz="6000" dirty="0" smtClean="0">
-                <a:solidFill>
-                  <a:srgbClr val="00B050"/>
-                </a:solidFill>
-              </a:rPr>
-              <a:t> (x1) </a:t>
-            </a:r>
-            <a:r>
-              <a:rPr lang="en-US" sz="6000" dirty="0" smtClean="0">
-                <a:solidFill>
-                  <a:srgbClr val="00B050"/>
-                </a:solidFill>
-              </a:rPr>
-              <a:t>from stack</a:t>
+              <a:t> (x1) from stack</a:t>
             </a:r>
           </a:p>
           <a:p>
@@ -7450,11 +6895,7 @@
             </a:r>
             <a:r>
               <a:rPr lang="en-US" sz="6000" dirty="0" smtClean="0"/>
-              <a:t>, </a:t>
-            </a:r>
-            <a:r>
-              <a:rPr lang="en-US" sz="6000" dirty="0" smtClean="0"/>
-              <a:t>20    </a:t>
+              <a:t>, 20    </a:t>
             </a:r>
             <a:r>
               <a:rPr lang="en-US" sz="6000" dirty="0" smtClean="0">
@@ -7462,15 +6903,7 @@
                   <a:srgbClr val="00B050"/>
                 </a:solidFill>
               </a:rPr>
-              <a:t># </a:t>
-            </a:r>
-            <a:r>
-              <a:rPr lang="en-US" sz="6000" dirty="0" smtClean="0">
-                <a:solidFill>
-                  <a:srgbClr val="00B050"/>
-                </a:solidFill>
-              </a:rPr>
-              <a:t>restore stack pointer</a:t>
+              <a:t># restore stack pointer</a:t>
             </a:r>
           </a:p>
           <a:p>
@@ -7486,11 +6919,7 @@
             </a:pPr>
             <a:r>
               <a:rPr lang="en-US" sz="6000" dirty="0" smtClean="0"/>
-              <a:t>  </a:t>
-            </a:r>
-            <a:r>
-              <a:rPr lang="en-US" sz="6000" dirty="0" smtClean="0"/>
-              <a:t>  jalr   </a:t>
+              <a:t>    jalr   </a:t>
             </a:r>
             <a:r>
               <a:rPr lang="en-US" sz="6000" dirty="0" smtClean="0">
@@ -7524,11 +6953,6 @@
               </a:rPr>
               <a:t># return to caller</a:t>
             </a:r>
-            <a:endParaRPr lang="en-US" sz="6000" dirty="0" smtClean="0">
-              <a:solidFill>
-                <a:srgbClr val="00B050"/>
-              </a:solidFill>
-            </a:endParaRPr>
           </a:p>
           <a:p>
             <a:endParaRPr lang="ru-RU" dirty="0"/>
@@ -7646,11 +7070,7 @@
             </a:pPr>
             <a:r>
               <a:rPr lang="en-US" sz="6700" b="1" dirty="0" smtClean="0"/>
-              <a:t>Preserve </a:t>
-            </a:r>
-            <a:r>
-              <a:rPr lang="en-US" sz="6700" b="1" dirty="0" smtClean="0"/>
-              <a:t>registers</a:t>
+              <a:t>Preserve registers</a:t>
             </a:r>
             <a:r>
               <a:rPr lang="en-US" sz="8000" dirty="0" smtClean="0"/>
@@ -7702,29 +7122,8 @@
                   <a:srgbClr val="00B050"/>
                 </a:solidFill>
               </a:rPr>
-              <a:t># </a:t>
-            </a:r>
-            <a:r>
-              <a:rPr lang="en-US" sz="6000" dirty="0" smtClean="0">
-                <a:solidFill>
-                  <a:srgbClr val="00B050"/>
-                </a:solidFill>
-              </a:rPr>
-              <a:t>make room on stack for 4</a:t>
-            </a:r>
-            <a:r>
-              <a:rPr lang="en-US" sz="6000" dirty="0" smtClean="0">
-                <a:solidFill>
-                  <a:srgbClr val="00B050"/>
-                </a:solidFill>
-              </a:rPr>
-              <a:t> registers</a:t>
-            </a:r>
-            <a:endParaRPr lang="en-US" sz="6000" dirty="0" smtClean="0">
-              <a:solidFill>
-                <a:srgbClr val="00B050"/>
-              </a:solidFill>
-            </a:endParaRPr>
+              <a:t># make room on stack for 4 registers</a:t>
+            </a:r>
           </a:p>
           <a:p>
             <a:pPr marL="233363" indent="-233363">
@@ -7739,11 +7138,7 @@
             </a:pPr>
             <a:r>
               <a:rPr lang="en-US" sz="6000" dirty="0" smtClean="0"/>
-              <a:t>  </a:t>
-            </a:r>
-            <a:r>
-              <a:rPr lang="en-US" sz="6000" dirty="0" smtClean="0"/>
-              <a:t>  </a:t>
+              <a:t>    </a:t>
             </a:r>
             <a:r>
               <a:rPr lang="en-US" sz="6000" dirty="0" err="1" smtClean="0"/>
@@ -7783,31 +7178,7 @@
                   <a:srgbClr val="00B050"/>
                 </a:solidFill>
               </a:rPr>
-              <a:t># </a:t>
-            </a:r>
-            <a:r>
-              <a:rPr lang="en-US" sz="6000" dirty="0" smtClean="0">
-                <a:solidFill>
-                  <a:srgbClr val="00B050"/>
-                </a:solidFill>
-              </a:rPr>
-              <a:t>save </a:t>
-            </a:r>
-            <a:r>
-              <a:rPr lang="en-US" sz="6000" dirty="0" smtClean="0">
-                <a:solidFill>
-                  <a:srgbClr val="00B050"/>
-                </a:solidFill>
-              </a:rPr>
-              <a:t>t0 (x5) </a:t>
-            </a:r>
-            <a:r>
-              <a:rPr lang="en-US" sz="6000" dirty="0" smtClean="0">
-                <a:solidFill>
-                  <a:srgbClr val="00B050"/>
-                </a:solidFill>
-              </a:rPr>
-              <a:t>on stack</a:t>
+              <a:t># save t0 (x5) on stack</a:t>
             </a:r>
           </a:p>
           <a:p>
@@ -7823,11 +7194,7 @@
             </a:pPr>
             <a:r>
               <a:rPr lang="en-US" sz="6000" dirty="0" smtClean="0"/>
-              <a:t>  </a:t>
-            </a:r>
-            <a:r>
-              <a:rPr lang="en-US" sz="6000" dirty="0" smtClean="0"/>
-              <a:t>  </a:t>
+              <a:t>    </a:t>
             </a:r>
             <a:r>
               <a:rPr lang="en-US" sz="6000" dirty="0" err="1" smtClean="0"/>
@@ -7859,11 +7226,7 @@
             </a:r>
             <a:r>
               <a:rPr lang="en-US" sz="6000" dirty="0" smtClean="0"/>
-              <a:t>) </a:t>
-            </a:r>
-            <a:r>
-              <a:rPr lang="en-US" sz="6000" dirty="0" smtClean="0"/>
-              <a:t> </a:t>
+              <a:t>)  </a:t>
             </a:r>
             <a:r>
               <a:rPr lang="en-US" sz="6000" dirty="0" smtClean="0">
@@ -7871,31 +7234,7 @@
                   <a:srgbClr val="00B050"/>
                 </a:solidFill>
               </a:rPr>
-              <a:t># </a:t>
-            </a:r>
-            <a:r>
-              <a:rPr lang="en-US" sz="6000" dirty="0" smtClean="0">
-                <a:solidFill>
-                  <a:srgbClr val="00B050"/>
-                </a:solidFill>
-              </a:rPr>
-              <a:t>save </a:t>
-            </a:r>
-            <a:r>
-              <a:rPr lang="en-US" sz="6000" dirty="0" smtClean="0">
-                <a:solidFill>
-                  <a:srgbClr val="00B050"/>
-                </a:solidFill>
-              </a:rPr>
-              <a:t>t1 (x6) </a:t>
-            </a:r>
-            <a:r>
-              <a:rPr lang="en-US" sz="6000" dirty="0" smtClean="0">
-                <a:solidFill>
-                  <a:srgbClr val="00B050"/>
-                </a:solidFill>
-              </a:rPr>
-              <a:t>on stack</a:t>
+              <a:t># save t1 (x6) on stack</a:t>
             </a:r>
           </a:p>
           <a:p>
@@ -7911,11 +7250,7 @@
             </a:pPr>
             <a:r>
               <a:rPr lang="en-US" sz="6000" dirty="0" smtClean="0"/>
-              <a:t>  </a:t>
-            </a:r>
-            <a:r>
-              <a:rPr lang="en-US" sz="6000" dirty="0" smtClean="0"/>
-              <a:t>  </a:t>
+              <a:t>    </a:t>
             </a:r>
             <a:r>
               <a:rPr lang="en-US" sz="6000" dirty="0" err="1" smtClean="0"/>
@@ -7947,11 +7282,7 @@
             </a:r>
             <a:r>
               <a:rPr lang="en-US" sz="6000" dirty="0" smtClean="0"/>
-              <a:t>) </a:t>
-            </a:r>
-            <a:r>
-              <a:rPr lang="en-US" sz="6000" dirty="0" smtClean="0"/>
-              <a:t> </a:t>
+              <a:t>)  </a:t>
             </a:r>
             <a:r>
               <a:rPr lang="en-US" sz="6000" dirty="0" smtClean="0">
@@ -7959,31 +7290,7 @@
                   <a:srgbClr val="00B050"/>
                 </a:solidFill>
               </a:rPr>
-              <a:t># </a:t>
-            </a:r>
-            <a:r>
-              <a:rPr lang="en-US" sz="6000" dirty="0" smtClean="0">
-                <a:solidFill>
-                  <a:srgbClr val="00B050"/>
-                </a:solidFill>
-              </a:rPr>
-              <a:t>save </a:t>
-            </a:r>
-            <a:r>
-              <a:rPr lang="en-US" sz="6000" dirty="0" smtClean="0">
-                <a:solidFill>
-                  <a:srgbClr val="00B050"/>
-                </a:solidFill>
-              </a:rPr>
-              <a:t>t2 (x7) </a:t>
-            </a:r>
-            <a:r>
-              <a:rPr lang="en-US" sz="6000" dirty="0" smtClean="0">
-                <a:solidFill>
-                  <a:srgbClr val="00B050"/>
-                </a:solidFill>
-              </a:rPr>
-              <a:t>on stack</a:t>
+              <a:t># save t2 (x7) on stack</a:t>
             </a:r>
           </a:p>
           <a:p>
@@ -7999,11 +7306,7 @@
             </a:pPr>
             <a:r>
               <a:rPr lang="en-US" sz="6000" dirty="0" smtClean="0"/>
-              <a:t>  </a:t>
-            </a:r>
-            <a:r>
-              <a:rPr lang="en-US" sz="6000" dirty="0" smtClean="0"/>
-              <a:t>  </a:t>
+              <a:t>    </a:t>
             </a:r>
             <a:r>
               <a:rPr lang="en-US" sz="6000" dirty="0" err="1" smtClean="0"/>
@@ -8043,31 +7346,7 @@
                   <a:srgbClr val="00B050"/>
                 </a:solidFill>
               </a:rPr>
-              <a:t># </a:t>
-            </a:r>
-            <a:r>
-              <a:rPr lang="en-US" sz="6000" dirty="0" smtClean="0">
-                <a:solidFill>
-                  <a:srgbClr val="00B050"/>
-                </a:solidFill>
-              </a:rPr>
-              <a:t>save </a:t>
-            </a:r>
-            <a:r>
-              <a:rPr lang="en-US" sz="6000" dirty="0" smtClean="0">
-                <a:solidFill>
-                  <a:srgbClr val="00B050"/>
-                </a:solidFill>
-              </a:rPr>
-              <a:t>t3 (x28) </a:t>
-            </a:r>
-            <a:r>
-              <a:rPr lang="en-US" sz="6000" dirty="0" smtClean="0">
-                <a:solidFill>
-                  <a:srgbClr val="00B050"/>
-                </a:solidFill>
-              </a:rPr>
-              <a:t>on stack</a:t>
+              <a:t># save t3 (x28) on stack</a:t>
             </a:r>
           </a:p>
           <a:p>
@@ -8079,13 +7358,8 @@
             </a:pPr>
             <a:r>
               <a:rPr lang="en-US" sz="6700" b="1" dirty="0" smtClean="0"/>
-              <a:t>Restore </a:t>
-            </a:r>
-            <a:r>
-              <a:rPr lang="en-US" sz="6700" b="1" dirty="0" smtClean="0"/>
-              <a:t>registers:</a:t>
-            </a:r>
-            <a:endParaRPr lang="en-US" sz="6700" b="1" dirty="0" smtClean="0"/>
+              <a:t>Restore registers:</a:t>
+            </a:r>
           </a:p>
           <a:p>
             <a:pPr marL="233363" indent="-233363">
@@ -8128,15 +7402,7 @@
                   <a:srgbClr val="00B050"/>
                 </a:solidFill>
               </a:rPr>
-              <a:t># </a:t>
-            </a:r>
-            <a:r>
-              <a:rPr lang="en-US" sz="6000" dirty="0" smtClean="0">
-                <a:solidFill>
-                  <a:srgbClr val="00B050"/>
-                </a:solidFill>
-              </a:rPr>
-              <a:t>jump to </a:t>
+              <a:t># jump to </a:t>
             </a:r>
             <a:r>
               <a:rPr lang="en-US" sz="6000" dirty="0" err="1" smtClean="0">
@@ -8196,11 +7462,7 @@
             </a:r>
             <a:r>
               <a:rPr lang="en-US" sz="6000" dirty="0" smtClean="0"/>
-              <a:t>) </a:t>
-            </a:r>
-            <a:r>
-              <a:rPr lang="en-US" sz="6000" dirty="0" smtClean="0"/>
-              <a:t>  </a:t>
+              <a:t>)   </a:t>
             </a:r>
             <a:r>
               <a:rPr lang="en-US" sz="6000" dirty="0" smtClean="0">
@@ -8208,31 +7470,7 @@
                   <a:srgbClr val="00B050"/>
                 </a:solidFill>
               </a:rPr>
-              <a:t># </a:t>
-            </a:r>
-            <a:r>
-              <a:rPr lang="en-US" sz="6000" dirty="0" smtClean="0">
-                <a:solidFill>
-                  <a:srgbClr val="00B050"/>
-                </a:solidFill>
-              </a:rPr>
-              <a:t>restore </a:t>
-            </a:r>
-            <a:r>
-              <a:rPr lang="en-US" sz="6000" dirty="0" smtClean="0">
-                <a:solidFill>
-                  <a:srgbClr val="00B050"/>
-                </a:solidFill>
-              </a:rPr>
-              <a:t>t3 (x28) </a:t>
-            </a:r>
-            <a:r>
-              <a:rPr lang="en-US" sz="6000" dirty="0" smtClean="0">
-                <a:solidFill>
-                  <a:srgbClr val="00B050"/>
-                </a:solidFill>
-              </a:rPr>
-              <a:t>from stack</a:t>
+              <a:t># restore t3 (x28) from stack</a:t>
             </a:r>
           </a:p>
           <a:p>
@@ -8248,11 +7486,7 @@
             </a:pPr>
             <a:r>
               <a:rPr lang="en-US" sz="6000" dirty="0" smtClean="0"/>
-              <a:t>	</a:t>
-            </a:r>
-            <a:r>
-              <a:rPr lang="en-US" sz="6000" dirty="0" smtClean="0"/>
-              <a:t> </a:t>
+              <a:t>	 </a:t>
             </a:r>
             <a:r>
               <a:rPr lang="en-US" sz="6000" dirty="0" err="1" smtClean="0"/>
@@ -8284,11 +7518,7 @@
             </a:r>
             <a:r>
               <a:rPr lang="en-US" sz="6000" dirty="0" smtClean="0"/>
-              <a:t>)  </a:t>
-            </a:r>
-            <a:r>
-              <a:rPr lang="en-US" sz="6000" dirty="0" smtClean="0"/>
-              <a:t> </a:t>
+              <a:t>)   </a:t>
             </a:r>
             <a:r>
               <a:rPr lang="en-US" sz="6000" dirty="0" smtClean="0">
@@ -8296,31 +7526,7 @@
                   <a:srgbClr val="00B050"/>
                 </a:solidFill>
               </a:rPr>
-              <a:t># </a:t>
-            </a:r>
-            <a:r>
-              <a:rPr lang="en-US" sz="6000" dirty="0" smtClean="0">
-                <a:solidFill>
-                  <a:srgbClr val="00B050"/>
-                </a:solidFill>
-              </a:rPr>
-              <a:t>restore </a:t>
-            </a:r>
-            <a:r>
-              <a:rPr lang="en-US" sz="6000" dirty="0" smtClean="0">
-                <a:solidFill>
-                  <a:srgbClr val="00B050"/>
-                </a:solidFill>
-              </a:rPr>
-              <a:t>t2 (x7) from </a:t>
-            </a:r>
-            <a:r>
-              <a:rPr lang="en-US" sz="6000" dirty="0" smtClean="0">
-                <a:solidFill>
-                  <a:srgbClr val="00B050"/>
-                </a:solidFill>
-              </a:rPr>
-              <a:t>stack</a:t>
+              <a:t># restore t2 (x7) from stack</a:t>
             </a:r>
           </a:p>
           <a:p>
@@ -8336,11 +7542,7 @@
             </a:pPr>
             <a:r>
               <a:rPr lang="en-US" sz="6000" dirty="0" smtClean="0"/>
-              <a:t>	</a:t>
-            </a:r>
-            <a:r>
-              <a:rPr lang="en-US" sz="6000" dirty="0" smtClean="0"/>
-              <a:t> </a:t>
+              <a:t>	 </a:t>
             </a:r>
             <a:r>
               <a:rPr lang="en-US" sz="6000" dirty="0" err="1" smtClean="0"/>
@@ -8372,11 +7574,7 @@
             </a:r>
             <a:r>
               <a:rPr lang="en-US" sz="6000" dirty="0" smtClean="0"/>
-              <a:t>) </a:t>
-            </a:r>
-            <a:r>
-              <a:rPr lang="en-US" sz="6000" dirty="0" smtClean="0"/>
-              <a:t>  </a:t>
+              <a:t>)   </a:t>
             </a:r>
             <a:r>
               <a:rPr lang="en-US" sz="6000" dirty="0" smtClean="0">
@@ -8384,31 +7582,7 @@
                   <a:srgbClr val="00B050"/>
                 </a:solidFill>
               </a:rPr>
-              <a:t># </a:t>
-            </a:r>
-            <a:r>
-              <a:rPr lang="en-US" sz="6000" dirty="0" smtClean="0">
-                <a:solidFill>
-                  <a:srgbClr val="00B050"/>
-                </a:solidFill>
-              </a:rPr>
-              <a:t>restore </a:t>
-            </a:r>
-            <a:r>
-              <a:rPr lang="en-US" sz="6000" dirty="0" smtClean="0">
-                <a:solidFill>
-                  <a:srgbClr val="00B050"/>
-                </a:solidFill>
-              </a:rPr>
-              <a:t>t1 (x6) from </a:t>
-            </a:r>
-            <a:r>
-              <a:rPr lang="en-US" sz="6000" dirty="0" smtClean="0">
-                <a:solidFill>
-                  <a:srgbClr val="00B050"/>
-                </a:solidFill>
-              </a:rPr>
-              <a:t>stack</a:t>
+              <a:t># restore t1 (x6) from stack</a:t>
             </a:r>
           </a:p>
           <a:p>
@@ -8424,11 +7598,7 @@
             </a:pPr>
             <a:r>
               <a:rPr lang="en-US" sz="6000" dirty="0" smtClean="0"/>
-              <a:t>	</a:t>
-            </a:r>
-            <a:r>
-              <a:rPr lang="en-US" sz="6000" dirty="0" smtClean="0"/>
-              <a:t> </a:t>
+              <a:t>	 </a:t>
             </a:r>
             <a:r>
               <a:rPr lang="en-US" sz="6000" dirty="0" err="1" smtClean="0"/>
@@ -8468,31 +7638,7 @@
                   <a:srgbClr val="00B050"/>
                 </a:solidFill>
               </a:rPr>
-              <a:t># </a:t>
-            </a:r>
-            <a:r>
-              <a:rPr lang="en-US" sz="6000" dirty="0" smtClean="0">
-                <a:solidFill>
-                  <a:srgbClr val="00B050"/>
-                </a:solidFill>
-              </a:rPr>
-              <a:t>restore </a:t>
-            </a:r>
-            <a:r>
-              <a:rPr lang="en-US" sz="6000" dirty="0" smtClean="0">
-                <a:solidFill>
-                  <a:srgbClr val="00B050"/>
-                </a:solidFill>
-              </a:rPr>
-              <a:t>t0 (x5) from </a:t>
-            </a:r>
-            <a:r>
-              <a:rPr lang="en-US" sz="6000" dirty="0" smtClean="0">
-                <a:solidFill>
-                  <a:srgbClr val="00B050"/>
-                </a:solidFill>
-              </a:rPr>
-              <a:t>stack</a:t>
+              <a:t># restore t0 (x5) from stack</a:t>
             </a:r>
           </a:p>
           <a:p>
@@ -8532,11 +7678,7 @@
             </a:r>
             <a:r>
               <a:rPr lang="en-US" sz="6000" dirty="0" smtClean="0"/>
-              <a:t>, </a:t>
-            </a:r>
-            <a:r>
-              <a:rPr lang="en-US" sz="6000" dirty="0" smtClean="0"/>
-              <a:t>16    </a:t>
+              <a:t>, 16    </a:t>
             </a:r>
             <a:r>
               <a:rPr lang="en-US" sz="6000" dirty="0" smtClean="0">
@@ -8544,23 +7686,7 @@
                   <a:srgbClr val="00B050"/>
                 </a:solidFill>
               </a:rPr>
-              <a:t># </a:t>
-            </a:r>
-            <a:r>
-              <a:rPr lang="en-US" sz="6000" dirty="0" smtClean="0">
-                <a:solidFill>
-                  <a:srgbClr val="00B050"/>
-                </a:solidFill>
-              </a:rPr>
-              <a:t>restore stack </a:t>
-            </a:r>
-            <a:r>
-              <a:rPr lang="en-US" sz="6000" dirty="0" smtClean="0">
-                <a:solidFill>
-                  <a:srgbClr val="00B050"/>
-                </a:solidFill>
-              </a:rPr>
-              <a:t>pointer</a:t>
+              <a:t># restore stack pointer</a:t>
             </a:r>
             <a:endParaRPr lang="ru-RU" dirty="0"/>
           </a:p>
@@ -8779,7 +7905,6 @@
               <a:rPr lang="en-US" sz="3200" dirty="0" smtClean="0"/>
               <a:t>    }</a:t>
             </a:r>
-            <a:endParaRPr lang="en-US" sz="3200" dirty="0" smtClean="0"/>
           </a:p>
           <a:p>
             <a:pPr>
@@ -8878,15 +8003,7 @@
                   <a:srgbClr val="273272"/>
                 </a:solidFill>
               </a:rPr>
-              <a:t>fact</a:t>
-            </a:r>
-            <a:r>
-              <a:rPr lang="en-US" sz="4300" b="1" i="1" dirty="0" smtClean="0">
-                <a:solidFill>
-                  <a:srgbClr val="273272"/>
-                </a:solidFill>
-              </a:rPr>
-              <a:t>:</a:t>
+              <a:t>fact:</a:t>
             </a:r>
           </a:p>
           <a:p>
@@ -8956,15 +8073,7 @@
                   <a:srgbClr val="273272"/>
                 </a:solidFill>
               </a:rPr>
-              <a:t>   </a:t>
-            </a:r>
-            <a:r>
-              <a:rPr lang="en-US" sz="4300" dirty="0" smtClean="0">
-                <a:solidFill>
-                  <a:srgbClr val="273272"/>
-                </a:solidFill>
-              </a:rPr>
-              <a:t>  </a:t>
+              <a:t>     </a:t>
             </a:r>
             <a:r>
               <a:rPr lang="en-US" sz="4300" dirty="0" err="1" smtClean="0">
@@ -9079,31 +8188,15 @@
                   <a:srgbClr val="273272"/>
                 </a:solidFill>
               </a:rPr>
-              <a:t>   </a:t>
-            </a:r>
-            <a:r>
-              <a:rPr lang="en-US" sz="4300" dirty="0" smtClean="0">
+              <a:t>     </a:t>
+            </a:r>
+            <a:r>
+              <a:rPr lang="en-US" sz="4300" u="sng" dirty="0" smtClean="0">
                 <a:solidFill>
                   <a:srgbClr val="273272"/>
                 </a:solidFill>
               </a:rPr>
-              <a:t>  </a:t>
-            </a:r>
-            <a:r>
-              <a:rPr lang="en-US" sz="4300" u="sng" dirty="0" smtClean="0">
-                <a:solidFill>
-                  <a:srgbClr val="273272"/>
-                </a:solidFill>
-              </a:rPr>
-              <a:t>jalr </a:t>
-            </a:r>
-            <a:r>
-              <a:rPr lang="en-US" sz="4300" u="sng" dirty="0" smtClean="0">
-                <a:solidFill>
-                  <a:srgbClr val="273272"/>
-                </a:solidFill>
-              </a:rPr>
-              <a:t>    </a:t>
+              <a:t>jalr     </a:t>
             </a:r>
             <a:r>
               <a:rPr lang="en-US" sz="4300" u="sng" dirty="0" smtClean="0">
@@ -9189,15 +8282,7 @@
                   <a:srgbClr val="273272"/>
                 </a:solidFill>
               </a:rPr>
-              <a:t>    </a:t>
-            </a:r>
-            <a:r>
-              <a:rPr lang="en-US" sz="4300" dirty="0" smtClean="0">
-                <a:solidFill>
-                  <a:srgbClr val="273272"/>
-                </a:solidFill>
-              </a:rPr>
-              <a:t> addi   </a:t>
+              <a:t>     addi   </a:t>
             </a:r>
             <a:r>
               <a:rPr lang="en-US" sz="4300" dirty="0" smtClean="0">
@@ -9252,15 +8337,7 @@
                   <a:srgbClr val="273272"/>
                 </a:solidFill>
               </a:rPr>
-              <a:t>    </a:t>
-            </a:r>
-            <a:r>
-              <a:rPr lang="en-US" sz="4300" dirty="0" smtClean="0">
-                <a:solidFill>
-                  <a:srgbClr val="273272"/>
-                </a:solidFill>
-              </a:rPr>
-              <a:t> </a:t>
+              <a:t>     </a:t>
             </a:r>
             <a:r>
               <a:rPr lang="en-US" sz="4300" dirty="0" err="1" smtClean="0">
@@ -9339,15 +8416,7 @@
                   <a:srgbClr val="273272"/>
                 </a:solidFill>
               </a:rPr>
-              <a:t>    </a:t>
-            </a:r>
-            <a:r>
-              <a:rPr lang="en-US" sz="4300" dirty="0" smtClean="0">
-                <a:solidFill>
-                  <a:srgbClr val="273272"/>
-                </a:solidFill>
-              </a:rPr>
-              <a:t> </a:t>
+              <a:t>     </a:t>
             </a:r>
             <a:r>
               <a:rPr lang="en-US" sz="4300" dirty="0" err="1" smtClean="0">
@@ -9481,31 +8550,15 @@
                   <a:srgbClr val="273272"/>
                 </a:solidFill>
               </a:rPr>
-              <a:t>   </a:t>
-            </a:r>
-            <a:r>
-              <a:rPr lang="en-US" sz="4300" dirty="0" smtClean="0">
+              <a:t>     </a:t>
+            </a:r>
+            <a:r>
+              <a:rPr lang="en-US" sz="4300" u="sng" dirty="0" smtClean="0">
                 <a:solidFill>
                   <a:srgbClr val="273272"/>
                 </a:solidFill>
               </a:rPr>
-              <a:t>  </a:t>
-            </a:r>
-            <a:r>
-              <a:rPr lang="en-US" sz="4300" u="sng" dirty="0" smtClean="0">
-                <a:solidFill>
-                  <a:srgbClr val="273272"/>
-                </a:solidFill>
-              </a:rPr>
-              <a:t>jal  </a:t>
-            </a:r>
-            <a:r>
-              <a:rPr lang="en-US" sz="4300" u="sng" dirty="0" smtClean="0">
-                <a:solidFill>
-                  <a:srgbClr val="273272"/>
-                </a:solidFill>
-              </a:rPr>
-              <a:t>     </a:t>
+              <a:t>jal       </a:t>
             </a:r>
             <a:r>
               <a:rPr lang="en-US" sz="4300" u="sng" dirty="0" err="1" smtClean="0">
@@ -9544,7 +8597,15 @@
                   <a:srgbClr val="273272"/>
                 </a:solidFill>
               </a:rPr>
-              <a:t>   </a:t>
+              <a:t>     </a:t>
+            </a:r>
+            <a:r>
+              <a:rPr lang="en-US" sz="4300" dirty="0" err="1" smtClean="0">
+                <a:solidFill>
+                  <a:srgbClr val="273272"/>
+                </a:solidFill>
+              </a:rPr>
+              <a:t>mv</a:t>
             </a:r>
             <a:r>
               <a:rPr lang="en-US" sz="4300" dirty="0" smtClean="0">
@@ -9552,31 +8613,7 @@
                   <a:srgbClr val="273272"/>
                 </a:solidFill>
               </a:rPr>
-              <a:t>  </a:t>
-            </a:r>
-            <a:r>
-              <a:rPr lang="en-US" sz="4300" dirty="0" err="1" smtClean="0">
-                <a:solidFill>
-                  <a:srgbClr val="273272"/>
-                </a:solidFill>
-              </a:rPr>
-              <a:t>mv</a:t>
-            </a:r>
-            <a:r>
-              <a:rPr lang="en-US" sz="4300" dirty="0" smtClean="0">
-                <a:solidFill>
-                  <a:srgbClr val="273272"/>
-                </a:solidFill>
-              </a:rPr>
-              <a:t>   </a:t>
-            </a:r>
-            <a:r>
-              <a:rPr lang="en-US" sz="4300" dirty="0" smtClean="0">
-                <a:solidFill>
-                  <a:srgbClr val="273272"/>
-                </a:solidFill>
-              </a:rPr>
-              <a:t>   </a:t>
+              <a:t>      </a:t>
             </a:r>
             <a:r>
               <a:rPr lang="en-US" sz="4300" dirty="0" smtClean="0">
@@ -9694,7 +8731,15 @@
                   <a:srgbClr val="273272"/>
                 </a:solidFill>
               </a:rPr>
-              <a:t>   </a:t>
+              <a:t>     </a:t>
+            </a:r>
+            <a:r>
+              <a:rPr lang="en-US" sz="4300" dirty="0" err="1" smtClean="0">
+                <a:solidFill>
+                  <a:srgbClr val="273272"/>
+                </a:solidFill>
+              </a:rPr>
+              <a:t>lw</a:t>
             </a:r>
             <a:r>
               <a:rPr lang="en-US" sz="4300" dirty="0" smtClean="0">
@@ -9702,31 +8747,7 @@
                   <a:srgbClr val="273272"/>
                 </a:solidFill>
               </a:rPr>
-              <a:t>  </a:t>
-            </a:r>
-            <a:r>
-              <a:rPr lang="en-US" sz="4300" dirty="0" err="1" smtClean="0">
-                <a:solidFill>
-                  <a:srgbClr val="273272"/>
-                </a:solidFill>
-              </a:rPr>
-              <a:t>lw</a:t>
-            </a:r>
-            <a:r>
-              <a:rPr lang="en-US" sz="4300" dirty="0" smtClean="0">
-                <a:solidFill>
-                  <a:srgbClr val="273272"/>
-                </a:solidFill>
-              </a:rPr>
-              <a:t>   </a:t>
-            </a:r>
-            <a:r>
-              <a:rPr lang="en-US" sz="4300" dirty="0" smtClean="0">
-                <a:solidFill>
-                  <a:srgbClr val="273272"/>
-                </a:solidFill>
-              </a:rPr>
-              <a:t>    </a:t>
+              <a:t>       </a:t>
             </a:r>
             <a:r>
               <a:rPr lang="en-US" sz="4300" dirty="0" err="1" smtClean="0">
@@ -9789,31 +8810,7 @@
                   <a:srgbClr val="273272"/>
                 </a:solidFill>
               </a:rPr>
-              <a:t>   </a:t>
-            </a:r>
-            <a:r>
-              <a:rPr lang="en-US" sz="4300" dirty="0" smtClean="0">
-                <a:solidFill>
-                  <a:srgbClr val="273272"/>
-                </a:solidFill>
-              </a:rPr>
-              <a:t>  </a:t>
-            </a:r>
-            <a:r>
-              <a:rPr lang="en-US" sz="4300" dirty="0" smtClean="0">
-                <a:solidFill>
-                  <a:srgbClr val="273272"/>
-                </a:solidFill>
-              </a:rPr>
-              <a:t>addi </a:t>
-            </a:r>
-            <a:r>
-              <a:rPr lang="en-US" sz="4300" dirty="0" smtClean="0">
-                <a:solidFill>
-                  <a:srgbClr val="273272"/>
-                </a:solidFill>
-              </a:rPr>
-              <a:t>   </a:t>
+              <a:t>     addi    </a:t>
             </a:r>
             <a:r>
               <a:rPr lang="en-US" sz="4300" dirty="0" smtClean="0">
@@ -9939,15 +8936,7 @@
                   <a:srgbClr val="273272"/>
                 </a:solidFill>
               </a:rPr>
-              <a:t>    </a:t>
-            </a:r>
-            <a:r>
-              <a:rPr lang="en-US" sz="4300" dirty="0" smtClean="0">
-                <a:solidFill>
-                  <a:srgbClr val="273272"/>
-                </a:solidFill>
-              </a:rPr>
-              <a:t> </a:t>
+              <a:t>     </a:t>
             </a:r>
             <a:r>
               <a:rPr lang="en-US" sz="4300" u="sng" dirty="0" smtClean="0">
@@ -10134,6 +9123,164 @@
       </p:grpSpPr>
       <p:sp>
         <p:nvSpPr>
+          <p:cNvPr id="2" name="Содержимое 1"/>
+          <p:cNvSpPr>
+            <a:spLocks noGrp="1"/>
+          </p:cNvSpPr>
+          <p:nvPr>
+            <p:ph idx="1"/>
+          </p:nvPr>
+        </p:nvSpPr>
+        <p:spPr>
+          <a:xfrm>
+            <a:off x="851263" y="1034362"/>
+            <a:ext cx="10515600" cy="4997896"/>
+          </a:xfrm>
+        </p:spPr>
+        <p:txBody>
+          <a:bodyPr/>
+          <a:lstStyle/>
+          <a:p>
+            <a:pPr marL="0" algn="just">
+              <a:lnSpc>
+                <a:spcPct val="80000"/>
+              </a:lnSpc>
+              <a:spcBef>
+                <a:spcPts val="0"/>
+              </a:spcBef>
+              <a:buNone/>
+            </a:pPr>
+            <a:r>
+              <a:rPr lang="en-US" b="1" dirty="0" smtClean="0">
+                <a:solidFill>
+                  <a:srgbClr val="F7B217"/>
+                </a:solidFill>
+              </a:rPr>
+              <a:t>Frame pointer </a:t>
+            </a:r>
+            <a:r>
+              <a:rPr lang="en-US" dirty="0" smtClean="0"/>
+              <a:t>is a value </a:t>
+            </a:r>
+            <a:r>
+              <a:rPr lang="en-US" dirty="0" smtClean="0"/>
+              <a:t>denoting the location of the saved registers and local variables for a given procedure</a:t>
+            </a:r>
+            <a:r>
+              <a:rPr lang="en-US" dirty="0" smtClean="0"/>
+              <a:t>. Simplifies programming because when stack-pointer changes programmers have to use different offsets to access the same values.</a:t>
+            </a:r>
+            <a:endParaRPr lang="ru-RU" dirty="0"/>
+          </a:p>
+        </p:txBody>
+      </p:sp>
+      <p:sp>
+        <p:nvSpPr>
+          <p:cNvPr id="3" name="Номер слайда 2"/>
+          <p:cNvSpPr>
+            <a:spLocks noGrp="1"/>
+          </p:cNvSpPr>
+          <p:nvPr>
+            <p:ph type="sldNum" sz="quarter" idx="12"/>
+          </p:nvPr>
+        </p:nvSpPr>
+        <p:spPr/>
+        <p:txBody>
+          <a:bodyPr/>
+          <a:lstStyle/>
+          <a:p>
+            <a:pPr algn="ctr"/>
+            <a:fld id="{1397BFD8-F312-4EF2-A268-44FB4BDDBBB0}" type="slidenum">
+              <a:rPr lang="ru-RU" smtClean="0"/>
+              <a:pPr algn="ctr"/>
+              <a:t>16</a:t>
+            </a:fld>
+            <a:endParaRPr lang="ru-RU" dirty="0"/>
+          </a:p>
+        </p:txBody>
+      </p:sp>
+      <p:sp>
+        <p:nvSpPr>
+          <p:cNvPr id="4" name="Заголовок 3"/>
+          <p:cNvSpPr>
+            <a:spLocks noGrp="1"/>
+          </p:cNvSpPr>
+          <p:nvPr>
+            <p:ph type="title"/>
+          </p:nvPr>
+        </p:nvSpPr>
+        <p:spPr/>
+        <p:txBody>
+          <a:bodyPr/>
+          <a:lstStyle/>
+          <a:p>
+            <a:r>
+              <a:rPr lang="en-US" dirty="0" smtClean="0"/>
+              <a:t>Frame Pointer</a:t>
+            </a:r>
+            <a:endParaRPr lang="ru-RU" dirty="0"/>
+          </a:p>
+        </p:txBody>
+      </p:sp>
+      <p:pic>
+        <p:nvPicPr>
+          <p:cNvPr id="5" name="Picture 1"/>
+          <p:cNvPicPr>
+            <a:picLocks noChangeAspect="1"/>
+          </p:cNvPicPr>
+          <p:nvPr/>
+        </p:nvPicPr>
+        <p:blipFill>
+          <a:blip r:embed="rId2" cstate="print"/>
+          <a:srcRect/>
+          <a:stretch>
+            <a:fillRect/>
+          </a:stretch>
+        </p:blipFill>
+        <p:spPr bwMode="auto">
+          <a:xfrm>
+            <a:off x="2486790" y="3370173"/>
+            <a:ext cx="7017730" cy="3418643"/>
+          </a:xfrm>
+          <a:prstGeom prst="rect">
+            <a:avLst/>
+          </a:prstGeom>
+          <a:noFill/>
+          <a:ln w="9525">
+            <a:noFill/>
+            <a:miter lim="800000"/>
+            <a:headEnd/>
+            <a:tailEnd/>
+          </a:ln>
+        </p:spPr>
+      </p:pic>
+    </p:spTree>
+  </p:cSld>
+  <p:clrMapOvr>
+    <a:masterClrMapping/>
+  </p:clrMapOvr>
+</p:sld>
+</file>
+
+<file path=ppt/slides/slide17.xml><?xml version="1.0" encoding="utf-8"?>
+<p:sld xmlns:a="http://schemas.openxmlformats.org/drawingml/2006/main" xmlns:r="http://schemas.openxmlformats.org/officeDocument/2006/relationships" xmlns:p="http://schemas.openxmlformats.org/presentationml/2006/main">
+  <p:cSld>
+    <p:spTree>
+      <p:nvGrpSpPr>
+        <p:cNvPr id="1" name=""/>
+        <p:cNvGrpSpPr/>
+        <p:nvPr/>
+      </p:nvGrpSpPr>
+      <p:grpSpPr>
+        <a:xfrm>
+          <a:off x="0" y="0"/>
+          <a:ext cx="0" cy="0"/>
+          <a:chOff x="0" y="0"/>
+          <a:chExt cx="0" cy="0"/>
+        </a:xfrm>
+      </p:grpSpPr>
+      <p:sp>
+        <p:nvSpPr>
           <p:cNvPr id="4" name="Прямоугольник 3"/>
           <p:cNvSpPr/>
           <p:nvPr/>
@@ -10614,7 +9761,7 @@
             <a:fld id="{1397BFD8-F312-4EF2-A268-44FB4BDDBBB0}" type="slidenum">
               <a:rPr lang="ru-RU" smtClean="0"/>
               <a:pPr algn="ctr"/>
-              <a:t>16</a:t>
+              <a:t>17</a:t>
             </a:fld>
             <a:endParaRPr lang="ru-RU" dirty="0"/>
           </a:p>
@@ -10623,7 +9770,7 @@
     </p:spTree>
     <p:extLst>
       <p:ext uri="{BB962C8B-B14F-4D97-AF65-F5344CB8AC3E}">
-        <p14:creationId xmlns="" xmlns:p14="http://schemas.microsoft.com/office/powerpoint/2010/main" val="4217875043"/>
+        <p14:creationId xmlns:p14="http://schemas.microsoft.com/office/powerpoint/2010/main" xmlns="" val="4217875043"/>
       </p:ext>
     </p:extLst>
   </p:cSld>
@@ -11252,15 +10399,7 @@
                   <a:srgbClr val="1E3272"/>
                 </a:solidFill>
               </a:rPr>
-              <a:t>        </a:t>
-            </a:r>
-            <a:r>
-              <a:rPr lang="en-US" sz="3600" dirty="0" smtClean="0">
-                <a:solidFill>
-                  <a:srgbClr val="1E3272"/>
-                </a:solidFill>
-              </a:rPr>
-              <a:t>.</a:t>
+              <a:t>        .</a:t>
             </a:r>
             <a:r>
               <a:rPr lang="en-US" sz="3600" dirty="0" smtClean="0">
@@ -11330,15 +10469,30 @@
                   <a:srgbClr val="1E3272"/>
                 </a:solidFill>
               </a:rPr>
-              <a:t>, </a:t>
-            </a:r>
+              <a:t>, 5</a:t>
+            </a:r>
+          </a:p>
+          <a:p>
+            <a:pPr>
+              <a:lnSpc>
+                <a:spcPct val="80000"/>
+              </a:lnSpc>
+            </a:pPr>
             <a:r>
               <a:rPr lang="en-US" sz="3600" dirty="0" smtClean="0">
                 <a:solidFill>
                   <a:srgbClr val="1E3272"/>
                 </a:solidFill>
               </a:rPr>
-              <a:t>5</a:t>
+              <a:t>        </a:t>
+            </a:r>
+            <a:r>
+              <a:rPr lang="en-US" sz="3600" dirty="0" err="1" smtClean="0">
+                <a:solidFill>
+                  <a:srgbClr val="1E3272"/>
+                </a:solidFill>
+              </a:rPr>
+              <a:t>ecall</a:t>
             </a:r>
             <a:endParaRPr lang="en-US" sz="3600" dirty="0" smtClean="0">
               <a:solidFill>
@@ -11355,18 +10509,10 @@
             <a:r>
               <a:rPr lang="en-US" sz="3600" dirty="0" smtClean="0">
                 <a:solidFill>
-                  <a:srgbClr val="1E3272"/>
-                </a:solidFill>
-              </a:rPr>
-              <a:t>        </a:t>
-            </a:r>
-            <a:r>
-              <a:rPr lang="en-US" sz="3600" dirty="0" err="1" smtClean="0">
-                <a:solidFill>
-                  <a:srgbClr val="1E3272"/>
-                </a:solidFill>
-              </a:rPr>
-              <a:t>ecall</a:t>
+                  <a:srgbClr val="00B050"/>
+                </a:solidFill>
+              </a:rPr>
+              <a:t>        # function call</a:t>
             </a:r>
             <a:endParaRPr lang="en-US" sz="3600" dirty="0" smtClean="0">
               <a:solidFill>
@@ -11381,20 +10527,103 @@
               </a:lnSpc>
             </a:pPr>
             <a:r>
+              <a:rPr lang="en-US" sz="3600" b="1" dirty="0" smtClean="0">
+                <a:solidFill>
+                  <a:srgbClr val="1E3272"/>
+                </a:solidFill>
+              </a:rPr>
+              <a:t>        </a:t>
+            </a:r>
+            <a:r>
+              <a:rPr lang="en-US" sz="3600" b="1" u="sng" dirty="0" err="1" smtClean="0">
+                <a:solidFill>
+                  <a:srgbClr val="1E3272"/>
+                </a:solidFill>
+              </a:rPr>
+              <a:t>func</a:t>
+            </a:r>
+            <a:r>
+              <a:rPr lang="en-US" sz="3600" b="1" u="sng" dirty="0" smtClean="0">
+                <a:solidFill>
+                  <a:srgbClr val="1E3272"/>
+                </a:solidFill>
+              </a:rPr>
+              <a:t>(a0)</a:t>
+            </a:r>
+            <a:endParaRPr lang="en-US" sz="3600" dirty="0" smtClean="0">
+              <a:solidFill>
+                <a:srgbClr val="00B050"/>
+              </a:solidFill>
+            </a:endParaRPr>
+          </a:p>
+          <a:p>
+            <a:pPr>
+              <a:lnSpc>
+                <a:spcPct val="80000"/>
+              </a:lnSpc>
+            </a:pPr>
+            <a:r>
               <a:rPr lang="en-US" sz="3600" dirty="0" smtClean="0">
                 <a:solidFill>
-                  <a:srgbClr val="00B050"/>
-                </a:solidFill>
-              </a:rPr>
-              <a:t>        # function </a:t>
+                  <a:srgbClr val="1E3272"/>
+                </a:solidFill>
+              </a:rPr>
+              <a:t>        </a:t>
+            </a:r>
+            <a:r>
+              <a:rPr lang="en-US" sz="3600" dirty="0" err="1" smtClean="0">
+                <a:solidFill>
+                  <a:srgbClr val="1E3272"/>
+                </a:solidFill>
+              </a:rPr>
+              <a:t>li</a:t>
             </a:r>
             <a:r>
               <a:rPr lang="en-US" sz="3600" dirty="0" smtClean="0">
                 <a:solidFill>
-                  <a:srgbClr val="00B050"/>
-                </a:solidFill>
-              </a:rPr>
-              <a:t>call</a:t>
+                  <a:srgbClr val="1E3272"/>
+                </a:solidFill>
+              </a:rPr>
+              <a:t> </a:t>
+            </a:r>
+            <a:r>
+              <a:rPr lang="en-US" sz="3600" dirty="0" smtClean="0">
+                <a:solidFill>
+                  <a:srgbClr val="FF0000"/>
+                </a:solidFill>
+              </a:rPr>
+              <a:t>a7</a:t>
+            </a:r>
+            <a:r>
+              <a:rPr lang="en-US" sz="3600" dirty="0" smtClean="0">
+                <a:solidFill>
+                  <a:srgbClr val="1E3272"/>
+                </a:solidFill>
+              </a:rPr>
+              <a:t>, 10</a:t>
+            </a:r>
+          </a:p>
+          <a:p>
+            <a:pPr>
+              <a:lnSpc>
+                <a:spcPct val="80000"/>
+              </a:lnSpc>
+            </a:pPr>
+            <a:r>
+              <a:rPr lang="en-US" sz="3600" dirty="0" smtClean="0">
+                <a:solidFill>
+                  <a:srgbClr val="1E3272"/>
+                </a:solidFill>
+              </a:rPr>
+              <a:t>        </a:t>
+            </a:r>
+            <a:r>
+              <a:rPr lang="en-US" sz="3600" dirty="0" err="1" smtClean="0">
+                <a:solidFill>
+                  <a:srgbClr val="1E3272"/>
+                </a:solidFill>
+              </a:rPr>
+              <a:t>ecall</a:t>
             </a:r>
             <a:endParaRPr lang="en-US" sz="3600" dirty="0" smtClean="0">
               <a:solidFill>
@@ -11409,7 +10638,7 @@
               </a:lnSpc>
             </a:pPr>
             <a:r>
-              <a:rPr lang="en-US" sz="3600" b="1" dirty="0" smtClean="0">
+              <a:rPr lang="en-US" sz="3600" dirty="0" smtClean="0">
                 <a:solidFill>
                   <a:srgbClr val="1E3272"/>
                 </a:solidFill>
@@ -11417,26 +10646,13 @@
               <a:t>        </a:t>
             </a:r>
             <a:r>
-              <a:rPr lang="en-US" sz="3600" b="1" u="sng" dirty="0" err="1" smtClean="0">
-                <a:solidFill>
-                  <a:srgbClr val="1E3272"/>
-                </a:solidFill>
-              </a:rPr>
-              <a:t>func</a:t>
-            </a:r>
-            <a:r>
-              <a:rPr lang="en-US" sz="3600" b="1" u="sng" dirty="0" smtClean="0">
-                <a:solidFill>
-                  <a:srgbClr val="1E3272"/>
-                </a:solidFill>
-              </a:rPr>
-              <a:t>(a0)</a:t>
-            </a:r>
-            <a:endParaRPr lang="en-US" sz="3600" dirty="0" smtClean="0">
-              <a:solidFill>
-                <a:srgbClr val="00B050"/>
-              </a:solidFill>
-            </a:endParaRPr>
+              <a:rPr lang="en-US" sz="3600" dirty="0" smtClean="0">
+                <a:solidFill>
+                  <a:srgbClr val="00B050"/>
+                </a:solidFill>
+              </a:rPr>
+              <a:t># function</a:t>
+            </a:r>
           </a:p>
           <a:p>
             <a:pPr>
@@ -11445,66 +10661,21 @@
               </a:lnSpc>
             </a:pPr>
             <a:r>
-              <a:rPr lang="en-US" sz="3600" dirty="0" smtClean="0">
+              <a:rPr lang="en-US" sz="3600" b="1" i="1" u="sng" dirty="0" err="1" smtClean="0">
                 <a:solidFill>
                   <a:srgbClr val="1E3272"/>
                 </a:solidFill>
               </a:rPr>
-              <a:t> </a:t>
-            </a:r>
-            <a:r>
-              <a:rPr lang="en-US" sz="3600" dirty="0" smtClean="0">
+              <a:t>func</a:t>
+            </a:r>
+            <a:r>
+              <a:rPr lang="en-US" sz="3600" b="1" i="1" u="sng" dirty="0" smtClean="0">
                 <a:solidFill>
                   <a:srgbClr val="1E3272"/>
                 </a:solidFill>
               </a:rPr>
-              <a:t>       </a:t>
-            </a:r>
-            <a:r>
-              <a:rPr lang="en-US" sz="3600" dirty="0" err="1" smtClean="0">
-                <a:solidFill>
-                  <a:srgbClr val="1E3272"/>
-                </a:solidFill>
-              </a:rPr>
-              <a:t>li</a:t>
-            </a:r>
-            <a:r>
-              <a:rPr lang="en-US" sz="3600" dirty="0" smtClean="0">
-                <a:solidFill>
-                  <a:srgbClr val="1E3272"/>
-                </a:solidFill>
-              </a:rPr>
-              <a:t> </a:t>
-            </a:r>
-            <a:r>
-              <a:rPr lang="en-US" sz="3600" dirty="0" smtClean="0">
-                <a:solidFill>
-                  <a:srgbClr val="FF0000"/>
-                </a:solidFill>
-              </a:rPr>
-              <a:t>a7</a:t>
-            </a:r>
-            <a:r>
-              <a:rPr lang="en-US" sz="3600" dirty="0" smtClean="0">
-                <a:solidFill>
-                  <a:srgbClr val="1E3272"/>
-                </a:solidFill>
-              </a:rPr>
-              <a:t>, </a:t>
-            </a:r>
-            <a:r>
-              <a:rPr lang="en-US" sz="3600" dirty="0" smtClean="0">
-                <a:solidFill>
-                  <a:srgbClr val="1E3272"/>
-                </a:solidFill>
-              </a:rPr>
-              <a:t>10</a:t>
-            </a:r>
-            <a:endParaRPr lang="en-US" sz="3600" dirty="0" smtClean="0">
-              <a:solidFill>
-                <a:srgbClr val="1E3272"/>
-              </a:solidFill>
-            </a:endParaRPr>
+              <a:t>:</a:t>
+            </a:r>
           </a:p>
           <a:p>
             <a:pPr>
@@ -11521,18 +10692,13 @@
               <a:t>        </a:t>
             </a:r>
             <a:r>
-              <a:rPr lang="en-US" sz="3600" dirty="0" err="1" smtClean="0">
-                <a:solidFill>
-                  <a:srgbClr val="1E3272"/>
-                </a:solidFill>
-              </a:rPr>
-              <a:t>ecall</a:t>
-            </a:r>
-            <a:endParaRPr lang="en-US" sz="3600" dirty="0" smtClean="0">
-              <a:solidFill>
-                <a:srgbClr val="1E3272"/>
-              </a:solidFill>
-            </a:endParaRPr>
+              <a:rPr lang="en-US" sz="3600" dirty="0" smtClean="0">
+                <a:solidFill>
+                  <a:srgbClr val="00B050"/>
+                </a:solidFill>
+              </a:rPr>
+              <a:t># do something</a:t>
+            </a:r>
           </a:p>
           <a:p>
             <a:pPr>
@@ -11546,110 +10712,7 @@
                   <a:srgbClr val="1E3272"/>
                 </a:solidFill>
               </a:rPr>
-              <a:t> </a:t>
-            </a:r>
-            <a:r>
-              <a:rPr lang="en-US" sz="3600" dirty="0" smtClean="0">
-                <a:solidFill>
-                  <a:srgbClr val="1E3272"/>
-                </a:solidFill>
-              </a:rPr>
-              <a:t>       </a:t>
-            </a:r>
-            <a:r>
-              <a:rPr lang="en-US" sz="3600" dirty="0" smtClean="0">
-                <a:solidFill>
-                  <a:srgbClr val="00B050"/>
-                </a:solidFill>
-              </a:rPr>
-              <a:t># function</a:t>
-            </a:r>
-            <a:endParaRPr lang="en-US" sz="3600" dirty="0" smtClean="0">
-              <a:solidFill>
-                <a:srgbClr val="00B050"/>
-              </a:solidFill>
-            </a:endParaRPr>
-          </a:p>
-          <a:p>
-            <a:pPr>
-              <a:lnSpc>
-                <a:spcPct val="80000"/>
-              </a:lnSpc>
-            </a:pPr>
-            <a:r>
-              <a:rPr lang="en-US" sz="3600" b="1" i="1" u="sng" dirty="0" err="1" smtClean="0">
-                <a:solidFill>
-                  <a:srgbClr val="1E3272"/>
-                </a:solidFill>
-              </a:rPr>
-              <a:t>func</a:t>
-            </a:r>
-            <a:r>
-              <a:rPr lang="en-US" sz="3600" b="1" i="1" u="sng" dirty="0" smtClean="0">
-                <a:solidFill>
-                  <a:srgbClr val="1E3272"/>
-                </a:solidFill>
-              </a:rPr>
-              <a:t>:</a:t>
-            </a:r>
-          </a:p>
-          <a:p>
-            <a:pPr>
-              <a:lnSpc>
-                <a:spcPct val="80000"/>
-              </a:lnSpc>
-            </a:pPr>
-            <a:r>
-              <a:rPr lang="en-US" sz="3600" dirty="0" smtClean="0">
-                <a:solidFill>
-                  <a:srgbClr val="1E3272"/>
-                </a:solidFill>
-              </a:rPr>
-              <a:t> </a:t>
-            </a:r>
-            <a:r>
-              <a:rPr lang="en-US" sz="3600" dirty="0" smtClean="0">
-                <a:solidFill>
-                  <a:srgbClr val="1E3272"/>
-                </a:solidFill>
-              </a:rPr>
-              <a:t>       </a:t>
-            </a:r>
-            <a:r>
-              <a:rPr lang="en-US" sz="3600" dirty="0" smtClean="0">
-                <a:solidFill>
-                  <a:srgbClr val="00B050"/>
-                </a:solidFill>
-              </a:rPr>
-              <a:t># do something</a:t>
-            </a:r>
-            <a:endParaRPr lang="en-US" sz="3600" dirty="0" smtClean="0">
-              <a:solidFill>
-                <a:srgbClr val="00B050"/>
-              </a:solidFill>
-            </a:endParaRPr>
-          </a:p>
-          <a:p>
-            <a:pPr>
-              <a:lnSpc>
-                <a:spcPct val="80000"/>
-              </a:lnSpc>
-            </a:pPr>
-            <a:r>
-              <a:rPr lang="en-US" sz="3600" dirty="0" smtClean="0">
-                <a:solidFill>
-                  <a:srgbClr val="1E3272"/>
-                </a:solidFill>
-              </a:rPr>
-              <a:t> </a:t>
-            </a:r>
-            <a:r>
-              <a:rPr lang="en-US" sz="3600" dirty="0" smtClean="0">
-                <a:solidFill>
-                  <a:srgbClr val="1E3272"/>
-                </a:solidFill>
-              </a:rPr>
-              <a:t>       </a:t>
+              <a:t>        </a:t>
             </a:r>
             <a:r>
               <a:rPr lang="en-US" sz="3600" b="1" dirty="0" smtClean="0">
@@ -12056,141 +11119,60 @@
             </a:r>
             <a:r>
               <a:rPr lang="en-US" dirty="0" smtClean="0"/>
-              <a:t> (procedure) is a code that </a:t>
+              <a:t> (procedure) is a code that performs some task based on the arguments with which it is provided</a:t>
+            </a:r>
+          </a:p>
+          <a:p>
+            <a:pPr algn="just"/>
+            <a:r>
+              <a:rPr lang="en-US" b="1" dirty="0" smtClean="0">
+                <a:solidFill>
+                  <a:srgbClr val="F7B217"/>
+                </a:solidFill>
+              </a:rPr>
+              <a:t>Caller</a:t>
             </a:r>
             <a:r>
               <a:rPr lang="en-US" dirty="0" smtClean="0"/>
-              <a:t>performs </a:t>
+              <a:t> is a code that calls a function and provides it with the necessary arguments</a:t>
+            </a:r>
+          </a:p>
+          <a:p>
+            <a:pPr algn="just"/>
+            <a:r>
+              <a:rPr lang="en-US" b="1" dirty="0" err="1" smtClean="0">
+                <a:solidFill>
+                  <a:srgbClr val="F7B217"/>
+                </a:solidFill>
+              </a:rPr>
+              <a:t>Callee</a:t>
+            </a:r>
+            <a:r>
+              <a:rPr lang="en-US" b="1" dirty="0" smtClean="0">
+                <a:solidFill>
+                  <a:srgbClr val="F7B217"/>
+                </a:solidFill>
+              </a:rPr>
+              <a:t> </a:t>
             </a:r>
             <a:r>
               <a:rPr lang="en-US" dirty="0" smtClean="0"/>
-              <a:t>some task </a:t>
+              <a:t>is a function that executes instructions based on arguments provided by the caller and then returns control to the caller</a:t>
+            </a:r>
+          </a:p>
+          <a:p>
+            <a:pPr algn="just"/>
+            <a:r>
+              <a:rPr lang="en-US" b="1" dirty="0" smtClean="0">
+                <a:solidFill>
+                  <a:srgbClr val="F7B217"/>
+                </a:solidFill>
+              </a:rPr>
+              <a:t>Return address </a:t>
             </a:r>
             <a:r>
               <a:rPr lang="en-US" dirty="0" smtClean="0"/>
-              <a:t>based on the </a:t>
-            </a:r>
-            <a:r>
-              <a:rPr lang="en-US" dirty="0" smtClean="0"/>
-              <a:t>arguments with </a:t>
-            </a:r>
-            <a:r>
-              <a:rPr lang="en-US" dirty="0" smtClean="0"/>
-              <a:t>which it is </a:t>
-            </a:r>
-            <a:r>
-              <a:rPr lang="en-US" dirty="0" smtClean="0"/>
-              <a:t>provided</a:t>
-            </a:r>
-            <a:endParaRPr lang="en-US" dirty="0" smtClean="0"/>
-          </a:p>
-          <a:p>
-            <a:pPr algn="just"/>
-            <a:r>
-              <a:rPr lang="en-US" b="1" dirty="0" smtClean="0">
-                <a:solidFill>
-                  <a:srgbClr val="F7B217"/>
-                </a:solidFill>
-              </a:rPr>
-              <a:t>Caller</a:t>
-            </a:r>
-            <a:r>
-              <a:rPr lang="en-US" dirty="0" smtClean="0"/>
-              <a:t> is a code that calls a function and </a:t>
-            </a:r>
-            <a:r>
-              <a:rPr lang="en-US" dirty="0" smtClean="0"/>
-              <a:t>provides </a:t>
-            </a:r>
-            <a:r>
-              <a:rPr lang="en-US" dirty="0" smtClean="0"/>
-              <a:t>it with the </a:t>
-            </a:r>
-            <a:r>
-              <a:rPr lang="en-US" dirty="0" smtClean="0"/>
-              <a:t>necessary </a:t>
-            </a:r>
-            <a:r>
-              <a:rPr lang="en-US" dirty="0" smtClean="0"/>
-              <a:t>arguments</a:t>
-            </a:r>
-          </a:p>
-          <a:p>
-            <a:pPr algn="just"/>
-            <a:r>
-              <a:rPr lang="en-US" b="1" dirty="0" err="1" smtClean="0">
-                <a:solidFill>
-                  <a:srgbClr val="F7B217"/>
-                </a:solidFill>
-              </a:rPr>
-              <a:t>Callee</a:t>
-            </a:r>
-            <a:r>
-              <a:rPr lang="en-US" b="1" dirty="0" smtClean="0">
-                <a:solidFill>
-                  <a:srgbClr val="F7B217"/>
-                </a:solidFill>
-              </a:rPr>
-              <a:t> </a:t>
-            </a:r>
-            <a:r>
-              <a:rPr lang="en-US" dirty="0" smtClean="0"/>
-              <a:t>is a function that </a:t>
-            </a:r>
-            <a:r>
-              <a:rPr lang="en-US" dirty="0" smtClean="0"/>
-              <a:t>executes </a:t>
-            </a:r>
-            <a:r>
-              <a:rPr lang="en-US" dirty="0" smtClean="0"/>
-              <a:t>instructions </a:t>
-            </a:r>
-            <a:r>
-              <a:rPr lang="en-US" dirty="0" smtClean="0"/>
-              <a:t>based on </a:t>
-            </a:r>
-            <a:r>
-              <a:rPr lang="en-US" dirty="0" smtClean="0"/>
-              <a:t>arguments provided </a:t>
-            </a:r>
-            <a:r>
-              <a:rPr lang="en-US" dirty="0" smtClean="0"/>
-              <a:t>by the caller and then returns control to </a:t>
-            </a:r>
-            <a:r>
-              <a:rPr lang="en-US" dirty="0" smtClean="0"/>
-              <a:t>the caller</a:t>
-            </a:r>
-          </a:p>
-          <a:p>
-            <a:pPr algn="just"/>
-            <a:r>
-              <a:rPr lang="en-US" b="1" dirty="0" smtClean="0">
-                <a:solidFill>
-                  <a:srgbClr val="F7B217"/>
-                </a:solidFill>
-              </a:rPr>
-              <a:t>Return address </a:t>
-            </a:r>
-            <a:r>
-              <a:rPr lang="en-US" dirty="0" smtClean="0"/>
-              <a:t>is a </a:t>
-            </a:r>
-            <a:r>
-              <a:rPr lang="en-US" dirty="0" smtClean="0"/>
-              <a:t>link </a:t>
-            </a:r>
-            <a:r>
-              <a:rPr lang="en-US" dirty="0" smtClean="0"/>
-              <a:t>that </a:t>
-            </a:r>
-            <a:r>
-              <a:rPr lang="en-US" dirty="0" smtClean="0"/>
-              <a:t>allows </a:t>
-            </a:r>
-            <a:r>
-              <a:rPr lang="en-US" dirty="0" smtClean="0"/>
-              <a:t>the </a:t>
+              <a:t>is a link that allows the </a:t>
             </a:r>
             <a:r>
               <a:rPr lang="en-US" dirty="0" err="1" smtClean="0"/>
@@ -12213,23 +11195,7 @@
             </a:r>
             <a:r>
               <a:rPr lang="en-US" dirty="0" smtClean="0"/>
-              <a:t>is an </a:t>
-            </a:r>
-            <a:r>
-              <a:rPr lang="en-US" dirty="0" smtClean="0"/>
-              <a:t>instruction that branches to an address and simultaneously saves the address of the </a:t>
-            </a:r>
-            <a:r>
-              <a:rPr lang="en-US" dirty="0" smtClean="0"/>
-              <a:t>next instruction </a:t>
-            </a:r>
-            <a:r>
-              <a:rPr lang="en-US" dirty="0" smtClean="0"/>
-              <a:t>in </a:t>
-            </a:r>
-            <a:r>
-              <a:rPr lang="en-US" dirty="0" smtClean="0"/>
-              <a:t>to a register</a:t>
+              <a:t>is an instruction that branches to an address and simultaneously saves the address of the next instruction in to a register</a:t>
             </a:r>
             <a:endParaRPr lang="ru-RU" dirty="0"/>
           </a:p>
@@ -12337,27 +11303,19 @@
             </a:pPr>
             <a:r>
               <a:rPr lang="en-US" dirty="0" smtClean="0"/>
-              <a:t>Place arguments in </a:t>
+              <a:t>Place arguments in registers </a:t>
+            </a:r>
+            <a:r>
+              <a:rPr lang="en-US" dirty="0" smtClean="0">
+                <a:solidFill>
+                  <a:srgbClr val="FF0000"/>
+                </a:solidFill>
+              </a:rPr>
+              <a:t>a0</a:t>
             </a:r>
             <a:r>
               <a:rPr lang="en-US" dirty="0" smtClean="0"/>
-              <a:t>registers </a:t>
-            </a:r>
-            <a:r>
-              <a:rPr lang="en-US" dirty="0" smtClean="0">
-                <a:solidFill>
-                  <a:srgbClr val="FF0000"/>
-                </a:solidFill>
-              </a:rPr>
-              <a:t>a0</a:t>
-            </a:r>
-            <a:r>
-              <a:rPr lang="en-US" dirty="0" smtClean="0"/>
-              <a:t> (x10) </a:t>
-            </a:r>
-            <a:r>
-              <a:rPr lang="en-US" dirty="0" smtClean="0"/>
-              <a:t>to </a:t>
+              <a:t> (x10) to </a:t>
             </a:r>
             <a:r>
               <a:rPr lang="en-US" dirty="0" smtClean="0">
@@ -12371,7 +11329,6 @@
               <a:rPr lang="en-US" dirty="0" smtClean="0"/>
               <a:t> (x17)</a:t>
             </a:r>
-            <a:endParaRPr lang="en-US" dirty="0" smtClean="0"/>
           </a:p>
           <a:p>
             <a:pPr>
@@ -12395,7 +11352,6 @@
               <a:rPr lang="en-US" dirty="0" smtClean="0"/>
               <a:t> (x1) and jump to function</a:t>
             </a:r>
-            <a:endParaRPr lang="en-US" dirty="0" smtClean="0"/>
           </a:p>
           <a:p>
             <a:pPr>
@@ -12407,7 +11363,6 @@
               <a:rPr lang="en-US" dirty="0" smtClean="0"/>
               <a:t>Allocate stack memory for the function</a:t>
             </a:r>
-            <a:endParaRPr lang="en-US" dirty="0" smtClean="0"/>
           </a:p>
           <a:p>
             <a:pPr>
@@ -12417,11 +11372,7 @@
             </a:pPr>
             <a:r>
               <a:rPr lang="en-US" dirty="0" smtClean="0"/>
-              <a:t>Perform </a:t>
-            </a:r>
-            <a:r>
-              <a:rPr lang="en-US" dirty="0" smtClean="0"/>
-              <a:t>function's operations</a:t>
+              <a:t>Perform function's operations</a:t>
             </a:r>
           </a:p>
           <a:p>
@@ -12434,7 +11385,6 @@
               <a:rPr lang="en-US" dirty="0" smtClean="0"/>
               <a:t>Free stack memory allocated for the function</a:t>
             </a:r>
-            <a:endParaRPr lang="en-US" dirty="0" smtClean="0"/>
           </a:p>
           <a:p>
             <a:pPr>
@@ -12458,7 +11408,6 @@
               <a:rPr lang="en-US" dirty="0" smtClean="0"/>
               <a:t> for caller </a:t>
             </a:r>
-            <a:endParaRPr lang="en-US" dirty="0" smtClean="0"/>
           </a:p>
           <a:p>
             <a:pPr>
@@ -12608,11 +11557,7 @@
           <a:p>
             <a:r>
               <a:rPr lang="en-US" dirty="0" smtClean="0"/>
-              <a:t>RISC-V </a:t>
-            </a:r>
-            <a:r>
-              <a:rPr lang="en-US" dirty="0" smtClean="0"/>
-              <a:t>Register Conventions</a:t>
+              <a:t>RISC-V Register Conventions</a:t>
             </a:r>
             <a:endParaRPr lang="en-US" dirty="0"/>
           </a:p>
@@ -12627,7 +11572,7 @@
           <p:nvPr>
             <p:extLst>
               <p:ext uri="{D42A27DB-BD31-4B8C-83A1-F6EECF244321}">
-                <p14:modId xmlns="" xmlns:p14="http://schemas.microsoft.com/office/powerpoint/2010/main" val="2871209487"/>
+                <p14:modId xmlns:p14="http://schemas.microsoft.com/office/powerpoint/2010/main" xmlns="" val="2871209487"/>
               </p:ext>
             </p:extLst>
           </p:nvPr>
@@ -13399,19 +12344,7 @@
                           </a:solidFill>
                           <a:latin typeface="+mn-lt"/>
                         </a:rPr>
-                        <a:t>return </a:t>
-                      </a:r>
-                      <a:r>
-                        <a:rPr lang="en-US" sz="2400" b="1" dirty="0" smtClean="0">
-                          <a:ln>
-                            <a:noFill/>
-                          </a:ln>
-                          <a:solidFill>
-                            <a:srgbClr val="1E3272"/>
-                          </a:solidFill>
-                          <a:latin typeface="+mn-lt"/>
-                        </a:rPr>
-                        <a:t>address</a:t>
+                        <a:t>return address</a:t>
                       </a:r>
                       <a:endParaRPr lang="en-US" sz="2400" b="1" dirty="0">
                         <a:ln>
@@ -13713,19 +12646,7 @@
                           </a:solidFill>
                           <a:latin typeface="+mn-lt"/>
                         </a:rPr>
-                        <a:t>stack </a:t>
-                      </a:r>
-                      <a:r>
-                        <a:rPr lang="en-US" sz="2400" b="1" dirty="0" smtClean="0">
-                          <a:ln>
-                            <a:noFill/>
-                          </a:ln>
-                          <a:solidFill>
-                            <a:srgbClr val="1E3272"/>
-                          </a:solidFill>
-                          <a:latin typeface="+mn-lt"/>
-                        </a:rPr>
-                        <a:t>pointer</a:t>
+                        <a:t>stack pointer</a:t>
                       </a:r>
                       <a:endParaRPr lang="en-US" sz="2400" b="1" dirty="0">
                         <a:ln>
@@ -14329,19 +13250,7 @@
                           </a:solidFill>
                           <a:latin typeface="+mn-lt"/>
                         </a:rPr>
-                        <a:t> </a:t>
-                      </a:r>
-                      <a:r>
-                        <a:rPr lang="en-US" sz="2400" b="1" baseline="0" dirty="0" smtClean="0">
-                          <a:ln>
-                            <a:noFill/>
-                          </a:ln>
-                          <a:solidFill>
-                            <a:srgbClr val="1E3272"/>
-                          </a:solidFill>
-                          <a:latin typeface="+mn-lt"/>
-                        </a:rPr>
-                        <a:t>pointer</a:t>
+                        <a:t> pointer</a:t>
                       </a:r>
                       <a:endParaRPr lang="en-US" sz="2400" b="1" dirty="0">
                         <a:ln>
@@ -14957,19 +13866,7 @@
                           </a:solidFill>
                           <a:latin typeface="+mn-lt"/>
                         </a:rPr>
-                        <a:t> </a:t>
-                      </a:r>
-                      <a:r>
-                        <a:rPr lang="en-US" sz="2400" b="1" baseline="0" dirty="0" smtClean="0">
-                          <a:ln>
-                            <a:noFill/>
-                          </a:ln>
-                          <a:solidFill>
-                            <a:srgbClr val="1E3272"/>
-                          </a:solidFill>
-                          <a:latin typeface="+mn-lt"/>
-                        </a:rPr>
-                        <a:t>pointer</a:t>
+                        <a:t> pointer</a:t>
                       </a:r>
                       <a:endParaRPr lang="en-US" sz="2400" b="1" dirty="0">
                         <a:ln>
@@ -16315,7 +15212,7 @@
     </p:spTree>
     <p:extLst>
       <p:ext uri="{BB962C8B-B14F-4D97-AF65-F5344CB8AC3E}">
-        <p14:creationId xmlns="" xmlns:p14="http://schemas.microsoft.com/office/powerpoint/2010/main" val="2496046611"/>
+        <p14:creationId xmlns:p14="http://schemas.microsoft.com/office/powerpoint/2010/main" xmlns="" val="2496046611"/>
       </p:ext>
     </p:extLst>
   </p:cSld>
@@ -16373,11 +15270,7 @@
           <a:p>
             <a:r>
               <a:rPr lang="en-US" altLang="en-US" dirty="0" smtClean="0"/>
-              <a:t>Function call</a:t>
-            </a:r>
-            <a:r>
-              <a:rPr lang="en-US" altLang="en-US" dirty="0" smtClean="0"/>
-              <a:t>: jump and link</a:t>
+              <a:t>Function call: jump and link</a:t>
             </a:r>
           </a:p>
           <a:p>
@@ -16394,70 +15287,53 @@
               <a:rPr lang="en-US" altLang="en-US" sz="2800" dirty="0" smtClean="0">
                 <a:latin typeface="Lucida Console" pitchFamily="49" charset="0"/>
               </a:rPr>
-              <a:t>	</a:t>
+              <a:t>	      </a:t>
+            </a:r>
+            <a:r>
+              <a:rPr lang="en-US" altLang="en-US" sz="2800" b="1" dirty="0" smtClean="0">
+                <a:latin typeface="Lucida Console" pitchFamily="49" charset="0"/>
+              </a:rPr>
+              <a:t>jal </a:t>
+            </a:r>
+            <a:r>
+              <a:rPr lang="en-US" altLang="en-US" sz="2800" b="1" dirty="0" err="1" smtClean="0">
+                <a:solidFill>
+                  <a:srgbClr val="FF0000"/>
+                </a:solidFill>
+                <a:latin typeface="Lucida Console" pitchFamily="49" charset="0"/>
+              </a:rPr>
+              <a:t>ra</a:t>
+            </a:r>
+            <a:r>
+              <a:rPr lang="en-US" altLang="en-US" sz="2800" b="1" dirty="0" smtClean="0">
+                <a:latin typeface="Lucida Console" pitchFamily="49" charset="0"/>
+              </a:rPr>
+              <a:t>, </a:t>
+            </a:r>
+            <a:r>
+              <a:rPr lang="en-US" altLang="en-US" sz="2800" b="1" dirty="0" err="1" smtClean="0">
+                <a:latin typeface="Lucida Console" pitchFamily="49" charset="0"/>
+              </a:rPr>
+              <a:t>FunctionLabel</a:t>
+            </a:r>
+            <a:r>
+              <a:rPr lang="en-US" altLang="en-US" sz="2800" b="1" dirty="0" smtClean="0">
+                <a:latin typeface="Lucida Console" pitchFamily="49" charset="0"/>
+              </a:rPr>
+              <a:t> </a:t>
             </a:r>
             <a:r>
               <a:rPr lang="en-US" altLang="en-US" sz="2800" dirty="0" smtClean="0">
                 <a:latin typeface="Lucida Console" pitchFamily="49" charset="0"/>
               </a:rPr>
-              <a:t>      </a:t>
-            </a:r>
-            <a:r>
-              <a:rPr lang="en-US" altLang="en-US" sz="2800" b="1" dirty="0" smtClean="0">
-                <a:latin typeface="Lucida Console" pitchFamily="49" charset="0"/>
-              </a:rPr>
-              <a:t>jal </a:t>
-            </a:r>
-            <a:r>
-              <a:rPr lang="en-US" altLang="en-US" sz="2800" b="1" dirty="0" err="1" smtClean="0">
-                <a:solidFill>
-                  <a:srgbClr val="FF0000"/>
-                </a:solidFill>
-                <a:latin typeface="Lucida Console" pitchFamily="49" charset="0"/>
-              </a:rPr>
-              <a:t>ra</a:t>
-            </a:r>
-            <a:r>
-              <a:rPr lang="en-US" altLang="en-US" sz="2800" b="1" dirty="0" smtClean="0">
-                <a:latin typeface="Lucida Console" pitchFamily="49" charset="0"/>
-              </a:rPr>
-              <a:t>, </a:t>
-            </a:r>
-            <a:r>
-              <a:rPr lang="en-US" altLang="en-US" sz="2800" b="1" dirty="0" err="1" smtClean="0">
-                <a:latin typeface="Lucida Console" pitchFamily="49" charset="0"/>
-              </a:rPr>
-              <a:t>FunctionLabel</a:t>
-            </a:r>
-            <a:r>
-              <a:rPr lang="en-US" altLang="en-US" sz="2800" b="1" dirty="0" smtClean="0">
-                <a:latin typeface="Lucida Console" pitchFamily="49" charset="0"/>
-              </a:rPr>
-              <a:t> </a:t>
-            </a:r>
-            <a:r>
-              <a:rPr lang="en-US" altLang="en-US" sz="2800" dirty="0" smtClean="0">
-                <a:latin typeface="Lucida Console" pitchFamily="49" charset="0"/>
-              </a:rPr>
               <a:t>(UJ-type)</a:t>
             </a:r>
-            <a:endParaRPr lang="en-US" altLang="en-US" sz="2800" dirty="0" smtClean="0">
-              <a:latin typeface="Lucida Console" pitchFamily="49" charset="0"/>
-            </a:endParaRPr>
           </a:p>
           <a:p>
             <a:pPr lvl="1"/>
             <a:r>
               <a:rPr lang="en-US" altLang="en-US" dirty="0" smtClean="0"/>
-              <a:t>Address of </a:t>
-            </a:r>
-            <a:r>
-              <a:rPr lang="en-US" altLang="en-US" dirty="0" smtClean="0"/>
-              <a:t>the next instruction is put </a:t>
-            </a:r>
-            <a:r>
-              <a:rPr lang="en-US" altLang="en-US" dirty="0" smtClean="0"/>
-              <a:t>in </a:t>
+              <a:t>Address of the next instruction is put in </a:t>
             </a:r>
             <a:r>
               <a:rPr lang="en-US" altLang="en-US" b="1" dirty="0" err="1" smtClean="0"/>
@@ -16467,7 +15343,6 @@
               <a:rPr lang="en-US" altLang="en-US" dirty="0" smtClean="0"/>
               <a:t> (x1)</a:t>
             </a:r>
-            <a:endParaRPr lang="en-US" altLang="en-US" dirty="0" smtClean="0"/>
           </a:p>
           <a:p>
             <a:pPr lvl="1"/>
@@ -16479,11 +15354,7 @@
           <a:p>
             <a:r>
               <a:rPr lang="en-US" altLang="en-US" dirty="0" smtClean="0"/>
-              <a:t>Function return</a:t>
-            </a:r>
-            <a:r>
-              <a:rPr lang="en-US" altLang="en-US" dirty="0" smtClean="0"/>
-              <a:t>: jump and link register</a:t>
+              <a:t>Function return: jump and link register</a:t>
             </a:r>
           </a:p>
           <a:p>
@@ -16500,59 +15371,50 @@
               <a:rPr lang="en-US" altLang="en-US" sz="2800" dirty="0" smtClean="0">
                 <a:latin typeface="Lucida Console" pitchFamily="49" charset="0"/>
               </a:rPr>
-              <a:t>	</a:t>
+              <a:t>	      </a:t>
+            </a:r>
+            <a:r>
+              <a:rPr lang="en-US" altLang="en-US" sz="2800" b="1" dirty="0" smtClean="0">
+                <a:latin typeface="Lucida Console" pitchFamily="49" charset="0"/>
+              </a:rPr>
+              <a:t>jalr </a:t>
+            </a:r>
+            <a:r>
+              <a:rPr lang="en-US" altLang="en-US" sz="2800" b="1" dirty="0" smtClean="0">
+                <a:solidFill>
+                  <a:srgbClr val="FF0000"/>
+                </a:solidFill>
+                <a:latin typeface="Lucida Console" pitchFamily="49" charset="0"/>
+              </a:rPr>
+              <a:t>zero</a:t>
+            </a:r>
+            <a:r>
+              <a:rPr lang="en-US" altLang="en-US" sz="2800" b="1" dirty="0" smtClean="0">
+                <a:latin typeface="Lucida Console" pitchFamily="49" charset="0"/>
+              </a:rPr>
+              <a:t>, 0(</a:t>
+            </a:r>
+            <a:r>
+              <a:rPr lang="en-US" altLang="en-US" sz="2800" b="1" dirty="0" err="1" smtClean="0">
+                <a:solidFill>
+                  <a:srgbClr val="FF0000"/>
+                </a:solidFill>
+                <a:latin typeface="Lucida Console" pitchFamily="49" charset="0"/>
+              </a:rPr>
+              <a:t>ra</a:t>
+            </a:r>
+            <a:r>
+              <a:rPr lang="en-US" altLang="en-US" sz="2800" b="1" dirty="0" smtClean="0">
+                <a:latin typeface="Lucida Console" pitchFamily="49" charset="0"/>
+              </a:rPr>
+              <a:t>)  </a:t>
             </a:r>
             <a:r>
               <a:rPr lang="en-US" altLang="en-US" sz="2800" dirty="0" smtClean="0">
                 <a:latin typeface="Lucida Console" pitchFamily="49" charset="0"/>
               </a:rPr>
-              <a:t>      </a:t>
-            </a:r>
-            <a:r>
-              <a:rPr lang="en-US" altLang="en-US" sz="2800" b="1" dirty="0" smtClean="0">
-                <a:latin typeface="Lucida Console" pitchFamily="49" charset="0"/>
-              </a:rPr>
-              <a:t>jalr </a:t>
-            </a:r>
-            <a:r>
-              <a:rPr lang="en-US" altLang="en-US" sz="2800" b="1" dirty="0" smtClean="0">
-                <a:solidFill>
-                  <a:srgbClr val="FF0000"/>
-                </a:solidFill>
-                <a:latin typeface="Lucida Console" pitchFamily="49" charset="0"/>
-              </a:rPr>
-              <a:t>zero</a:t>
-            </a:r>
-            <a:r>
-              <a:rPr lang="en-US" altLang="en-US" sz="2800" b="1" dirty="0" smtClean="0">
-                <a:latin typeface="Lucida Console" pitchFamily="49" charset="0"/>
-              </a:rPr>
-              <a:t>, 0(</a:t>
-            </a:r>
-            <a:r>
-              <a:rPr lang="en-US" altLang="en-US" sz="2800" b="1" dirty="0" err="1" smtClean="0">
-                <a:solidFill>
-                  <a:srgbClr val="FF0000"/>
-                </a:solidFill>
-                <a:latin typeface="Lucida Console" pitchFamily="49" charset="0"/>
-              </a:rPr>
-              <a:t>ra</a:t>
-            </a:r>
-            <a:r>
-              <a:rPr lang="en-US" altLang="en-US" sz="2800" b="1" dirty="0" smtClean="0">
-                <a:latin typeface="Lucida Console" pitchFamily="49" charset="0"/>
-              </a:rPr>
-              <a:t>)  </a:t>
-            </a:r>
-            <a:r>
-              <a:rPr lang="en-US" altLang="en-US" sz="2800" dirty="0" smtClean="0">
-                <a:latin typeface="Lucida Console" pitchFamily="49" charset="0"/>
-              </a:rPr>
               <a:t>(I-type)</a:t>
             </a:r>
-            <a:endParaRPr lang="en-US" altLang="en-US" sz="2800" dirty="0" smtClean="0">
-              <a:latin typeface="Lucida Console" pitchFamily="49" charset="0"/>
-            </a:endParaRPr>
           </a:p>
           <a:p>
             <a:pPr lvl="1"/>
@@ -16576,7 +15438,6 @@
               <a:rPr lang="en-US" altLang="en-US" dirty="0" smtClean="0"/>
               <a:t> (x1)</a:t>
             </a:r>
-            <a:endParaRPr lang="en-US" altLang="en-US" dirty="0" smtClean="0"/>
           </a:p>
           <a:p>
             <a:pPr lvl="1"/>
@@ -16590,15 +15451,7 @@
             </a:r>
             <a:r>
               <a:rPr lang="en-US" altLang="en-US" dirty="0" smtClean="0"/>
-              <a:t> (x0) </a:t>
-            </a:r>
-            <a:r>
-              <a:rPr lang="en-US" altLang="en-US" dirty="0" smtClean="0"/>
-              <a:t>as rd </a:t>
-            </a:r>
-            <a:r>
-              <a:rPr lang="en-US" altLang="en-US" dirty="0" smtClean="0"/>
-              <a:t>(</a:t>
+              <a:t> (x0) as rd (</a:t>
             </a:r>
             <a:r>
               <a:rPr lang="en-US" altLang="en-US" b="1" dirty="0" smtClean="0"/>
@@ -16606,11 +15459,7 @@
             </a:r>
             <a:r>
               <a:rPr lang="en-US" altLang="en-US" dirty="0" smtClean="0"/>
-              <a:t>cannot </a:t>
-            </a:r>
-            <a:r>
-              <a:rPr lang="en-US" altLang="en-US" dirty="0" smtClean="0"/>
-              <a:t>be changed)</a:t>
+              <a:t>cannot be changed)</a:t>
             </a:r>
           </a:p>
           <a:p>
@@ -16762,29 +15611,8 @@
                   <a:srgbClr val="00B050"/>
                 </a:solidFill>
               </a:rPr>
-              <a:t># Jump </a:t>
-            </a:r>
-            <a:r>
-              <a:rPr lang="en-US" sz="3200" dirty="0" smtClean="0">
-                <a:solidFill>
-                  <a:srgbClr val="00B050"/>
-                </a:solidFill>
-              </a:rPr>
-              <a:t>to </a:t>
-            </a:r>
-            <a:r>
-              <a:rPr lang="en-US" sz="3200" dirty="0" smtClean="0">
-                <a:solidFill>
-                  <a:srgbClr val="00B050"/>
-                </a:solidFill>
-              </a:rPr>
-              <a:t>label and do not save return address</a:t>
-            </a:r>
-            <a:endParaRPr lang="en-US" sz="3200" dirty="0" smtClean="0">
-              <a:solidFill>
-                <a:srgbClr val="00B050"/>
-              </a:solidFill>
-            </a:endParaRPr>
+              <a:t># Jump to label and do not save return address</a:t>
+            </a:r>
           </a:p>
           <a:p>
             <a:pPr marL="0" indent="0">
@@ -16817,47 +15645,7 @@
                   <a:srgbClr val="00B050"/>
                 </a:solidFill>
               </a:rPr>
-              <a:t># Jump </a:t>
-            </a:r>
-            <a:r>
-              <a:rPr lang="en-US" sz="3200" dirty="0" smtClean="0">
-                <a:solidFill>
-                  <a:srgbClr val="00B050"/>
-                </a:solidFill>
-              </a:rPr>
-              <a:t>to </a:t>
-            </a:r>
-            <a:r>
-              <a:rPr lang="en-US" sz="3200" dirty="0" smtClean="0">
-                <a:solidFill>
-                  <a:srgbClr val="00B050"/>
-                </a:solidFill>
-              </a:rPr>
-              <a:t>label </a:t>
-            </a:r>
-            <a:r>
-              <a:rPr lang="en-US" sz="3200" dirty="0" smtClean="0">
-                <a:solidFill>
-                  <a:srgbClr val="00B050"/>
-                </a:solidFill>
-              </a:rPr>
-              <a:t>and set </a:t>
-            </a:r>
-            <a:r>
-              <a:rPr lang="en-US" sz="3200" dirty="0" smtClean="0">
-                <a:solidFill>
-                  <a:srgbClr val="00B050"/>
-                </a:solidFill>
-              </a:rPr>
-              <a:t>return </a:t>
-            </a:r>
-            <a:r>
-              <a:rPr lang="en-US" sz="3200" dirty="0" smtClean="0">
-                <a:solidFill>
-                  <a:srgbClr val="00B050"/>
-                </a:solidFill>
-              </a:rPr>
-              <a:t>address to </a:t>
+              <a:t># Jump to label and set return address to </a:t>
             </a:r>
             <a:r>
               <a:rPr lang="en-US" sz="3200" dirty="0" err="1" smtClean="0">
@@ -16908,31 +15696,7 @@
                   <a:srgbClr val="00B050"/>
                 </a:solidFill>
               </a:rPr>
-              <a:t># Jump </a:t>
-            </a:r>
-            <a:r>
-              <a:rPr lang="en-US" sz="3200" dirty="0" smtClean="0">
-                <a:solidFill>
-                  <a:srgbClr val="00B050"/>
-                </a:solidFill>
-              </a:rPr>
-              <a:t>to address in t0 and set </a:t>
-            </a:r>
-            <a:r>
-              <a:rPr lang="en-US" sz="3200" dirty="0" smtClean="0">
-                <a:solidFill>
-                  <a:srgbClr val="00B050"/>
-                </a:solidFill>
-              </a:rPr>
-              <a:t>return </a:t>
-            </a:r>
-            <a:r>
-              <a:rPr lang="en-US" sz="3200" dirty="0" smtClean="0">
-                <a:solidFill>
-                  <a:srgbClr val="00B050"/>
-                </a:solidFill>
-              </a:rPr>
-              <a:t>address to </a:t>
+              <a:t># Jump to address in t0 and set return address to </a:t>
             </a:r>
             <a:r>
               <a:rPr lang="en-US" sz="3200" dirty="0" err="1" smtClean="0">
@@ -16983,47 +15747,7 @@
                   <a:srgbClr val="00B050"/>
                 </a:solidFill>
               </a:rPr>
-              <a:t># Jump </a:t>
-            </a:r>
-            <a:r>
-              <a:rPr lang="en-US" sz="3200" dirty="0" smtClean="0">
-                <a:solidFill>
-                  <a:srgbClr val="00B050"/>
-                </a:solidFill>
-              </a:rPr>
-              <a:t>to address </a:t>
-            </a:r>
-            <a:r>
-              <a:rPr lang="en-US" sz="3200" dirty="0" smtClean="0">
-                <a:solidFill>
-                  <a:srgbClr val="00B050"/>
-                </a:solidFill>
-              </a:rPr>
-              <a:t>t0-100 </a:t>
-            </a:r>
-            <a:r>
-              <a:rPr lang="en-US" sz="3200" dirty="0" smtClean="0">
-                <a:solidFill>
-                  <a:srgbClr val="00B050"/>
-                </a:solidFill>
-              </a:rPr>
-              <a:t>and set </a:t>
-            </a:r>
-            <a:r>
-              <a:rPr lang="en-US" sz="3200" dirty="0" smtClean="0">
-                <a:solidFill>
-                  <a:srgbClr val="00B050"/>
-                </a:solidFill>
-              </a:rPr>
-              <a:t>return </a:t>
-            </a:r>
-            <a:r>
-              <a:rPr lang="en-US" sz="3200" dirty="0" smtClean="0">
-                <a:solidFill>
-                  <a:srgbClr val="00B050"/>
-                </a:solidFill>
-              </a:rPr>
-              <a:t>address to </a:t>
+              <a:t># Jump to address t0-100 and set return address to </a:t>
             </a:r>
             <a:r>
               <a:rPr lang="en-US" sz="3200" dirty="0" err="1" smtClean="0">
@@ -17078,15 +15802,7 @@
                   <a:srgbClr val="00B050"/>
                 </a:solidFill>
               </a:rPr>
-              <a:t># Jump </a:t>
-            </a:r>
-            <a:r>
-              <a:rPr lang="en-US" sz="3200" dirty="0" smtClean="0">
-                <a:solidFill>
-                  <a:srgbClr val="00B050"/>
-                </a:solidFill>
-              </a:rPr>
-              <a:t>Register: Jump to address in t0</a:t>
+              <a:t># Jump Register: Jump to address in t0</a:t>
             </a:r>
           </a:p>
           <a:p>
@@ -17120,11 +15836,7 @@
             </a:r>
             <a:r>
               <a:rPr lang="en-US" sz="3200" dirty="0" smtClean="0"/>
-              <a:t>, -</a:t>
-            </a:r>
-            <a:r>
-              <a:rPr lang="en-US" sz="3200" dirty="0" smtClean="0"/>
-              <a:t>100 </a:t>
+              <a:t>, -100 </a:t>
             </a:r>
             <a:r>
               <a:rPr lang="en-US" sz="3200" dirty="0" smtClean="0">
@@ -17132,23 +15844,7 @@
                   <a:srgbClr val="00B050"/>
                 </a:solidFill>
               </a:rPr>
-              <a:t># </a:t>
-            </a:r>
-            <a:r>
-              <a:rPr lang="en-US" sz="3200" dirty="0" smtClean="0">
-                <a:solidFill>
-                  <a:srgbClr val="00B050"/>
-                </a:solidFill>
-              </a:rPr>
-              <a:t>Jump Register: Jump to address </a:t>
-            </a:r>
-            <a:r>
-              <a:rPr lang="en-US" sz="3200" dirty="0" smtClean="0">
-                <a:solidFill>
-                  <a:srgbClr val="00B050"/>
-                </a:solidFill>
-              </a:rPr>
-              <a:t>t0-100</a:t>
+              <a:t># Jump Register: Jump to address t0-100</a:t>
             </a:r>
             <a:endParaRPr lang="ru-RU" sz="3200" dirty="0">
               <a:solidFill>
@@ -17266,15 +15962,7 @@
             </a:r>
             <a:r>
               <a:rPr lang="en-US" dirty="0" smtClean="0"/>
-              <a:t> is a </a:t>
-            </a:r>
-            <a:r>
-              <a:rPr lang="en-US" dirty="0" smtClean="0"/>
-              <a:t>data structure for spilling registers organized as a </a:t>
-            </a:r>
-            <a:r>
-              <a:rPr lang="en-US" dirty="0" smtClean="0"/>
-              <a:t>last-in-first-out queue</a:t>
+              <a:t> is a data structure for spilling registers organized as a last-in-first-out queue</a:t>
             </a:r>
           </a:p>
           <a:p>
@@ -17308,63 +15996,37 @@
             </a:r>
             <a:r>
               <a:rPr lang="en-US" dirty="0" smtClean="0"/>
-              <a:t>is a value </a:t>
+              <a:t>is a value denoting the most recently allocated address on the stack</a:t>
+            </a:r>
+          </a:p>
+          <a:p>
+            <a:pPr algn="just"/>
+            <a:r>
+              <a:rPr lang="en-US" b="1" dirty="0" smtClean="0">
+                <a:solidFill>
+                  <a:srgbClr val="F7B217"/>
+                </a:solidFill>
+              </a:rPr>
+              <a:t>Push</a:t>
             </a:r>
             <a:r>
               <a:rPr lang="en-US" dirty="0" smtClean="0"/>
-              <a:t>denoting the most recently allocated address </a:t>
+              <a:t> means to add element to stack</a:t>
+            </a:r>
+          </a:p>
+          <a:p>
+            <a:pPr algn="just"/>
+            <a:r>
+              <a:rPr lang="en-US" b="1" dirty="0" smtClean="0">
+                <a:solidFill>
+                  <a:srgbClr val="F7B217"/>
+                </a:solidFill>
+              </a:rPr>
+              <a:t>Pop</a:t>
             </a:r>
             <a:r>
               <a:rPr lang="en-US" dirty="0" smtClean="0"/>
-              <a:t>on the stack</a:t>
-            </a:r>
-            <a:endParaRPr lang="en-US" dirty="0" smtClean="0"/>
-          </a:p>
-          <a:p>
-            <a:pPr algn="just"/>
-            <a:r>
-              <a:rPr lang="en-US" b="1" dirty="0" smtClean="0">
-                <a:solidFill>
-                  <a:srgbClr val="F7B217"/>
-                </a:solidFill>
-              </a:rPr>
-              <a:t>Push</a:t>
-            </a:r>
-            <a:r>
-              <a:rPr lang="en-US" dirty="0" smtClean="0"/>
-              <a:t> means to add </a:t>
-            </a:r>
-            <a:r>
-              <a:rPr lang="en-US" dirty="0" smtClean="0"/>
-              <a:t>element to </a:t>
-            </a:r>
-            <a:r>
-              <a:rPr lang="en-US" dirty="0" smtClean="0"/>
-              <a:t>stack</a:t>
-            </a:r>
-            <a:endParaRPr lang="en-US" dirty="0" smtClean="0"/>
-          </a:p>
-          <a:p>
-            <a:pPr algn="just"/>
-            <a:r>
-              <a:rPr lang="en-US" b="1" dirty="0" smtClean="0">
-                <a:solidFill>
-                  <a:srgbClr val="F7B217"/>
-                </a:solidFill>
-              </a:rPr>
-              <a:t>Pop</a:t>
-            </a:r>
-            <a:r>
-              <a:rPr lang="en-US" dirty="0" smtClean="0"/>
-              <a:t> means to remove </a:t>
-            </a:r>
-            <a:r>
-              <a:rPr lang="en-US" dirty="0" smtClean="0"/>
-              <a:t>element from </a:t>
-            </a:r>
-            <a:r>
-              <a:rPr lang="en-US" dirty="0" smtClean="0"/>
-              <a:t>stack</a:t>
+              <a:t> means to remove element from stack</a:t>
             </a:r>
             <a:endParaRPr lang="ru-RU" dirty="0"/>
           </a:p>
@@ -17674,55 +16336,7 @@
                   <a:srgbClr val="273272"/>
                 </a:solidFill>
               </a:rPr>
-              <a:t>Segment </a:t>
-            </a:r>
-            <a:r>
-              <a:rPr lang="en-US" altLang="en-US" sz="3200" dirty="0" smtClean="0">
-                <a:solidFill>
-                  <a:srgbClr val="273272"/>
-                </a:solidFill>
-              </a:rPr>
-              <a:t>of </a:t>
-            </a:r>
-            <a:r>
-              <a:rPr lang="en-US" altLang="en-US" sz="3200" dirty="0" smtClean="0">
-                <a:solidFill>
-                  <a:srgbClr val="273272"/>
-                </a:solidFill>
-              </a:rPr>
-              <a:t>stack </a:t>
-            </a:r>
-            <a:r>
-              <a:rPr lang="en-US" altLang="en-US" sz="3200" dirty="0" smtClean="0">
-                <a:solidFill>
-                  <a:srgbClr val="273272"/>
-                </a:solidFill>
-              </a:rPr>
-              <a:t>containing </a:t>
-            </a:r>
-            <a:r>
-              <a:rPr lang="en-US" altLang="en-US" sz="3200" dirty="0" smtClean="0">
-                <a:solidFill>
-                  <a:srgbClr val="273272"/>
-                </a:solidFill>
-              </a:rPr>
-              <a:t>function’s </a:t>
-            </a:r>
-            <a:r>
-              <a:rPr lang="en-US" altLang="en-US" sz="3200" dirty="0" smtClean="0">
-                <a:solidFill>
-                  <a:srgbClr val="273272"/>
-                </a:solidFill>
-              </a:rPr>
-              <a:t>saved registers and local </a:t>
-            </a:r>
-            <a:r>
-              <a:rPr lang="en-US" altLang="en-US" sz="3200" dirty="0" smtClean="0">
-                <a:solidFill>
-                  <a:srgbClr val="273272"/>
-                </a:solidFill>
-              </a:rPr>
-              <a:t>variables</a:t>
+              <a:t>Segment of stack containing function’s saved registers and local variables</a:t>
             </a:r>
             <a:endParaRPr kumimoji="0" lang="en-AU" altLang="en-US" sz="3200" b="0" i="0" u="none" strike="noStrike" kern="1200" cap="none" spc="0" normalizeH="0" baseline="0" noProof="0" dirty="0" smtClean="0">
               <a:ln>
@@ -18056,7 +16670,7 @@
   <a:extraClrSchemeLst/>
   <a:extLst>
     <a:ext uri="{05A4C25C-085E-4340-85A3-A5531E510DB2}">
-      <thm15:themeFamily xmlns="" xmlns:thm15="http://schemas.microsoft.com/office/thememl/2012/main" name="Office Theme" id="{62F939B6-93AF-4DB8-9C6B-D6C7DFDC589F}" vid="{4A3C46E8-61CC-4603-A589-7422A47A8E4A}"/>
+      <thm15:themeFamily xmlns:thm15="http://schemas.microsoft.com/office/thememl/2012/main" xmlns="" name="Office Theme" id="{62F939B6-93AF-4DB8-9C6B-D6C7DFDC589F}" vid="{4A3C46E8-61CC-4603-A589-7422A47A8E4A}"/>
     </a:ext>
   </a:extLst>
 </a:theme>
@@ -18317,7 +16931,7 @@
   <a:extraClrSchemeLst/>
   <a:extLst>
     <a:ext uri="{05A4C25C-085E-4340-85A3-A5531E510DB2}">
-      <thm15:themeFamily xmlns="" xmlns:thm15="http://schemas.microsoft.com/office/thememl/2012/main" name="Office Theme" id="{62F939B6-93AF-4DB8-9C6B-D6C7DFDC589F}" vid="{4A3C46E8-61CC-4603-A589-7422A47A8E4A}"/>
+      <thm15:themeFamily xmlns:thm15="http://schemas.microsoft.com/office/thememl/2012/main" xmlns="" name="Office Theme" id="{62F939B6-93AF-4DB8-9C6B-D6C7DFDC589F}" vid="{4A3C46E8-61CC-4603-A589-7422A47A8E4A}"/>
     </a:ext>
   </a:extLst>
 </a:theme>
@@ -18578,7 +17192,7 @@
   <a:extraClrSchemeLst/>
   <a:extLst>
     <a:ext uri="{05A4C25C-085E-4340-85A3-A5531E510DB2}">
-      <thm15:themeFamily xmlns="" xmlns:thm15="http://schemas.microsoft.com/office/thememl/2012/main" name="Office Theme" id="{62F939B6-93AF-4DB8-9C6B-D6C7DFDC589F}" vid="{4A3C46E8-61CC-4603-A589-7422A47A8E4A}"/>
+      <thm15:themeFamily xmlns:thm15="http://schemas.microsoft.com/office/thememl/2012/main" xmlns="" name="Office Theme" id="{62F939B6-93AF-4DB8-9C6B-D6C7DFDC589F}" vid="{4A3C46E8-61CC-4603-A589-7422A47A8E4A}"/>
     </a:ext>
   </a:extLst>
 </a:theme>

--- a/docs/part1ca/06_CallStack/CA_Lecture_06.pptx
+++ b/docs/part1ca/06_CallStack/CA_Lecture_06.pptx
@@ -5,10 +5,10 @@
     <p:sldMasterId id="2147483648" r:id="rId1"/>
   </p:sldMasterIdLst>
   <p:notesMasterIdLst>
-    <p:notesMasterId r:id="rId19"/>
+    <p:notesMasterId r:id="rId20"/>
   </p:notesMasterIdLst>
   <p:handoutMasterIdLst>
-    <p:handoutMasterId r:id="rId20"/>
+    <p:handoutMasterId r:id="rId21"/>
   </p:handoutMasterIdLst>
   <p:sldIdLst>
     <p:sldId id="256" r:id="rId2"/>
@@ -27,7 +27,8 @@
     <p:sldId id="359" r:id="rId15"/>
     <p:sldId id="354" r:id="rId16"/>
     <p:sldId id="360" r:id="rId17"/>
-    <p:sldId id="272" r:id="rId18"/>
+    <p:sldId id="361" r:id="rId18"/>
+    <p:sldId id="272" r:id="rId19"/>
   </p:sldIdLst>
   <p:sldSz cx="12192000" cy="6858000"/>
   <p:notesSz cx="6858000" cy="9144000"/>
@@ -128,7 +129,7 @@
   </p:defaultTextStyle>
   <p:extLst>
     <p:ext uri="{EFAFB233-063F-42B5-8137-9DF3F51BA10A}">
-      <p15:sldGuideLst xmlns:p15="http://schemas.microsoft.com/office/powerpoint/2012/main" xmlns="">
+      <p15:sldGuideLst xmlns="" xmlns:p15="http://schemas.microsoft.com/office/powerpoint/2012/main">
         <p15:guide id="1" orient="horz" pos="2160">
           <p15:clr>
             <a:srgbClr val="A4A3A4"/>
@@ -142,7 +143,7 @@
       </p15:sldGuideLst>
     </p:ext>
     <p:ext uri="{2D200454-40CA-4A62-9FC3-DE9A4176ACB9}">
-      <p15:notesGuideLst xmlns:p15="http://schemas.microsoft.com/office/powerpoint/2012/main" xmlns="">
+      <p15:notesGuideLst xmlns="" xmlns:p15="http://schemas.microsoft.com/office/powerpoint/2012/main">
         <p15:guide id="1" orient="horz" pos="2880">
           <p15:clr>
             <a:srgbClr val="A4A3A4"/>
@@ -326,7 +327,7 @@
     </p:spTree>
     <p:extLst>
       <p:ext uri="{BB962C8B-B14F-4D97-AF65-F5344CB8AC3E}">
-        <p14:creationId xmlns:p14="http://schemas.microsoft.com/office/powerpoint/2010/main" xmlns="" val="827279973"/>
+        <p14:creationId xmlns="" xmlns:p14="http://schemas.microsoft.com/office/powerpoint/2010/main" val="827279973"/>
       </p:ext>
     </p:extLst>
   </p:cSld>
@@ -587,7 +588,7 @@
     </p:spTree>
     <p:extLst>
       <p:ext uri="{BB962C8B-B14F-4D97-AF65-F5344CB8AC3E}">
-        <p14:creationId xmlns:p14="http://schemas.microsoft.com/office/powerpoint/2010/main" xmlns="" val="3865021395"/>
+        <p14:creationId xmlns="" xmlns:p14="http://schemas.microsoft.com/office/powerpoint/2010/main" val="3865021395"/>
       </p:ext>
     </p:extLst>
   </p:cSld>
@@ -801,7 +802,7 @@
     </p:spTree>
     <p:extLst>
       <p:ext uri="{BB962C8B-B14F-4D97-AF65-F5344CB8AC3E}">
-        <p14:creationId xmlns:p14="http://schemas.microsoft.com/office/powerpoint/2010/main" xmlns="" val="2381791527"/>
+        <p14:creationId xmlns="" xmlns:p14="http://schemas.microsoft.com/office/powerpoint/2010/main" val="2381791527"/>
       </p:ext>
     </p:extLst>
   </p:cSld>
@@ -915,7 +916,7 @@
             <a:fld id="{5583B3A5-99BF-45D9-956B-DC57CC23AD97}" type="slidenum">
               <a:rPr lang="ru-RU" smtClean="0"/>
               <a:pPr/>
-              <a:t>17</a:t>
+              <a:t>18</a:t>
             </a:fld>
             <a:endParaRPr lang="ru-RU"/>
           </a:p>
@@ -924,7 +925,7 @@
     </p:spTree>
     <p:extLst>
       <p:ext uri="{BB962C8B-B14F-4D97-AF65-F5344CB8AC3E}">
-        <p14:creationId xmlns:p14="http://schemas.microsoft.com/office/powerpoint/2010/main" xmlns="" val="1915950851"/>
+        <p14:creationId xmlns="" xmlns:p14="http://schemas.microsoft.com/office/powerpoint/2010/main" val="1915950851"/>
       </p:ext>
     </p:extLst>
   </p:cSld>
@@ -1184,7 +1185,7 @@
     </p:spTree>
     <p:extLst>
       <p:ext uri="{BB962C8B-B14F-4D97-AF65-F5344CB8AC3E}">
-        <p14:creationId xmlns:p14="http://schemas.microsoft.com/office/powerpoint/2010/main" xmlns="" val="322455162"/>
+        <p14:creationId xmlns="" xmlns:p14="http://schemas.microsoft.com/office/powerpoint/2010/main" val="322455162"/>
       </p:ext>
     </p:extLst>
   </p:cSld>
@@ -1358,7 +1359,7 @@
     </p:spTree>
     <p:extLst>
       <p:ext uri="{BB962C8B-B14F-4D97-AF65-F5344CB8AC3E}">
-        <p14:creationId xmlns:p14="http://schemas.microsoft.com/office/powerpoint/2010/main" xmlns="" val="971117636"/>
+        <p14:creationId xmlns="" xmlns:p14="http://schemas.microsoft.com/office/powerpoint/2010/main" val="971117636"/>
       </p:ext>
     </p:extLst>
   </p:cSld>
@@ -1535,7 +1536,7 @@
     </p:spTree>
     <p:extLst>
       <p:ext uri="{BB962C8B-B14F-4D97-AF65-F5344CB8AC3E}">
-        <p14:creationId xmlns:p14="http://schemas.microsoft.com/office/powerpoint/2010/main" xmlns="" val="3348877825"/>
+        <p14:creationId xmlns="" xmlns:p14="http://schemas.microsoft.com/office/powerpoint/2010/main" val="3348877825"/>
       </p:ext>
     </p:extLst>
   </p:cSld>
@@ -1860,7 +1861,7 @@
     </p:spTree>
     <p:extLst>
       <p:ext uri="{BB962C8B-B14F-4D97-AF65-F5344CB8AC3E}">
-        <p14:creationId xmlns:p14="http://schemas.microsoft.com/office/powerpoint/2010/main" xmlns="" val="3256953994"/>
+        <p14:creationId xmlns="" xmlns:p14="http://schemas.microsoft.com/office/powerpoint/2010/main" val="3256953994"/>
       </p:ext>
     </p:extLst>
   </p:cSld>
@@ -2110,7 +2111,7 @@
     </p:spTree>
     <p:extLst>
       <p:ext uri="{BB962C8B-B14F-4D97-AF65-F5344CB8AC3E}">
-        <p14:creationId xmlns:p14="http://schemas.microsoft.com/office/powerpoint/2010/main" xmlns="" val="3067076846"/>
+        <p14:creationId xmlns="" xmlns:p14="http://schemas.microsoft.com/office/powerpoint/2010/main" val="3067076846"/>
       </p:ext>
     </p:extLst>
   </p:cSld>
@@ -2346,7 +2347,7 @@
     </p:spTree>
     <p:extLst>
       <p:ext uri="{BB962C8B-B14F-4D97-AF65-F5344CB8AC3E}">
-        <p14:creationId xmlns:p14="http://schemas.microsoft.com/office/powerpoint/2010/main" xmlns="" val="3710015975"/>
+        <p14:creationId xmlns="" xmlns:p14="http://schemas.microsoft.com/office/powerpoint/2010/main" val="3710015975"/>
       </p:ext>
     </p:extLst>
   </p:cSld>
@@ -2717,7 +2718,7 @@
     </p:spTree>
     <p:extLst>
       <p:ext uri="{BB962C8B-B14F-4D97-AF65-F5344CB8AC3E}">
-        <p14:creationId xmlns:p14="http://schemas.microsoft.com/office/powerpoint/2010/main" xmlns="" val="4075590966"/>
+        <p14:creationId xmlns="" xmlns:p14="http://schemas.microsoft.com/office/powerpoint/2010/main" val="4075590966"/>
       </p:ext>
     </p:extLst>
   </p:cSld>
@@ -2839,7 +2840,7 @@
     </p:spTree>
     <p:extLst>
       <p:ext uri="{BB962C8B-B14F-4D97-AF65-F5344CB8AC3E}">
-        <p14:creationId xmlns:p14="http://schemas.microsoft.com/office/powerpoint/2010/main" xmlns="" val="2889604898"/>
+        <p14:creationId xmlns="" xmlns:p14="http://schemas.microsoft.com/office/powerpoint/2010/main" val="2889604898"/>
       </p:ext>
     </p:extLst>
   </p:cSld>
@@ -2938,7 +2939,7 @@
     </p:spTree>
     <p:extLst>
       <p:ext uri="{BB962C8B-B14F-4D97-AF65-F5344CB8AC3E}">
-        <p14:creationId xmlns:p14="http://schemas.microsoft.com/office/powerpoint/2010/main" xmlns="" val="152384765"/>
+        <p14:creationId xmlns="" xmlns:p14="http://schemas.microsoft.com/office/powerpoint/2010/main" val="152384765"/>
       </p:ext>
     </p:extLst>
   </p:cSld>
@@ -3219,7 +3220,7 @@
     </p:spTree>
     <p:extLst>
       <p:ext uri="{BB962C8B-B14F-4D97-AF65-F5344CB8AC3E}">
-        <p14:creationId xmlns:p14="http://schemas.microsoft.com/office/powerpoint/2010/main" xmlns="" val="2127791886"/>
+        <p14:creationId xmlns="" xmlns:p14="http://schemas.microsoft.com/office/powerpoint/2010/main" val="2127791886"/>
       </p:ext>
     </p:extLst>
   </p:cSld>
@@ -3476,7 +3477,7 @@
     </p:spTree>
     <p:extLst>
       <p:ext uri="{BB962C8B-B14F-4D97-AF65-F5344CB8AC3E}">
-        <p14:creationId xmlns:p14="http://schemas.microsoft.com/office/powerpoint/2010/main" xmlns="" val="1752705130"/>
+        <p14:creationId xmlns="" xmlns:p14="http://schemas.microsoft.com/office/powerpoint/2010/main" val="1752705130"/>
       </p:ext>
     </p:extLst>
   </p:cSld>
@@ -3729,7 +3730,7 @@
     </p:spTree>
     <p:extLst>
       <p:ext uri="{BB962C8B-B14F-4D97-AF65-F5344CB8AC3E}">
-        <p14:creationId xmlns:p14="http://schemas.microsoft.com/office/powerpoint/2010/main" xmlns="" val="968833914"/>
+        <p14:creationId xmlns="" xmlns:p14="http://schemas.microsoft.com/office/powerpoint/2010/main" val="968833914"/>
       </p:ext>
     </p:extLst>
   </p:cSld>
@@ -4206,7 +4207,7 @@
     </p:spTree>
     <p:extLst>
       <p:ext uri="{BB962C8B-B14F-4D97-AF65-F5344CB8AC3E}">
-        <p14:creationId xmlns:p14="http://schemas.microsoft.com/office/powerpoint/2010/main" xmlns="" val="2492894732"/>
+        <p14:creationId xmlns="" xmlns:p14="http://schemas.microsoft.com/office/powerpoint/2010/main" val="2492894732"/>
       </p:ext>
     </p:extLst>
   </p:cSld>
@@ -4288,12 +4289,21 @@
                   <a:srgbClr val="F7B217"/>
                 </a:solidFill>
               </a:rPr>
-              <a:t>-saved register</a:t>
+              <a:t>-saved </a:t>
+            </a:r>
+            <a:r>
+              <a:rPr lang="en-US" b="1" dirty="0" smtClean="0">
+                <a:solidFill>
+                  <a:srgbClr val="F7B217"/>
+                </a:solidFill>
+              </a:rPr>
+              <a:t>register </a:t>
             </a:r>
             <a:r>
               <a:rPr lang="en-US" dirty="0" smtClean="0"/>
-              <a:t>  is register saved by the routine making a function call</a:t>
-            </a:r>
+              <a:t>is a register saved by the routine being called</a:t>
+            </a:r>
+            <a:endParaRPr lang="en-US" dirty="0" smtClean="0"/>
           </a:p>
           <a:p>
             <a:pPr>
@@ -4311,7 +4321,15 @@
             </a:r>
             <a:r>
               <a:rPr lang="en-US" dirty="0" smtClean="0"/>
-              <a:t> is a register saved by the routine being called</a:t>
+              <a:t> </a:t>
+            </a:r>
+            <a:r>
+              <a:rPr lang="en-US" dirty="0" smtClean="0"/>
+              <a:t>is register saved by the routine making a function </a:t>
+            </a:r>
+            <a:r>
+              <a:rPr lang="en-US" dirty="0" smtClean="0"/>
+              <a:t>call</a:t>
             </a:r>
             <a:endParaRPr lang="ru-RU" dirty="0"/>
           </a:p>
@@ -4655,7 +4673,7 @@
         </p:nvSpPr>
         <p:spPr>
           <a:xfrm>
-            <a:off x="1896291" y="1125802"/>
+            <a:off x="7761513" y="1138865"/>
             <a:ext cx="3341914" cy="5366438"/>
           </a:xfrm>
         </p:spPr>
@@ -5209,20 +5227,25 @@
             </a:r>
             <a:r>
               <a:rPr lang="en-US" sz="2800" dirty="0" smtClean="0"/>
-              <a:t>, 0(</a:t>
-            </a:r>
-            <a:r>
-              <a:rPr lang="en-US" sz="2800" dirty="0" smtClean="0">
+              <a:t>, </a:t>
+            </a:r>
+            <a:r>
+              <a:rPr lang="en-US" sz="2800" dirty="0" smtClean="0"/>
+              <a:t>0(</a:t>
+            </a:r>
+            <a:r>
+              <a:rPr lang="en-US" sz="2800" dirty="0" err="1" smtClean="0">
                 <a:solidFill>
                   <a:srgbClr val="FF0000"/>
                 </a:solidFill>
               </a:rPr>
-              <a:t>x1</a:t>
+              <a:t>ra</a:t>
             </a:r>
             <a:r>
               <a:rPr lang="en-US" sz="2800" dirty="0" smtClean="0"/>
               <a:t>)</a:t>
             </a:r>
+            <a:endParaRPr lang="en-US" sz="2800" dirty="0" smtClean="0"/>
           </a:p>
           <a:p>
             <a:pPr>
@@ -5293,7 +5316,7 @@
         </p:nvSpPr>
         <p:spPr>
           <a:xfrm>
-            <a:off x="6659879" y="1084217"/>
+            <a:off x="1016723" y="1110343"/>
             <a:ext cx="4534989" cy="5590903"/>
           </a:xfrm>
           <a:prstGeom prst="rect">
@@ -6080,8 +6103,8 @@
         </p:nvCxnSpPr>
         <p:spPr>
           <a:xfrm flipH="1" flipV="1">
-            <a:off x="4794069" y="1397726"/>
-            <a:ext cx="2508069" cy="3370217"/>
+            <a:off x="4650377" y="5146766"/>
+            <a:ext cx="3853543" cy="1227908"/>
           </a:xfrm>
           <a:prstGeom prst="straightConnector1">
             <a:avLst/>
@@ -6116,8 +6139,8 @@
         </p:nvCxnSpPr>
         <p:spPr>
           <a:xfrm flipV="1">
-            <a:off x="4781006" y="1476103"/>
-            <a:ext cx="1933303" cy="4859384"/>
+            <a:off x="4689565" y="1489167"/>
+            <a:ext cx="3030583" cy="3357153"/>
           </a:xfrm>
           <a:prstGeom prst="straightConnector1">
             <a:avLst/>
@@ -6579,7 +6602,7 @@
             </a:r>
             <a:r>
               <a:rPr lang="en-US" sz="6000" dirty="0" err="1" smtClean="0"/>
-              <a:t>sw</a:t>
+              <a:t>lw</a:t>
             </a:r>
             <a:r>
               <a:rPr lang="en-US" sz="6000" dirty="0" smtClean="0"/>
@@ -6635,7 +6658,7 @@
             </a:r>
             <a:r>
               <a:rPr lang="en-US" sz="6000" dirty="0" err="1" smtClean="0"/>
-              <a:t>sw</a:t>
+              <a:t>lw</a:t>
             </a:r>
             <a:r>
               <a:rPr lang="en-US" sz="6000" dirty="0" smtClean="0"/>
@@ -6691,7 +6714,7 @@
             </a:r>
             <a:r>
               <a:rPr lang="en-US" sz="6000" dirty="0" err="1" smtClean="0"/>
-              <a:t>sw</a:t>
+              <a:t>lw</a:t>
             </a:r>
             <a:r>
               <a:rPr lang="en-US" sz="6000" dirty="0" smtClean="0"/>
@@ -6747,7 +6770,7 @@
             </a:r>
             <a:r>
               <a:rPr lang="en-US" sz="6000" dirty="0" err="1" smtClean="0"/>
-              <a:t>sw</a:t>
+              <a:t>lw</a:t>
             </a:r>
             <a:r>
               <a:rPr lang="en-US" sz="6000" dirty="0" smtClean="0"/>
@@ -6803,7 +6826,7 @@
             </a:r>
             <a:r>
               <a:rPr lang="en-US" sz="6000" dirty="0" err="1" smtClean="0"/>
-              <a:t>sw</a:t>
+              <a:t>lw</a:t>
             </a:r>
             <a:r>
               <a:rPr lang="en-US" sz="6000" dirty="0" smtClean="0"/>
@@ -7434,7 +7457,7 @@
             </a:r>
             <a:r>
               <a:rPr lang="en-US" sz="6000" dirty="0" err="1" smtClean="0"/>
-              <a:t>sw</a:t>
+              <a:t>lw</a:t>
             </a:r>
             <a:r>
               <a:rPr lang="en-US" sz="6000" dirty="0" smtClean="0"/>
@@ -7490,7 +7513,7 @@
             </a:r>
             <a:r>
               <a:rPr lang="en-US" sz="6000" dirty="0" err="1" smtClean="0"/>
-              <a:t>sw</a:t>
+              <a:t>lw</a:t>
             </a:r>
             <a:r>
               <a:rPr lang="en-US" sz="6000" dirty="0" smtClean="0"/>
@@ -7546,7 +7569,7 @@
             </a:r>
             <a:r>
               <a:rPr lang="en-US" sz="6000" dirty="0" err="1" smtClean="0"/>
-              <a:t>sw</a:t>
+              <a:t>lw</a:t>
             </a:r>
             <a:r>
               <a:rPr lang="en-US" sz="6000" dirty="0" smtClean="0"/>
@@ -7602,7 +7625,7 @@
             </a:r>
             <a:r>
               <a:rPr lang="en-US" sz="6000" dirty="0" err="1" smtClean="0"/>
-              <a:t>sw</a:t>
+              <a:t>lw</a:t>
             </a:r>
             <a:r>
               <a:rPr lang="en-US" sz="6000" dirty="0" smtClean="0"/>
@@ -9160,15 +9183,7 @@
             </a:r>
             <a:r>
               <a:rPr lang="en-US" dirty="0" smtClean="0"/>
-              <a:t>is a value </a:t>
-            </a:r>
-            <a:r>
-              <a:rPr lang="en-US" dirty="0" smtClean="0"/>
-              <a:t>denoting the location of the saved registers and local variables for a given procedure</a:t>
-            </a:r>
-            <a:r>
-              <a:rPr lang="en-US" dirty="0" smtClean="0"/>
-              <a:t>. Simplifies programming because when stack-pointer changes programmers have to use different offsets to access the same values.</a:t>
+              <a:t>is a value denoting the location of the saved registers and local variables for a given procedure. Simplifies programming because when stack-pointer changes programmers have to use different offsets to access the same values.</a:t>
             </a:r>
             <a:endParaRPr lang="ru-RU" dirty="0"/>
           </a:p>
@@ -9281,6 +9296,574 @@
       </p:grpSpPr>
       <p:sp>
         <p:nvSpPr>
+          <p:cNvPr id="2" name="Содержимое 1"/>
+          <p:cNvSpPr>
+            <a:spLocks noGrp="1"/>
+          </p:cNvSpPr>
+          <p:nvPr>
+            <p:ph idx="1"/>
+          </p:nvPr>
+        </p:nvSpPr>
+        <p:spPr>
+          <a:xfrm>
+            <a:off x="838200" y="1005840"/>
+            <a:ext cx="10515600" cy="5630091"/>
+          </a:xfrm>
+        </p:spPr>
+        <p:txBody>
+          <a:bodyPr>
+            <a:noAutofit/>
+          </a:bodyPr>
+          <a:lstStyle/>
+          <a:p>
+            <a:pPr marL="0" indent="0">
+              <a:spcBef>
+                <a:spcPts val="0"/>
+              </a:spcBef>
+              <a:buNone/>
+            </a:pPr>
+            <a:r>
+              <a:rPr lang="en-US" sz="1600" dirty="0" smtClean="0"/>
+              <a:t>main:</a:t>
+            </a:r>
+          </a:p>
+          <a:p>
+            <a:pPr marL="0" indent="0">
+              <a:spcBef>
+                <a:spcPts val="0"/>
+              </a:spcBef>
+              <a:buNone/>
+            </a:pPr>
+            <a:r>
+              <a:rPr lang="en-US" sz="1600" dirty="0" smtClean="0"/>
+              <a:t>    </a:t>
+            </a:r>
+            <a:r>
+              <a:rPr lang="en-US" sz="1600" dirty="0" err="1" smtClean="0"/>
+              <a:t>mv</a:t>
+            </a:r>
+            <a:r>
+              <a:rPr lang="en-US" sz="1600" dirty="0" smtClean="0"/>
+              <a:t>  </a:t>
+            </a:r>
+            <a:r>
+              <a:rPr lang="en-US" sz="1600" dirty="0" err="1" smtClean="0"/>
+              <a:t>fp</a:t>
+            </a:r>
+            <a:r>
+              <a:rPr lang="en-US" sz="1600" dirty="0" smtClean="0"/>
+              <a:t>, sp</a:t>
+            </a:r>
+          </a:p>
+          <a:p>
+            <a:pPr marL="0" indent="0">
+              <a:spcBef>
+                <a:spcPts val="0"/>
+              </a:spcBef>
+              <a:buNone/>
+            </a:pPr>
+            <a:r>
+              <a:rPr lang="en-US" sz="1600" dirty="0" smtClean="0"/>
+              <a:t>    jal </a:t>
+            </a:r>
+            <a:r>
+              <a:rPr lang="en-US" sz="1600" dirty="0" err="1" smtClean="0"/>
+              <a:t>ra</a:t>
+            </a:r>
+            <a:r>
+              <a:rPr lang="en-US" sz="1600" dirty="0" smtClean="0"/>
+              <a:t>, </a:t>
+            </a:r>
+            <a:r>
+              <a:rPr lang="en-US" sz="1600" dirty="0" err="1" smtClean="0"/>
+              <a:t>func</a:t>
+            </a:r>
+            <a:endParaRPr lang="en-US" sz="1600" dirty="0" smtClean="0"/>
+          </a:p>
+          <a:p>
+            <a:pPr marL="0" indent="0">
+              <a:spcBef>
+                <a:spcPts val="0"/>
+              </a:spcBef>
+              <a:buNone/>
+            </a:pPr>
+            <a:endParaRPr lang="en-US" sz="1600" dirty="0" smtClean="0"/>
+          </a:p>
+          <a:p>
+            <a:pPr marL="0" indent="0">
+              <a:spcBef>
+                <a:spcPts val="0"/>
+              </a:spcBef>
+              <a:buNone/>
+            </a:pPr>
+            <a:r>
+              <a:rPr lang="en-US" sz="1600" dirty="0" smtClean="0"/>
+              <a:t>    </a:t>
+            </a:r>
+            <a:r>
+              <a:rPr lang="en-US" sz="1600" dirty="0" err="1" smtClean="0"/>
+              <a:t>li</a:t>
+            </a:r>
+            <a:r>
+              <a:rPr lang="en-US" sz="1600" dirty="0" smtClean="0"/>
+              <a:t> a7, 10</a:t>
+            </a:r>
+          </a:p>
+          <a:p>
+            <a:pPr marL="0" indent="0">
+              <a:spcBef>
+                <a:spcPts val="0"/>
+              </a:spcBef>
+              <a:buNone/>
+            </a:pPr>
+            <a:r>
+              <a:rPr lang="en-US" sz="1600" dirty="0" smtClean="0"/>
+              <a:t>    </a:t>
+            </a:r>
+            <a:r>
+              <a:rPr lang="en-US" sz="1600" dirty="0" err="1" smtClean="0"/>
+              <a:t>ecall</a:t>
+            </a:r>
+            <a:endParaRPr lang="en-US" sz="1600" dirty="0" smtClean="0"/>
+          </a:p>
+          <a:p>
+            <a:pPr marL="0" indent="0">
+              <a:spcBef>
+                <a:spcPts val="0"/>
+              </a:spcBef>
+              <a:buNone/>
+            </a:pPr>
+            <a:r>
+              <a:rPr lang="en-US" sz="1600" dirty="0" err="1" smtClean="0"/>
+              <a:t>func</a:t>
+            </a:r>
+            <a:r>
+              <a:rPr lang="en-US" sz="1600" dirty="0" smtClean="0"/>
+              <a:t>:</a:t>
+            </a:r>
+          </a:p>
+          <a:p>
+            <a:pPr marL="0" indent="0">
+              <a:spcBef>
+                <a:spcPts val="0"/>
+              </a:spcBef>
+              <a:buNone/>
+            </a:pPr>
+            <a:r>
+              <a:rPr lang="en-US" sz="1600" dirty="0" smtClean="0"/>
+              <a:t>    addi sp, sp, -4</a:t>
+            </a:r>
+          </a:p>
+          <a:p>
+            <a:pPr marL="0" indent="0">
+              <a:spcBef>
+                <a:spcPts val="0"/>
+              </a:spcBef>
+              <a:buNone/>
+            </a:pPr>
+            <a:r>
+              <a:rPr lang="en-US" sz="1600" dirty="0" smtClean="0"/>
+              <a:t>    </a:t>
+            </a:r>
+            <a:r>
+              <a:rPr lang="en-US" sz="1600" dirty="0" err="1" smtClean="0"/>
+              <a:t>li</a:t>
+            </a:r>
+            <a:r>
+              <a:rPr lang="en-US" sz="1600" dirty="0" smtClean="0"/>
+              <a:t>   t0, 1</a:t>
+            </a:r>
+          </a:p>
+          <a:p>
+            <a:pPr marL="0" indent="0">
+              <a:spcBef>
+                <a:spcPts val="0"/>
+              </a:spcBef>
+              <a:buNone/>
+            </a:pPr>
+            <a:r>
+              <a:rPr lang="en-US" sz="1600" dirty="0" smtClean="0"/>
+              <a:t>    </a:t>
+            </a:r>
+            <a:r>
+              <a:rPr lang="en-US" sz="1600" dirty="0" err="1" smtClean="0"/>
+              <a:t>sw</a:t>
+            </a:r>
+            <a:r>
+              <a:rPr lang="en-US" sz="1600" dirty="0" smtClean="0"/>
+              <a:t>   t0, 0(sp)</a:t>
+            </a:r>
+          </a:p>
+          <a:p>
+            <a:pPr marL="0" indent="0">
+              <a:spcBef>
+                <a:spcPts val="0"/>
+              </a:spcBef>
+              <a:buNone/>
+            </a:pPr>
+            <a:r>
+              <a:rPr lang="en-US" sz="1600" dirty="0" smtClean="0"/>
+              <a:t>    </a:t>
+            </a:r>
+            <a:r>
+              <a:rPr lang="en-US" sz="1600" dirty="0" smtClean="0"/>
+              <a:t>addi sp, sp, -4</a:t>
+            </a:r>
+          </a:p>
+          <a:p>
+            <a:pPr marL="0" indent="0">
+              <a:spcBef>
+                <a:spcPts val="0"/>
+              </a:spcBef>
+              <a:buNone/>
+            </a:pPr>
+            <a:r>
+              <a:rPr lang="en-US" sz="1600" dirty="0" smtClean="0"/>
+              <a:t>    </a:t>
+            </a:r>
+            <a:r>
+              <a:rPr lang="en-US" sz="1600" dirty="0" err="1" smtClean="0"/>
+              <a:t>li</a:t>
+            </a:r>
+            <a:r>
+              <a:rPr lang="en-US" sz="1600" dirty="0" smtClean="0"/>
+              <a:t>   t0, 2</a:t>
+            </a:r>
+          </a:p>
+          <a:p>
+            <a:pPr marL="0" indent="0">
+              <a:spcBef>
+                <a:spcPts val="0"/>
+              </a:spcBef>
+              <a:buNone/>
+            </a:pPr>
+            <a:r>
+              <a:rPr lang="en-US" sz="1600" dirty="0" smtClean="0"/>
+              <a:t>    </a:t>
+            </a:r>
+            <a:r>
+              <a:rPr lang="en-US" sz="1600" dirty="0" err="1" smtClean="0"/>
+              <a:t>sw</a:t>
+            </a:r>
+            <a:r>
+              <a:rPr lang="en-US" sz="1600" dirty="0" smtClean="0"/>
+              <a:t>   t0, 0(sp)</a:t>
+            </a:r>
+          </a:p>
+          <a:p>
+            <a:pPr marL="0" indent="0">
+              <a:spcBef>
+                <a:spcPts val="0"/>
+              </a:spcBef>
+              <a:buNone/>
+            </a:pPr>
+            <a:r>
+              <a:rPr lang="en-US" sz="1600" dirty="0" smtClean="0"/>
+              <a:t>    </a:t>
+            </a:r>
+            <a:r>
+              <a:rPr lang="en-US" sz="1600" dirty="0" smtClean="0"/>
+              <a:t>addi sp, sp, -4</a:t>
+            </a:r>
+          </a:p>
+          <a:p>
+            <a:pPr marL="0" indent="0">
+              <a:spcBef>
+                <a:spcPts val="0"/>
+              </a:spcBef>
+              <a:buNone/>
+            </a:pPr>
+            <a:r>
+              <a:rPr lang="en-US" sz="1600" dirty="0" smtClean="0"/>
+              <a:t>    </a:t>
+            </a:r>
+            <a:r>
+              <a:rPr lang="en-US" sz="1600" dirty="0" err="1" smtClean="0"/>
+              <a:t>li</a:t>
+            </a:r>
+            <a:r>
+              <a:rPr lang="en-US" sz="1600" dirty="0" smtClean="0"/>
+              <a:t>   t0, 3</a:t>
+            </a:r>
+          </a:p>
+          <a:p>
+            <a:pPr marL="0" indent="0">
+              <a:spcBef>
+                <a:spcPts val="0"/>
+              </a:spcBef>
+              <a:buNone/>
+            </a:pPr>
+            <a:r>
+              <a:rPr lang="en-US" sz="1600" dirty="0" smtClean="0"/>
+              <a:t>    </a:t>
+            </a:r>
+            <a:r>
+              <a:rPr lang="en-US" sz="1600" dirty="0" err="1" smtClean="0"/>
+              <a:t>sw</a:t>
+            </a:r>
+            <a:r>
+              <a:rPr lang="en-US" sz="1600" dirty="0" smtClean="0"/>
+              <a:t>   t0, 0(sp)</a:t>
+            </a:r>
+          </a:p>
+          <a:p>
+            <a:pPr marL="0" indent="0">
+              <a:spcBef>
+                <a:spcPts val="0"/>
+              </a:spcBef>
+              <a:buNone/>
+            </a:pPr>
+            <a:r>
+              <a:rPr lang="en-US" sz="1600" dirty="0" smtClean="0"/>
+              <a:t>    </a:t>
+            </a:r>
+            <a:r>
+              <a:rPr lang="en-US" sz="1600" dirty="0" err="1" smtClean="0"/>
+              <a:t>lw</a:t>
+            </a:r>
+            <a:r>
+              <a:rPr lang="en-US" sz="1600" dirty="0" smtClean="0"/>
+              <a:t>   t0, 0(</a:t>
+            </a:r>
+            <a:r>
+              <a:rPr lang="en-US" sz="1600" dirty="0" err="1" smtClean="0"/>
+              <a:t>fp</a:t>
+            </a:r>
+            <a:r>
+              <a:rPr lang="en-US" sz="1600" dirty="0" smtClean="0"/>
+              <a:t>)</a:t>
+            </a:r>
+          </a:p>
+          <a:p>
+            <a:pPr marL="0" indent="0">
+              <a:spcBef>
+                <a:spcPts val="0"/>
+              </a:spcBef>
+              <a:buNone/>
+            </a:pPr>
+            <a:r>
+              <a:rPr lang="en-US" sz="1600" dirty="0" smtClean="0"/>
+              <a:t>    </a:t>
+            </a:r>
+            <a:r>
+              <a:rPr lang="en-US" sz="1600" dirty="0" err="1" smtClean="0"/>
+              <a:t>print_int</a:t>
+            </a:r>
+            <a:r>
+              <a:rPr lang="en-US" sz="1600" dirty="0" smtClean="0"/>
+              <a:t>(t0)</a:t>
+            </a:r>
+          </a:p>
+          <a:p>
+            <a:pPr marL="0" indent="0">
+              <a:spcBef>
+                <a:spcPts val="0"/>
+              </a:spcBef>
+              <a:buNone/>
+            </a:pPr>
+            <a:r>
+              <a:rPr lang="en-US" sz="1600" dirty="0" smtClean="0"/>
+              <a:t>    </a:t>
+            </a:r>
+            <a:r>
+              <a:rPr lang="en-US" sz="1600" dirty="0" err="1" smtClean="0"/>
+              <a:t>lw</a:t>
+            </a:r>
+            <a:r>
+              <a:rPr lang="en-US" sz="1600" dirty="0" smtClean="0"/>
+              <a:t>   t0, -4(</a:t>
+            </a:r>
+            <a:r>
+              <a:rPr lang="en-US" sz="1600" dirty="0" err="1" smtClean="0"/>
+              <a:t>fp</a:t>
+            </a:r>
+            <a:r>
+              <a:rPr lang="en-US" sz="1600" dirty="0" smtClean="0"/>
+              <a:t>)</a:t>
+            </a:r>
+          </a:p>
+          <a:p>
+            <a:pPr marL="0" indent="0">
+              <a:spcBef>
+                <a:spcPts val="0"/>
+              </a:spcBef>
+              <a:buNone/>
+            </a:pPr>
+            <a:r>
+              <a:rPr lang="en-US" sz="1600" dirty="0" smtClean="0"/>
+              <a:t>    </a:t>
+            </a:r>
+            <a:r>
+              <a:rPr lang="en-US" sz="1600" dirty="0" err="1" smtClean="0"/>
+              <a:t>print_int</a:t>
+            </a:r>
+            <a:r>
+              <a:rPr lang="en-US" sz="1600" dirty="0" smtClean="0"/>
+              <a:t>(t0)</a:t>
+            </a:r>
+          </a:p>
+          <a:p>
+            <a:pPr marL="0" indent="0">
+              <a:spcBef>
+                <a:spcPts val="0"/>
+              </a:spcBef>
+              <a:buNone/>
+            </a:pPr>
+            <a:r>
+              <a:rPr lang="en-US" sz="1600" dirty="0" smtClean="0"/>
+              <a:t>    </a:t>
+            </a:r>
+            <a:r>
+              <a:rPr lang="en-US" sz="1600" dirty="0" err="1" smtClean="0"/>
+              <a:t>lw</a:t>
+            </a:r>
+            <a:r>
+              <a:rPr lang="en-US" sz="1600" dirty="0" smtClean="0"/>
+              <a:t>   t0, -8(</a:t>
+            </a:r>
+            <a:r>
+              <a:rPr lang="en-US" sz="1600" dirty="0" err="1" smtClean="0"/>
+              <a:t>fp</a:t>
+            </a:r>
+            <a:r>
+              <a:rPr lang="en-US" sz="1600" dirty="0" smtClean="0"/>
+              <a:t>)</a:t>
+            </a:r>
+          </a:p>
+          <a:p>
+            <a:pPr marL="0" indent="0">
+              <a:spcBef>
+                <a:spcPts val="0"/>
+              </a:spcBef>
+              <a:buNone/>
+            </a:pPr>
+            <a:r>
+              <a:rPr lang="en-US" sz="1600" dirty="0" smtClean="0"/>
+              <a:t>    </a:t>
+            </a:r>
+            <a:r>
+              <a:rPr lang="en-US" sz="1600" dirty="0" err="1" smtClean="0"/>
+              <a:t>print_int</a:t>
+            </a:r>
+            <a:r>
+              <a:rPr lang="en-US" sz="1600" dirty="0" smtClean="0"/>
+              <a:t>(t0)</a:t>
+            </a:r>
+          </a:p>
+          <a:p>
+            <a:pPr marL="0" indent="0">
+              <a:spcBef>
+                <a:spcPts val="0"/>
+              </a:spcBef>
+              <a:buNone/>
+            </a:pPr>
+            <a:r>
+              <a:rPr lang="en-US" sz="1600" smtClean="0"/>
+              <a:t>    </a:t>
+            </a:r>
+            <a:r>
+              <a:rPr lang="en-US" sz="1600" dirty="0" smtClean="0"/>
+              <a:t>addi sp, sp, 12</a:t>
+            </a:r>
+          </a:p>
+          <a:p>
+            <a:pPr marL="0" indent="0">
+              <a:spcBef>
+                <a:spcPts val="0"/>
+              </a:spcBef>
+              <a:buNone/>
+            </a:pPr>
+            <a:r>
+              <a:rPr lang="en-US" sz="1600" dirty="0" smtClean="0"/>
+              <a:t>    jalr zero, 0(</a:t>
+            </a:r>
+            <a:r>
+              <a:rPr lang="en-US" sz="1600" dirty="0" err="1" smtClean="0"/>
+              <a:t>ra</a:t>
+            </a:r>
+            <a:r>
+              <a:rPr lang="en-US" sz="1600" dirty="0" smtClean="0"/>
+              <a:t>)</a:t>
+            </a:r>
+            <a:endParaRPr lang="ru-RU" sz="1600" dirty="0"/>
+          </a:p>
+        </p:txBody>
+      </p:sp>
+      <p:sp>
+        <p:nvSpPr>
+          <p:cNvPr id="3" name="Номер слайда 2"/>
+          <p:cNvSpPr>
+            <a:spLocks noGrp="1"/>
+          </p:cNvSpPr>
+          <p:nvPr>
+            <p:ph type="sldNum" sz="quarter" idx="12"/>
+          </p:nvPr>
+        </p:nvSpPr>
+        <p:spPr/>
+        <p:txBody>
+          <a:bodyPr/>
+          <a:lstStyle/>
+          <a:p>
+            <a:pPr algn="ctr"/>
+            <a:fld id="{1397BFD8-F312-4EF2-A268-44FB4BDDBBB0}" type="slidenum">
+              <a:rPr lang="ru-RU" smtClean="0"/>
+              <a:pPr algn="ctr"/>
+              <a:t>17</a:t>
+            </a:fld>
+            <a:endParaRPr lang="ru-RU" dirty="0"/>
+          </a:p>
+        </p:txBody>
+      </p:sp>
+      <p:sp>
+        <p:nvSpPr>
+          <p:cNvPr id="4" name="Заголовок 3"/>
+          <p:cNvSpPr>
+            <a:spLocks noGrp="1"/>
+          </p:cNvSpPr>
+          <p:nvPr>
+            <p:ph type="title"/>
+          </p:nvPr>
+        </p:nvSpPr>
+        <p:spPr/>
+        <p:txBody>
+          <a:bodyPr/>
+          <a:lstStyle/>
+          <a:p>
+            <a:r>
+              <a:rPr lang="en-US" dirty="0" smtClean="0"/>
+              <a:t>Using Frame Pointer</a:t>
+            </a:r>
+            <a:endParaRPr lang="ru-RU" dirty="0"/>
+          </a:p>
+        </p:txBody>
+      </p:sp>
+    </p:spTree>
+  </p:cSld>
+  <p:clrMapOvr>
+    <a:masterClrMapping/>
+  </p:clrMapOvr>
+</p:sld>
+</file>
+
+<file path=ppt/slides/slide18.xml><?xml version="1.0" encoding="utf-8"?>
+<p:sld xmlns:a="http://schemas.openxmlformats.org/drawingml/2006/main" xmlns:r="http://schemas.openxmlformats.org/officeDocument/2006/relationships" xmlns:p="http://schemas.openxmlformats.org/presentationml/2006/main">
+  <p:cSld>
+    <p:spTree>
+      <p:nvGrpSpPr>
+        <p:cNvPr id="1" name=""/>
+        <p:cNvGrpSpPr/>
+        <p:nvPr/>
+      </p:nvGrpSpPr>
+      <p:grpSpPr>
+        <a:xfrm>
+          <a:off x="0" y="0"/>
+          <a:ext cx="0" cy="0"/>
+          <a:chOff x="0" y="0"/>
+          <a:chExt cx="0" cy="0"/>
+        </a:xfrm>
+      </p:grpSpPr>
+      <p:sp>
+        <p:nvSpPr>
           <p:cNvPr id="4" name="Прямоугольник 3"/>
           <p:cNvSpPr/>
           <p:nvPr/>
@@ -9761,7 +10344,7 @@
             <a:fld id="{1397BFD8-F312-4EF2-A268-44FB4BDDBBB0}" type="slidenum">
               <a:rPr lang="ru-RU" smtClean="0"/>
               <a:pPr algn="ctr"/>
-              <a:t>17</a:t>
+              <a:t>18</a:t>
             </a:fld>
             <a:endParaRPr lang="ru-RU" dirty="0"/>
           </a:p>
@@ -9770,7 +10353,7 @@
     </p:spTree>
     <p:extLst>
       <p:ext uri="{BB962C8B-B14F-4D97-AF65-F5344CB8AC3E}">
-        <p14:creationId xmlns:p14="http://schemas.microsoft.com/office/powerpoint/2010/main" xmlns="" val="4217875043"/>
+        <p14:creationId xmlns="" xmlns:p14="http://schemas.microsoft.com/office/powerpoint/2010/main" val="4217875043"/>
       </p:ext>
     </p:extLst>
   </p:cSld>
@@ -11572,7 +12155,7 @@
           <p:nvPr>
             <p:extLst>
               <p:ext uri="{D42A27DB-BD31-4B8C-83A1-F6EECF244321}">
-                <p14:modId xmlns:p14="http://schemas.microsoft.com/office/powerpoint/2010/main" xmlns="" val="2871209487"/>
+                <p14:modId xmlns="" xmlns:p14="http://schemas.microsoft.com/office/powerpoint/2010/main" val="2871209487"/>
               </p:ext>
             </p:extLst>
           </p:nvPr>
@@ -15212,7 +15795,7 @@
     </p:spTree>
     <p:extLst>
       <p:ext uri="{BB962C8B-B14F-4D97-AF65-F5344CB8AC3E}">
-        <p14:creationId xmlns:p14="http://schemas.microsoft.com/office/powerpoint/2010/main" xmlns="" val="2496046611"/>
+        <p14:creationId xmlns="" xmlns:p14="http://schemas.microsoft.com/office/powerpoint/2010/main" val="2496046611"/>
       </p:ext>
     </p:extLst>
   </p:cSld>
@@ -16670,7 +17253,7 @@
   <a:extraClrSchemeLst/>
   <a:extLst>
     <a:ext uri="{05A4C25C-085E-4340-85A3-A5531E510DB2}">
-      <thm15:themeFamily xmlns:thm15="http://schemas.microsoft.com/office/thememl/2012/main" xmlns="" name="Office Theme" id="{62F939B6-93AF-4DB8-9C6B-D6C7DFDC589F}" vid="{4A3C46E8-61CC-4603-A589-7422A47A8E4A}"/>
+      <thm15:themeFamily xmlns="" xmlns:thm15="http://schemas.microsoft.com/office/thememl/2012/main" name="Office Theme" id="{62F939B6-93AF-4DB8-9C6B-D6C7DFDC589F}" vid="{4A3C46E8-61CC-4603-A589-7422A47A8E4A}"/>
     </a:ext>
   </a:extLst>
 </a:theme>
@@ -16931,7 +17514,7 @@
   <a:extraClrSchemeLst/>
   <a:extLst>
     <a:ext uri="{05A4C25C-085E-4340-85A3-A5531E510DB2}">
-      <thm15:themeFamily xmlns:thm15="http://schemas.microsoft.com/office/thememl/2012/main" xmlns="" name="Office Theme" id="{62F939B6-93AF-4DB8-9C6B-D6C7DFDC589F}" vid="{4A3C46E8-61CC-4603-A589-7422A47A8E4A}"/>
+      <thm15:themeFamily xmlns="" xmlns:thm15="http://schemas.microsoft.com/office/thememl/2012/main" name="Office Theme" id="{62F939B6-93AF-4DB8-9C6B-D6C7DFDC589F}" vid="{4A3C46E8-61CC-4603-A589-7422A47A8E4A}"/>
     </a:ext>
   </a:extLst>
 </a:theme>
@@ -17192,7 +17775,7 @@
   <a:extraClrSchemeLst/>
   <a:extLst>
     <a:ext uri="{05A4C25C-085E-4340-85A3-A5531E510DB2}">
-      <thm15:themeFamily xmlns:thm15="http://schemas.microsoft.com/office/thememl/2012/main" xmlns="" name="Office Theme" id="{62F939B6-93AF-4DB8-9C6B-D6C7DFDC589F}" vid="{4A3C46E8-61CC-4603-A589-7422A47A8E4A}"/>
+      <thm15:themeFamily xmlns="" xmlns:thm15="http://schemas.microsoft.com/office/thememl/2012/main" name="Office Theme" id="{62F939B6-93AF-4DB8-9C6B-D6C7DFDC589F}" vid="{4A3C46E8-61CC-4603-A589-7422A47A8E4A}"/>
     </a:ext>
   </a:extLst>
 </a:theme>

--- a/docs/part1ca/06_CallStack/CA_Lecture_06.pptx
+++ b/docs/part1ca/06_CallStack/CA_Lecture_06.pptx
@@ -129,7 +129,7 @@
   </p:defaultTextStyle>
   <p:extLst>
     <p:ext uri="{EFAFB233-063F-42B5-8137-9DF3F51BA10A}">
-      <p15:sldGuideLst xmlns="" xmlns:p15="http://schemas.microsoft.com/office/powerpoint/2012/main">
+      <p15:sldGuideLst xmlns:p15="http://schemas.microsoft.com/office/powerpoint/2012/main" xmlns="">
         <p15:guide id="1" orient="horz" pos="2160">
           <p15:clr>
             <a:srgbClr val="A4A3A4"/>
@@ -143,7 +143,7 @@
       </p15:sldGuideLst>
     </p:ext>
     <p:ext uri="{2D200454-40CA-4A62-9FC3-DE9A4176ACB9}">
-      <p15:notesGuideLst xmlns="" xmlns:p15="http://schemas.microsoft.com/office/powerpoint/2012/main">
+      <p15:notesGuideLst xmlns:p15="http://schemas.microsoft.com/office/powerpoint/2012/main" xmlns="">
         <p15:guide id="1" orient="horz" pos="2880">
           <p15:clr>
             <a:srgbClr val="A4A3A4"/>
@@ -251,7 +251,7 @@
             <a:fld id="{D0106195-8D78-4F6F-B8E4-FA67975ACEF5}" type="datetimeFigureOut">
               <a:rPr lang="ru-RU" smtClean="0"/>
               <a:pPr/>
-              <a:t>27.01.2021</a:t>
+              <a:t>28.01.2021</a:t>
             </a:fld>
             <a:endParaRPr lang="ru-RU"/>
           </a:p>
@@ -327,7 +327,7 @@
     </p:spTree>
     <p:extLst>
       <p:ext uri="{BB962C8B-B14F-4D97-AF65-F5344CB8AC3E}">
-        <p14:creationId xmlns="" xmlns:p14="http://schemas.microsoft.com/office/powerpoint/2010/main" val="827279973"/>
+        <p14:creationId xmlns:p14="http://schemas.microsoft.com/office/powerpoint/2010/main" xmlns="" val="827279973"/>
       </p:ext>
     </p:extLst>
   </p:cSld>
@@ -419,7 +419,7 @@
             <a:fld id="{878212F1-C3D9-4F2B-8F42-5E960FE8BE51}" type="datetimeFigureOut">
               <a:rPr lang="ru-RU" smtClean="0"/>
               <a:pPr/>
-              <a:t>27.01.2021</a:t>
+              <a:t>28.01.2021</a:t>
             </a:fld>
             <a:endParaRPr lang="ru-RU"/>
           </a:p>
@@ -588,7 +588,7 @@
     </p:spTree>
     <p:extLst>
       <p:ext uri="{BB962C8B-B14F-4D97-AF65-F5344CB8AC3E}">
-        <p14:creationId xmlns="" xmlns:p14="http://schemas.microsoft.com/office/powerpoint/2010/main" val="3865021395"/>
+        <p14:creationId xmlns:p14="http://schemas.microsoft.com/office/powerpoint/2010/main" xmlns="" val="3865021395"/>
       </p:ext>
     </p:extLst>
   </p:cSld>
@@ -802,7 +802,7 @@
     </p:spTree>
     <p:extLst>
       <p:ext uri="{BB962C8B-B14F-4D97-AF65-F5344CB8AC3E}">
-        <p14:creationId xmlns="" xmlns:p14="http://schemas.microsoft.com/office/powerpoint/2010/main" val="2381791527"/>
+        <p14:creationId xmlns:p14="http://schemas.microsoft.com/office/powerpoint/2010/main" xmlns="" val="2381791527"/>
       </p:ext>
     </p:extLst>
   </p:cSld>
@@ -925,7 +925,7 @@
     </p:spTree>
     <p:extLst>
       <p:ext uri="{BB962C8B-B14F-4D97-AF65-F5344CB8AC3E}">
-        <p14:creationId xmlns="" xmlns:p14="http://schemas.microsoft.com/office/powerpoint/2010/main" val="1915950851"/>
+        <p14:creationId xmlns:p14="http://schemas.microsoft.com/office/powerpoint/2010/main" xmlns="" val="1915950851"/>
       </p:ext>
     </p:extLst>
   </p:cSld>
@@ -1185,7 +1185,7 @@
     </p:spTree>
     <p:extLst>
       <p:ext uri="{BB962C8B-B14F-4D97-AF65-F5344CB8AC3E}">
-        <p14:creationId xmlns="" xmlns:p14="http://schemas.microsoft.com/office/powerpoint/2010/main" val="322455162"/>
+        <p14:creationId xmlns:p14="http://schemas.microsoft.com/office/powerpoint/2010/main" xmlns="" val="322455162"/>
       </p:ext>
     </p:extLst>
   </p:cSld>
@@ -1359,7 +1359,7 @@
     </p:spTree>
     <p:extLst>
       <p:ext uri="{BB962C8B-B14F-4D97-AF65-F5344CB8AC3E}">
-        <p14:creationId xmlns="" xmlns:p14="http://schemas.microsoft.com/office/powerpoint/2010/main" val="971117636"/>
+        <p14:creationId xmlns:p14="http://schemas.microsoft.com/office/powerpoint/2010/main" xmlns="" val="971117636"/>
       </p:ext>
     </p:extLst>
   </p:cSld>
@@ -1536,7 +1536,7 @@
     </p:spTree>
     <p:extLst>
       <p:ext uri="{BB962C8B-B14F-4D97-AF65-F5344CB8AC3E}">
-        <p14:creationId xmlns="" xmlns:p14="http://schemas.microsoft.com/office/powerpoint/2010/main" val="3348877825"/>
+        <p14:creationId xmlns:p14="http://schemas.microsoft.com/office/powerpoint/2010/main" xmlns="" val="3348877825"/>
       </p:ext>
     </p:extLst>
   </p:cSld>
@@ -1861,7 +1861,7 @@
     </p:spTree>
     <p:extLst>
       <p:ext uri="{BB962C8B-B14F-4D97-AF65-F5344CB8AC3E}">
-        <p14:creationId xmlns="" xmlns:p14="http://schemas.microsoft.com/office/powerpoint/2010/main" val="3256953994"/>
+        <p14:creationId xmlns:p14="http://schemas.microsoft.com/office/powerpoint/2010/main" xmlns="" val="3256953994"/>
       </p:ext>
     </p:extLst>
   </p:cSld>
@@ -2111,7 +2111,7 @@
     </p:spTree>
     <p:extLst>
       <p:ext uri="{BB962C8B-B14F-4D97-AF65-F5344CB8AC3E}">
-        <p14:creationId xmlns="" xmlns:p14="http://schemas.microsoft.com/office/powerpoint/2010/main" val="3067076846"/>
+        <p14:creationId xmlns:p14="http://schemas.microsoft.com/office/powerpoint/2010/main" xmlns="" val="3067076846"/>
       </p:ext>
     </p:extLst>
   </p:cSld>
@@ -2347,7 +2347,7 @@
     </p:spTree>
     <p:extLst>
       <p:ext uri="{BB962C8B-B14F-4D97-AF65-F5344CB8AC3E}">
-        <p14:creationId xmlns="" xmlns:p14="http://schemas.microsoft.com/office/powerpoint/2010/main" val="3710015975"/>
+        <p14:creationId xmlns:p14="http://schemas.microsoft.com/office/powerpoint/2010/main" xmlns="" val="3710015975"/>
       </p:ext>
     </p:extLst>
   </p:cSld>
@@ -2718,7 +2718,7 @@
     </p:spTree>
     <p:extLst>
       <p:ext uri="{BB962C8B-B14F-4D97-AF65-F5344CB8AC3E}">
-        <p14:creationId xmlns="" xmlns:p14="http://schemas.microsoft.com/office/powerpoint/2010/main" val="4075590966"/>
+        <p14:creationId xmlns:p14="http://schemas.microsoft.com/office/powerpoint/2010/main" xmlns="" val="4075590966"/>
       </p:ext>
     </p:extLst>
   </p:cSld>
@@ -2840,7 +2840,7 @@
     </p:spTree>
     <p:extLst>
       <p:ext uri="{BB962C8B-B14F-4D97-AF65-F5344CB8AC3E}">
-        <p14:creationId xmlns="" xmlns:p14="http://schemas.microsoft.com/office/powerpoint/2010/main" val="2889604898"/>
+        <p14:creationId xmlns:p14="http://schemas.microsoft.com/office/powerpoint/2010/main" xmlns="" val="2889604898"/>
       </p:ext>
     </p:extLst>
   </p:cSld>
@@ -2939,7 +2939,7 @@
     </p:spTree>
     <p:extLst>
       <p:ext uri="{BB962C8B-B14F-4D97-AF65-F5344CB8AC3E}">
-        <p14:creationId xmlns="" xmlns:p14="http://schemas.microsoft.com/office/powerpoint/2010/main" val="152384765"/>
+        <p14:creationId xmlns:p14="http://schemas.microsoft.com/office/powerpoint/2010/main" xmlns="" val="152384765"/>
       </p:ext>
     </p:extLst>
   </p:cSld>
@@ -3220,7 +3220,7 @@
     </p:spTree>
     <p:extLst>
       <p:ext uri="{BB962C8B-B14F-4D97-AF65-F5344CB8AC3E}">
-        <p14:creationId xmlns="" xmlns:p14="http://schemas.microsoft.com/office/powerpoint/2010/main" val="2127791886"/>
+        <p14:creationId xmlns:p14="http://schemas.microsoft.com/office/powerpoint/2010/main" xmlns="" val="2127791886"/>
       </p:ext>
     </p:extLst>
   </p:cSld>
@@ -3477,7 +3477,7 @@
     </p:spTree>
     <p:extLst>
       <p:ext uri="{BB962C8B-B14F-4D97-AF65-F5344CB8AC3E}">
-        <p14:creationId xmlns="" xmlns:p14="http://schemas.microsoft.com/office/powerpoint/2010/main" val="1752705130"/>
+        <p14:creationId xmlns:p14="http://schemas.microsoft.com/office/powerpoint/2010/main" xmlns="" val="1752705130"/>
       </p:ext>
     </p:extLst>
   </p:cSld>
@@ -3730,7 +3730,7 @@
     </p:spTree>
     <p:extLst>
       <p:ext uri="{BB962C8B-B14F-4D97-AF65-F5344CB8AC3E}">
-        <p14:creationId xmlns="" xmlns:p14="http://schemas.microsoft.com/office/powerpoint/2010/main" val="968833914"/>
+        <p14:creationId xmlns:p14="http://schemas.microsoft.com/office/powerpoint/2010/main" xmlns="" val="968833914"/>
       </p:ext>
     </p:extLst>
   </p:cSld>
@@ -4207,7 +4207,7 @@
     </p:spTree>
     <p:extLst>
       <p:ext uri="{BB962C8B-B14F-4D97-AF65-F5344CB8AC3E}">
-        <p14:creationId xmlns="" xmlns:p14="http://schemas.microsoft.com/office/powerpoint/2010/main" val="2492894732"/>
+        <p14:creationId xmlns:p14="http://schemas.microsoft.com/office/powerpoint/2010/main" xmlns="" val="2492894732"/>
       </p:ext>
     </p:extLst>
   </p:cSld>
@@ -4289,21 +4289,12 @@
                   <a:srgbClr val="F7B217"/>
                 </a:solidFill>
               </a:rPr>
-              <a:t>-saved </a:t>
-            </a:r>
-            <a:r>
-              <a:rPr lang="en-US" b="1" dirty="0" smtClean="0">
-                <a:solidFill>
-                  <a:srgbClr val="F7B217"/>
-                </a:solidFill>
-              </a:rPr>
-              <a:t>register </a:t>
+              <a:t>-saved register </a:t>
             </a:r>
             <a:r>
               <a:rPr lang="en-US" dirty="0" smtClean="0"/>
               <a:t>is a register saved by the routine being called</a:t>
             </a:r>
-            <a:endParaRPr lang="en-US" dirty="0" smtClean="0"/>
           </a:p>
           <a:p>
             <a:pPr>
@@ -4321,15 +4312,7 @@
             </a:r>
             <a:r>
               <a:rPr lang="en-US" dirty="0" smtClean="0"/>
-              <a:t> </a:t>
-            </a:r>
-            <a:r>
-              <a:rPr lang="en-US" dirty="0" smtClean="0"/>
-              <a:t>is register saved by the routine making a function </a:t>
-            </a:r>
-            <a:r>
-              <a:rPr lang="en-US" dirty="0" smtClean="0"/>
-              <a:t>call</a:t>
+              <a:t> is register saved by the routine making a function call</a:t>
             </a:r>
             <a:endParaRPr lang="ru-RU" dirty="0"/>
           </a:p>
@@ -4549,41 +4532,79 @@
             </a:r>
           </a:p>
           <a:p>
-            <a:pPr>
-              <a:buNone/>
-            </a:pPr>
             <a:r>
               <a:rPr lang="en-US" dirty="0" smtClean="0"/>
-              <a:t>﻿- arguments g, ..., j in a0(x10)...a3(x13)</a:t>
-            </a:r>
-          </a:p>
-          <a:p>
-            <a:pPr>
-              <a:buFontTx/>
-              <a:buChar char="-"/>
-            </a:pPr>
+              <a:t>﻿</a:t>
+            </a:r>
             <a:r>
               <a:rPr lang="en-US" dirty="0" smtClean="0"/>
-              <a:t>f in s4 (x20)</a:t>
-            </a:r>
-          </a:p>
-          <a:p>
-            <a:pPr>
-              <a:buFontTx/>
-              <a:buChar char="-"/>
-            </a:pPr>
+              <a:t>arguments </a:t>
+            </a:r>
             <a:r>
               <a:rPr lang="en-US" dirty="0" smtClean="0"/>
-              <a:t>temporaries t0(x5), t1(x6)</a:t>
-            </a:r>
-          </a:p>
-          <a:p>
-            <a:pPr>
-              <a:buNone/>
-            </a:pPr>
+              <a:t>g, ..., j in </a:t>
+            </a:r>
             <a:r>
               <a:rPr lang="en-US" dirty="0" smtClean="0"/>
-              <a:t>- need to save t0, t1, s4 on stack</a:t>
+              <a:t>a0 (</a:t>
+            </a:r>
+            <a:r>
+              <a:rPr lang="en-US" dirty="0" smtClean="0"/>
+              <a:t>x10)...</a:t>
+            </a:r>
+            <a:r>
+              <a:rPr lang="en-US" dirty="0" smtClean="0"/>
+              <a:t>a3 (</a:t>
+            </a:r>
+            <a:r>
+              <a:rPr lang="en-US" dirty="0" smtClean="0"/>
+              <a:t>x13</a:t>
+            </a:r>
+            <a:r>
+              <a:rPr lang="en-US" dirty="0" smtClean="0"/>
+              <a:t>)</a:t>
+            </a:r>
+          </a:p>
+          <a:p>
+            <a:r>
+              <a:rPr lang="en-US" dirty="0" smtClean="0"/>
+              <a:t>f </a:t>
+            </a:r>
+            <a:r>
+              <a:rPr lang="en-US" dirty="0" smtClean="0"/>
+              <a:t>in s4 (x20)</a:t>
+            </a:r>
+          </a:p>
+          <a:p>
+            <a:r>
+              <a:rPr lang="en-US" dirty="0" smtClean="0"/>
+              <a:t>temporaries </a:t>
+            </a:r>
+            <a:r>
+              <a:rPr lang="en-US" dirty="0" smtClean="0"/>
+              <a:t>t0 (</a:t>
+            </a:r>
+            <a:r>
+              <a:rPr lang="en-US" dirty="0" smtClean="0"/>
+              <a:t>x5), </a:t>
+            </a:r>
+            <a:r>
+              <a:rPr lang="en-US" dirty="0" smtClean="0"/>
+              <a:t>t1 (</a:t>
+            </a:r>
+            <a:r>
+              <a:rPr lang="en-US" dirty="0" smtClean="0"/>
+              <a:t>x6)</a:t>
+            </a:r>
+          </a:p>
+          <a:p>
+            <a:r>
+              <a:rPr lang="en-US" dirty="0" smtClean="0"/>
+              <a:t>need </a:t>
+            </a:r>
+            <a:r>
+              <a:rPr lang="en-US" dirty="0" smtClean="0"/>
+              <a:t>to save t0, t1, s4 on stack</a:t>
             </a:r>
           </a:p>
         </p:txBody>
@@ -5227,11 +5248,7 @@
             </a:r>
             <a:r>
               <a:rPr lang="en-US" sz="2800" dirty="0" smtClean="0"/>
-              <a:t>, </a:t>
-            </a:r>
-            <a:r>
-              <a:rPr lang="en-US" sz="2800" dirty="0" smtClean="0"/>
-              <a:t>0(</a:t>
+              <a:t>, 0(</a:t>
             </a:r>
             <a:r>
               <a:rPr lang="en-US" sz="2800" dirty="0" err="1" smtClean="0">
@@ -5245,7 +5262,6 @@
               <a:rPr lang="en-US" sz="2800" dirty="0" smtClean="0"/>
               <a:t>)</a:t>
             </a:r>
-            <a:endParaRPr lang="en-US" sz="2800" dirty="0" smtClean="0"/>
           </a:p>
           <a:p>
             <a:pPr>
@@ -9306,7 +9322,7 @@
         </p:nvSpPr>
         <p:spPr>
           <a:xfrm>
-            <a:off x="838200" y="1005840"/>
+            <a:off x="1892300" y="953588"/>
             <a:ext cx="10515600" cy="5630091"/>
           </a:xfrm>
         </p:spPr>
@@ -9323,8 +9339,12 @@
               <a:buNone/>
             </a:pPr>
             <a:r>
-              <a:rPr lang="en-US" sz="1600" dirty="0" smtClean="0"/>
-              <a:t>main:</a:t>
+              <a:rPr lang="en-US" sz="1800" b="1" i="1" dirty="0" smtClean="0"/>
+              <a:t>main</a:t>
+            </a:r>
+            <a:r>
+              <a:rPr lang="en-US" sz="1800" dirty="0" smtClean="0"/>
+              <a:t>:</a:t>
             </a:r>
           </a:p>
           <a:p>
@@ -9335,24 +9355,40 @@
               <a:buNone/>
             </a:pPr>
             <a:r>
-              <a:rPr lang="en-US" sz="1600" dirty="0" smtClean="0"/>
+              <a:rPr lang="en-US" sz="1800" dirty="0" smtClean="0"/>
               <a:t>    </a:t>
             </a:r>
             <a:r>
-              <a:rPr lang="en-US" sz="1600" dirty="0" err="1" smtClean="0"/>
+              <a:rPr lang="en-US" sz="1800" dirty="0" smtClean="0"/>
+              <a:t>    </a:t>
+            </a:r>
+            <a:r>
+              <a:rPr lang="en-US" sz="1800" dirty="0" err="1" smtClean="0"/>
               <a:t>mv</a:t>
             </a:r>
             <a:r>
-              <a:rPr lang="en-US" sz="1600" dirty="0" smtClean="0"/>
-              <a:t>  </a:t>
-            </a:r>
-            <a:r>
-              <a:rPr lang="en-US" sz="1600" dirty="0" err="1" smtClean="0"/>
+              <a:rPr lang="en-US" sz="1800" dirty="0" smtClean="0"/>
+              <a:t>    </a:t>
+            </a:r>
+            <a:r>
+              <a:rPr lang="en-US" sz="1800" dirty="0" err="1" smtClean="0">
+                <a:solidFill>
+                  <a:srgbClr val="FF0000"/>
+                </a:solidFill>
+              </a:rPr>
               <a:t>fp</a:t>
             </a:r>
             <a:r>
-              <a:rPr lang="en-US" sz="1600" dirty="0" smtClean="0"/>
-              <a:t>, sp</a:t>
+              <a:rPr lang="en-US" sz="1800" dirty="0" smtClean="0"/>
+              <a:t>, </a:t>
+            </a:r>
+            <a:r>
+              <a:rPr lang="en-US" sz="1800" dirty="0" smtClean="0">
+                <a:solidFill>
+                  <a:srgbClr val="FF0000"/>
+                </a:solidFill>
+              </a:rPr>
+              <a:t>sp</a:t>
             </a:r>
           </a:p>
           <a:p>
@@ -9363,22 +9399,30 @@
               <a:buNone/>
             </a:pPr>
             <a:r>
-              <a:rPr lang="en-US" sz="1600" dirty="0" smtClean="0"/>
-              <a:t>    jal </a:t>
-            </a:r>
-            <a:r>
-              <a:rPr lang="en-US" sz="1600" dirty="0" err="1" smtClean="0"/>
+              <a:rPr lang="en-US" sz="1800" dirty="0" smtClean="0"/>
+              <a:t>    </a:t>
+            </a:r>
+            <a:r>
+              <a:rPr lang="en-US" sz="1800" dirty="0" smtClean="0"/>
+              <a:t>    jal     </a:t>
+            </a:r>
+            <a:r>
+              <a:rPr lang="en-US" sz="1800" dirty="0" err="1" smtClean="0">
+                <a:solidFill>
+                  <a:srgbClr val="FF0000"/>
+                </a:solidFill>
+              </a:rPr>
               <a:t>ra</a:t>
             </a:r>
             <a:r>
-              <a:rPr lang="en-US" sz="1600" dirty="0" smtClean="0"/>
+              <a:rPr lang="en-US" sz="1800" dirty="0" smtClean="0"/>
               <a:t>, </a:t>
             </a:r>
             <a:r>
-              <a:rPr lang="en-US" sz="1600" dirty="0" err="1" smtClean="0"/>
+              <a:rPr lang="en-US" sz="1800" dirty="0" err="1" smtClean="0"/>
               <a:t>func</a:t>
             </a:r>
-            <a:endParaRPr lang="en-US" sz="1600" dirty="0" smtClean="0"/>
+            <a:endParaRPr lang="en-US" sz="1800" dirty="0" smtClean="0"/>
           </a:p>
           <a:p>
             <a:pPr marL="0" indent="0">
@@ -9387,7 +9431,30 @@
               </a:spcBef>
               <a:buNone/>
             </a:pPr>
-            <a:endParaRPr lang="en-US" sz="1600" dirty="0" smtClean="0"/>
+            <a:r>
+              <a:rPr lang="en-US" sz="1800" dirty="0" smtClean="0"/>
+              <a:t>        </a:t>
+            </a:r>
+            <a:r>
+              <a:rPr lang="en-US" sz="1800" dirty="0" err="1" smtClean="0"/>
+              <a:t>li</a:t>
+            </a:r>
+            <a:r>
+              <a:rPr lang="en-US" sz="1800" dirty="0" smtClean="0"/>
+              <a:t>       </a:t>
+            </a:r>
+            <a:r>
+              <a:rPr lang="en-US" sz="1800" dirty="0" smtClean="0">
+                <a:solidFill>
+                  <a:srgbClr val="FF0000"/>
+                </a:solidFill>
+              </a:rPr>
+              <a:t>a7</a:t>
+            </a:r>
+            <a:r>
+              <a:rPr lang="en-US" sz="1800" dirty="0" smtClean="0"/>
+              <a:t>, 10</a:t>
+            </a:r>
           </a:p>
           <a:p>
             <a:pPr marL="0" indent="0">
@@ -9397,17 +9464,18 @@
               <a:buNone/>
             </a:pPr>
             <a:r>
-              <a:rPr lang="en-US" sz="1600" dirty="0" smtClean="0"/>
+              <a:rPr lang="en-US" sz="1800" dirty="0" smtClean="0"/>
               <a:t>    </a:t>
             </a:r>
             <a:r>
-              <a:rPr lang="en-US" sz="1600" dirty="0" err="1" smtClean="0"/>
-              <a:t>li</a:t>
-            </a:r>
-            <a:r>
-              <a:rPr lang="en-US" sz="1600" dirty="0" smtClean="0"/>
-              <a:t> a7, 10</a:t>
-            </a:r>
+              <a:rPr lang="en-US" sz="1800" dirty="0" smtClean="0"/>
+              <a:t>    </a:t>
+            </a:r>
+            <a:r>
+              <a:rPr lang="en-US" sz="1800" dirty="0" err="1" smtClean="0"/>
+              <a:t>ecall</a:t>
+            </a:r>
+            <a:endParaRPr lang="en-US" sz="1800" dirty="0" smtClean="0"/>
           </a:p>
           <a:p>
             <a:pPr marL="0" indent="0">
@@ -9417,14 +9485,13 @@
               <a:buNone/>
             </a:pPr>
             <a:r>
-              <a:rPr lang="en-US" sz="1600" dirty="0" smtClean="0"/>
-              <a:t>    </a:t>
-            </a:r>
-            <a:r>
-              <a:rPr lang="en-US" sz="1600" dirty="0" err="1" smtClean="0"/>
-              <a:t>ecall</a:t>
-            </a:r>
-            <a:endParaRPr lang="en-US" sz="1600" dirty="0" smtClean="0"/>
+              <a:rPr lang="en-US" sz="1800" b="1" i="1" dirty="0" err="1" smtClean="0"/>
+              <a:t>func</a:t>
+            </a:r>
+            <a:r>
+              <a:rPr lang="en-US" sz="1800" dirty="0" smtClean="0"/>
+              <a:t>:</a:t>
+            </a:r>
           </a:p>
           <a:p>
             <a:pPr marL="0" indent="0">
@@ -9434,12 +9501,40 @@
               <a:buNone/>
             </a:pPr>
             <a:r>
-              <a:rPr lang="en-US" sz="1600" dirty="0" err="1" smtClean="0"/>
-              <a:t>func</a:t>
-            </a:r>
-            <a:r>
-              <a:rPr lang="en-US" sz="1600" dirty="0" smtClean="0"/>
-              <a:t>:</a:t>
+              <a:rPr lang="en-US" sz="1800" dirty="0" smtClean="0"/>
+              <a:t>   </a:t>
+            </a:r>
+            <a:r>
+              <a:rPr lang="en-US" sz="1800" dirty="0" smtClean="0"/>
+              <a:t>     </a:t>
+            </a:r>
+            <a:r>
+              <a:rPr lang="en-US" sz="1800" dirty="0" smtClean="0"/>
+              <a:t>addi </a:t>
+            </a:r>
+            <a:r>
+              <a:rPr lang="en-US" sz="1800" dirty="0" smtClean="0">
+                <a:solidFill>
+                  <a:srgbClr val="FF0000"/>
+                </a:solidFill>
+              </a:rPr>
+              <a:t>sp</a:t>
+            </a:r>
+            <a:r>
+              <a:rPr lang="en-US" sz="1800" dirty="0" smtClean="0"/>
+              <a:t>, </a:t>
+            </a:r>
+            <a:r>
+              <a:rPr lang="en-US" sz="1800" dirty="0" smtClean="0">
+                <a:solidFill>
+                  <a:srgbClr val="FF0000"/>
+                </a:solidFill>
+              </a:rPr>
+              <a:t>sp</a:t>
+            </a:r>
+            <a:r>
+              <a:rPr lang="en-US" sz="1800" dirty="0" smtClean="0"/>
+              <a:t>, -4</a:t>
             </a:r>
           </a:p>
           <a:p>
@@ -9450,8 +9545,36 @@
               <a:buNone/>
             </a:pPr>
             <a:r>
-              <a:rPr lang="en-US" sz="1600" dirty="0" smtClean="0"/>
-              <a:t>    addi sp, sp, -4</a:t>
+              <a:rPr lang="en-US" sz="1800" dirty="0" smtClean="0"/>
+              <a:t>  </a:t>
+            </a:r>
+            <a:r>
+              <a:rPr lang="en-US" sz="1800" dirty="0" smtClean="0"/>
+              <a:t>      </a:t>
+            </a:r>
+            <a:r>
+              <a:rPr lang="en-US" sz="1800" dirty="0" err="1" smtClean="0"/>
+              <a:t>li</a:t>
+            </a:r>
+            <a:r>
+              <a:rPr lang="en-US" sz="1800" dirty="0" smtClean="0"/>
+              <a:t>   </a:t>
+            </a:r>
+            <a:r>
+              <a:rPr lang="en-US" sz="1800" dirty="0" smtClean="0"/>
+              <a:t>    </a:t>
+            </a:r>
+            <a:r>
+              <a:rPr lang="en-US" sz="1800" dirty="0" smtClean="0">
+                <a:solidFill>
+                  <a:srgbClr val="FF0000"/>
+                </a:solidFill>
+              </a:rPr>
+              <a:t>t0</a:t>
+            </a:r>
+            <a:r>
+              <a:rPr lang="en-US" sz="1800" dirty="0" smtClean="0"/>
+              <a:t>, 1</a:t>
             </a:r>
           </a:p>
           <a:p>
@@ -9462,16 +9585,48 @@
               <a:buNone/>
             </a:pPr>
             <a:r>
-              <a:rPr lang="en-US" sz="1600" dirty="0" smtClean="0"/>
-              <a:t>    </a:t>
-            </a:r>
-            <a:r>
-              <a:rPr lang="en-US" sz="1600" dirty="0" err="1" smtClean="0"/>
-              <a:t>li</a:t>
-            </a:r>
-            <a:r>
-              <a:rPr lang="en-US" sz="1600" dirty="0" smtClean="0"/>
-              <a:t>   t0, 1</a:t>
+              <a:rPr lang="en-US" sz="1800" dirty="0" smtClean="0"/>
+              <a:t>   </a:t>
+            </a:r>
+            <a:r>
+              <a:rPr lang="en-US" sz="1800" dirty="0" smtClean="0"/>
+              <a:t>     </a:t>
+            </a:r>
+            <a:r>
+              <a:rPr lang="en-US" sz="1800" dirty="0" err="1" smtClean="0"/>
+              <a:t>sw</a:t>
+            </a:r>
+            <a:r>
+              <a:rPr lang="en-US" sz="1800" dirty="0" smtClean="0"/>
+              <a:t>   </a:t>
+            </a:r>
+            <a:r>
+              <a:rPr lang="en-US" sz="1800" dirty="0" smtClean="0"/>
+              <a:t> </a:t>
+            </a:r>
+            <a:r>
+              <a:rPr lang="en-US" sz="1800" dirty="0" smtClean="0">
+                <a:solidFill>
+                  <a:srgbClr val="FF0000"/>
+                </a:solidFill>
+              </a:rPr>
+              <a:t>t0</a:t>
+            </a:r>
+            <a:r>
+              <a:rPr lang="en-US" sz="1800" dirty="0" smtClean="0"/>
+              <a:t>, 0(</a:t>
+            </a:r>
+            <a:r>
+              <a:rPr lang="en-US" sz="1800" dirty="0" smtClean="0">
+                <a:solidFill>
+                  <a:srgbClr val="FF0000"/>
+                </a:solidFill>
+              </a:rPr>
+              <a:t>sp</a:t>
+            </a:r>
+            <a:r>
+              <a:rPr lang="en-US" sz="1800" dirty="0" smtClean="0"/>
+              <a:t>)</a:t>
             </a:r>
           </a:p>
           <a:p>
@@ -9482,16 +9637,40 @@
               <a:buNone/>
             </a:pPr>
             <a:r>
-              <a:rPr lang="en-US" sz="1600" dirty="0" smtClean="0"/>
-              <a:t>    </a:t>
-            </a:r>
-            <a:r>
-              <a:rPr lang="en-US" sz="1600" dirty="0" err="1" smtClean="0"/>
-              <a:t>sw</a:t>
-            </a:r>
-            <a:r>
-              <a:rPr lang="en-US" sz="1600" dirty="0" smtClean="0"/>
-              <a:t>   t0, 0(sp)</a:t>
+              <a:rPr lang="en-US" sz="1800" dirty="0" smtClean="0"/>
+              <a:t>   </a:t>
+            </a:r>
+            <a:r>
+              <a:rPr lang="en-US" sz="1800" dirty="0" smtClean="0"/>
+              <a:t>     </a:t>
+            </a:r>
+            <a:r>
+              <a:rPr lang="en-US" sz="1800" dirty="0" smtClean="0"/>
+              <a:t>addi </a:t>
+            </a:r>
+            <a:r>
+              <a:rPr lang="en-US" sz="1800" dirty="0" smtClean="0">
+                <a:solidFill>
+                  <a:srgbClr val="FF0000"/>
+                </a:solidFill>
+              </a:rPr>
+              <a:t>sp</a:t>
+            </a:r>
+            <a:r>
+              <a:rPr lang="en-US" sz="1800" dirty="0" smtClean="0"/>
+              <a:t>, </a:t>
+            </a:r>
+            <a:r>
+              <a:rPr lang="en-US" sz="1800" dirty="0" smtClean="0">
+                <a:solidFill>
+                  <a:srgbClr val="FF0000"/>
+                </a:solidFill>
+              </a:rPr>
+              <a:t>sp</a:t>
+            </a:r>
+            <a:r>
+              <a:rPr lang="en-US" sz="1800" dirty="0" smtClean="0"/>
+              <a:t>, -4</a:t>
             </a:r>
           </a:p>
           <a:p>
@@ -9502,12 +9681,36 @@
               <a:buNone/>
             </a:pPr>
             <a:r>
-              <a:rPr lang="en-US" sz="1600" dirty="0" smtClean="0"/>
+              <a:rPr lang="en-US" sz="1800" dirty="0" smtClean="0"/>
+              <a:t>   </a:t>
+            </a:r>
+            <a:r>
+              <a:rPr lang="en-US" sz="1800" dirty="0" smtClean="0"/>
+              <a:t>     </a:t>
+            </a:r>
+            <a:r>
+              <a:rPr lang="en-US" sz="1800" dirty="0" err="1" smtClean="0"/>
+              <a:t>li</a:t>
+            </a:r>
+            <a:r>
+              <a:rPr lang="en-US" sz="1800" dirty="0" smtClean="0"/>
+              <a:t>   </a:t>
+            </a:r>
+            <a:r>
+              <a:rPr lang="en-US" sz="1800" dirty="0" smtClean="0"/>
               <a:t>    </a:t>
             </a:r>
             <a:r>
-              <a:rPr lang="en-US" sz="1600" dirty="0" smtClean="0"/>
-              <a:t>addi sp, sp, -4</a:t>
+              <a:rPr lang="en-US" sz="1800" dirty="0" smtClean="0">
+                <a:solidFill>
+                  <a:srgbClr val="FF0000"/>
+                </a:solidFill>
+              </a:rPr>
+              <a:t>t0</a:t>
+            </a:r>
+            <a:r>
+              <a:rPr lang="en-US" sz="1800" dirty="0" smtClean="0"/>
+              <a:t>, 2</a:t>
             </a:r>
           </a:p>
           <a:p>
@@ -9518,16 +9721,48 @@
               <a:buNone/>
             </a:pPr>
             <a:r>
-              <a:rPr lang="en-US" sz="1600" dirty="0" smtClean="0"/>
-              <a:t>    </a:t>
-            </a:r>
-            <a:r>
-              <a:rPr lang="en-US" sz="1600" dirty="0" err="1" smtClean="0"/>
-              <a:t>li</a:t>
-            </a:r>
-            <a:r>
-              <a:rPr lang="en-US" sz="1600" dirty="0" smtClean="0"/>
-              <a:t>   t0, 2</a:t>
+              <a:rPr lang="en-US" sz="1800" dirty="0" smtClean="0"/>
+              <a:t>   </a:t>
+            </a:r>
+            <a:r>
+              <a:rPr lang="en-US" sz="1800" dirty="0" smtClean="0"/>
+              <a:t>     </a:t>
+            </a:r>
+            <a:r>
+              <a:rPr lang="en-US" sz="1800" dirty="0" err="1" smtClean="0"/>
+              <a:t>sw</a:t>
+            </a:r>
+            <a:r>
+              <a:rPr lang="en-US" sz="1800" dirty="0" smtClean="0"/>
+              <a:t>   </a:t>
+            </a:r>
+            <a:r>
+              <a:rPr lang="en-US" sz="1800" dirty="0" smtClean="0"/>
+              <a:t> </a:t>
+            </a:r>
+            <a:r>
+              <a:rPr lang="en-US" sz="1800" dirty="0" smtClean="0">
+                <a:solidFill>
+                  <a:srgbClr val="FF0000"/>
+                </a:solidFill>
+              </a:rPr>
+              <a:t>t0</a:t>
+            </a:r>
+            <a:r>
+              <a:rPr lang="en-US" sz="1800" dirty="0" smtClean="0"/>
+              <a:t>, 0(</a:t>
+            </a:r>
+            <a:r>
+              <a:rPr lang="en-US" sz="1800" dirty="0" smtClean="0">
+                <a:solidFill>
+                  <a:srgbClr val="FF0000"/>
+                </a:solidFill>
+              </a:rPr>
+              <a:t>sp</a:t>
+            </a:r>
+            <a:r>
+              <a:rPr lang="en-US" sz="1800" dirty="0" smtClean="0"/>
+              <a:t>)</a:t>
             </a:r>
           </a:p>
           <a:p>
@@ -9538,16 +9773,40 @@
               <a:buNone/>
             </a:pPr>
             <a:r>
-              <a:rPr lang="en-US" sz="1600" dirty="0" smtClean="0"/>
-              <a:t>    </a:t>
-            </a:r>
-            <a:r>
-              <a:rPr lang="en-US" sz="1600" dirty="0" err="1" smtClean="0"/>
-              <a:t>sw</a:t>
-            </a:r>
-            <a:r>
-              <a:rPr lang="en-US" sz="1600" dirty="0" smtClean="0"/>
-              <a:t>   t0, 0(sp)</a:t>
+              <a:rPr lang="en-US" sz="1800" dirty="0" smtClean="0"/>
+              <a:t>   </a:t>
+            </a:r>
+            <a:r>
+              <a:rPr lang="en-US" sz="1800" dirty="0" smtClean="0"/>
+              <a:t>     </a:t>
+            </a:r>
+            <a:r>
+              <a:rPr lang="en-US" sz="1800" dirty="0" smtClean="0"/>
+              <a:t>addi </a:t>
+            </a:r>
+            <a:r>
+              <a:rPr lang="en-US" sz="1800" dirty="0" smtClean="0">
+                <a:solidFill>
+                  <a:srgbClr val="FF0000"/>
+                </a:solidFill>
+              </a:rPr>
+              <a:t>sp</a:t>
+            </a:r>
+            <a:r>
+              <a:rPr lang="en-US" sz="1800" dirty="0" smtClean="0"/>
+              <a:t>, </a:t>
+            </a:r>
+            <a:r>
+              <a:rPr lang="en-US" sz="1800" dirty="0" smtClean="0">
+                <a:solidFill>
+                  <a:srgbClr val="FF0000"/>
+                </a:solidFill>
+              </a:rPr>
+              <a:t>sp</a:t>
+            </a:r>
+            <a:r>
+              <a:rPr lang="en-US" sz="1800" dirty="0" smtClean="0"/>
+              <a:t>, -4</a:t>
             </a:r>
           </a:p>
           <a:p>
@@ -9558,12 +9817,36 @@
               <a:buNone/>
             </a:pPr>
             <a:r>
-              <a:rPr lang="en-US" sz="1600" dirty="0" smtClean="0"/>
+              <a:rPr lang="en-US" sz="1800" dirty="0" smtClean="0"/>
+              <a:t>   </a:t>
+            </a:r>
+            <a:r>
+              <a:rPr lang="en-US" sz="1800" dirty="0" smtClean="0"/>
+              <a:t>     </a:t>
+            </a:r>
+            <a:r>
+              <a:rPr lang="en-US" sz="1800" dirty="0" err="1" smtClean="0"/>
+              <a:t>li</a:t>
+            </a:r>
+            <a:r>
+              <a:rPr lang="en-US" sz="1800" dirty="0" smtClean="0"/>
+              <a:t>   </a:t>
+            </a:r>
+            <a:r>
+              <a:rPr lang="en-US" sz="1800" dirty="0" smtClean="0"/>
               <a:t>    </a:t>
             </a:r>
             <a:r>
-              <a:rPr lang="en-US" sz="1600" dirty="0" smtClean="0"/>
-              <a:t>addi sp, sp, -4</a:t>
+              <a:rPr lang="en-US" sz="1800" dirty="0" smtClean="0">
+                <a:solidFill>
+                  <a:srgbClr val="FF0000"/>
+                </a:solidFill>
+              </a:rPr>
+              <a:t>t0</a:t>
+            </a:r>
+            <a:r>
+              <a:rPr lang="en-US" sz="1800" dirty="0" smtClean="0"/>
+              <a:t>, 3</a:t>
             </a:r>
           </a:p>
           <a:p>
@@ -9574,16 +9857,48 @@
               <a:buNone/>
             </a:pPr>
             <a:r>
-              <a:rPr lang="en-US" sz="1600" dirty="0" smtClean="0"/>
-              <a:t>    </a:t>
-            </a:r>
-            <a:r>
-              <a:rPr lang="en-US" sz="1600" dirty="0" err="1" smtClean="0"/>
-              <a:t>li</a:t>
-            </a:r>
-            <a:r>
-              <a:rPr lang="en-US" sz="1600" dirty="0" smtClean="0"/>
-              <a:t>   t0, 3</a:t>
+              <a:rPr lang="en-US" sz="1800" dirty="0" smtClean="0"/>
+              <a:t>   </a:t>
+            </a:r>
+            <a:r>
+              <a:rPr lang="en-US" sz="1800" dirty="0" smtClean="0"/>
+              <a:t>     </a:t>
+            </a:r>
+            <a:r>
+              <a:rPr lang="en-US" sz="1800" dirty="0" err="1" smtClean="0"/>
+              <a:t>sw</a:t>
+            </a:r>
+            <a:r>
+              <a:rPr lang="en-US" sz="1800" dirty="0" smtClean="0"/>
+              <a:t>   </a:t>
+            </a:r>
+            <a:r>
+              <a:rPr lang="en-US" sz="1800" dirty="0" smtClean="0"/>
+              <a:t> </a:t>
+            </a:r>
+            <a:r>
+              <a:rPr lang="en-US" sz="1800" dirty="0" smtClean="0">
+                <a:solidFill>
+                  <a:srgbClr val="FF0000"/>
+                </a:solidFill>
+              </a:rPr>
+              <a:t>t0</a:t>
+            </a:r>
+            <a:r>
+              <a:rPr lang="en-US" sz="1800" dirty="0" smtClean="0"/>
+              <a:t>, 0(</a:t>
+            </a:r>
+            <a:r>
+              <a:rPr lang="en-US" sz="1800" dirty="0" smtClean="0">
+                <a:solidFill>
+                  <a:srgbClr val="FF0000"/>
+                </a:solidFill>
+              </a:rPr>
+              <a:t>sp</a:t>
+            </a:r>
+            <a:r>
+              <a:rPr lang="en-US" sz="1800" dirty="0" smtClean="0"/>
+              <a:t>)</a:t>
             </a:r>
           </a:p>
           <a:p>
@@ -9594,16 +9909,48 @@
               <a:buNone/>
             </a:pPr>
             <a:r>
-              <a:rPr lang="en-US" sz="1600" dirty="0" smtClean="0"/>
-              <a:t>    </a:t>
-            </a:r>
-            <a:r>
-              <a:rPr lang="en-US" sz="1600" dirty="0" err="1" smtClean="0"/>
-              <a:t>sw</a:t>
-            </a:r>
-            <a:r>
-              <a:rPr lang="en-US" sz="1600" dirty="0" smtClean="0"/>
-              <a:t>   t0, 0(sp)</a:t>
+              <a:rPr lang="en-US" sz="1800" dirty="0" smtClean="0"/>
+              <a:t>  </a:t>
+            </a:r>
+            <a:r>
+              <a:rPr lang="en-US" sz="1800" dirty="0" smtClean="0"/>
+              <a:t>      </a:t>
+            </a:r>
+            <a:r>
+              <a:rPr lang="en-US" sz="1800" dirty="0" err="1" smtClean="0"/>
+              <a:t>lw</a:t>
+            </a:r>
+            <a:r>
+              <a:rPr lang="en-US" sz="1800" dirty="0" smtClean="0"/>
+              <a:t>   </a:t>
+            </a:r>
+            <a:r>
+              <a:rPr lang="en-US" sz="1800" dirty="0" smtClean="0"/>
+              <a:t>  </a:t>
+            </a:r>
+            <a:r>
+              <a:rPr lang="en-US" sz="1800" dirty="0" smtClean="0">
+                <a:solidFill>
+                  <a:srgbClr val="FF0000"/>
+                </a:solidFill>
+              </a:rPr>
+              <a:t>t0</a:t>
+            </a:r>
+            <a:r>
+              <a:rPr lang="en-US" sz="1800" dirty="0" smtClean="0"/>
+              <a:t>, 0(</a:t>
+            </a:r>
+            <a:r>
+              <a:rPr lang="en-US" sz="1800" dirty="0" err="1" smtClean="0">
+                <a:solidFill>
+                  <a:srgbClr val="FF0000"/>
+                </a:solidFill>
+              </a:rPr>
+              <a:t>fp</a:t>
+            </a:r>
+            <a:r>
+              <a:rPr lang="en-US" sz="1800" dirty="0" smtClean="0"/>
+              <a:t>)</a:t>
             </a:r>
           </a:p>
           <a:p>
@@ -9614,23 +9961,31 @@
               <a:buNone/>
             </a:pPr>
             <a:r>
-              <a:rPr lang="en-US" sz="1600" dirty="0" smtClean="0"/>
-              <a:t>    </a:t>
-            </a:r>
-            <a:r>
-              <a:rPr lang="en-US" sz="1600" dirty="0" err="1" smtClean="0"/>
-              <a:t>lw</a:t>
-            </a:r>
-            <a:r>
-              <a:rPr lang="en-US" sz="1600" dirty="0" smtClean="0"/>
-              <a:t>   t0, 0(</a:t>
-            </a:r>
-            <a:r>
-              <a:rPr lang="en-US" sz="1600" dirty="0" err="1" smtClean="0"/>
-              <a:t>fp</a:t>
-            </a:r>
-            <a:r>
-              <a:rPr lang="en-US" sz="1600" dirty="0" smtClean="0"/>
+              <a:rPr lang="en-US" sz="1800" dirty="0" smtClean="0"/>
+              <a:t>   </a:t>
+            </a:r>
+            <a:r>
+              <a:rPr lang="en-US" sz="1800" dirty="0" smtClean="0"/>
+              <a:t>     </a:t>
+            </a:r>
+            <a:r>
+              <a:rPr lang="en-US" sz="1800" dirty="0" err="1" smtClean="0"/>
+              <a:t>print_int</a:t>
+            </a:r>
+            <a:r>
+              <a:rPr lang="en-US" sz="1800" dirty="0" smtClean="0"/>
+              <a:t>(</a:t>
+            </a:r>
+            <a:r>
+              <a:rPr lang="en-US" sz="1800" dirty="0" smtClean="0">
+                <a:solidFill>
+                  <a:srgbClr val="FF0000"/>
+                </a:solidFill>
+              </a:rPr>
+              <a:t>t0</a:t>
+            </a:r>
+            <a:r>
+              <a:rPr lang="en-US" sz="1800" dirty="0" smtClean="0"/>
               <a:t>)</a:t>
             </a:r>
           </a:p>
@@ -9642,16 +9997,44 @@
               <a:buNone/>
             </a:pPr>
             <a:r>
-              <a:rPr lang="en-US" sz="1600" dirty="0" smtClean="0"/>
-              <a:t>    </a:t>
-            </a:r>
-            <a:r>
-              <a:rPr lang="en-US" sz="1600" dirty="0" err="1" smtClean="0"/>
-              <a:t>print_int</a:t>
-            </a:r>
-            <a:r>
-              <a:rPr lang="en-US" sz="1600" dirty="0" smtClean="0"/>
-              <a:t>(t0)</a:t>
+              <a:rPr lang="en-US" sz="1800" dirty="0" smtClean="0"/>
+              <a:t>        </a:t>
+            </a:r>
+            <a:r>
+              <a:rPr lang="en-US" sz="1800" dirty="0" err="1" smtClean="0"/>
+              <a:t>lw</a:t>
+            </a:r>
+            <a:r>
+              <a:rPr lang="en-US" sz="1800" dirty="0" smtClean="0"/>
+              <a:t>   </a:t>
+            </a:r>
+            <a:r>
+              <a:rPr lang="en-US" sz="1800" dirty="0" smtClean="0"/>
+              <a:t>  </a:t>
+            </a:r>
+            <a:r>
+              <a:rPr lang="en-US" sz="1800" dirty="0" smtClean="0">
+                <a:solidFill>
+                  <a:srgbClr val="FF0000"/>
+                </a:solidFill>
+              </a:rPr>
+              <a:t>t0</a:t>
+            </a:r>
+            <a:r>
+              <a:rPr lang="en-US" sz="1800" dirty="0" smtClean="0"/>
+              <a:t>, -4(</a:t>
+            </a:r>
+            <a:r>
+              <a:rPr lang="en-US" sz="1800" dirty="0" err="1" smtClean="0">
+                <a:solidFill>
+                  <a:srgbClr val="FF0000"/>
+                </a:solidFill>
+              </a:rPr>
+              <a:t>fp</a:t>
+            </a:r>
+            <a:r>
+              <a:rPr lang="en-US" sz="1800" dirty="0" smtClean="0"/>
+              <a:t>)</a:t>
             </a:r>
           </a:p>
           <a:p>
@@ -9662,23 +10045,31 @@
               <a:buNone/>
             </a:pPr>
             <a:r>
-              <a:rPr lang="en-US" sz="1600" dirty="0" smtClean="0"/>
-              <a:t>    </a:t>
-            </a:r>
-            <a:r>
-              <a:rPr lang="en-US" sz="1600" dirty="0" err="1" smtClean="0"/>
-              <a:t>lw</a:t>
-            </a:r>
-            <a:r>
-              <a:rPr lang="en-US" sz="1600" dirty="0" smtClean="0"/>
-              <a:t>   t0, -4(</a:t>
-            </a:r>
-            <a:r>
-              <a:rPr lang="en-US" sz="1600" dirty="0" err="1" smtClean="0"/>
-              <a:t>fp</a:t>
-            </a:r>
-            <a:r>
-              <a:rPr lang="en-US" sz="1600" dirty="0" smtClean="0"/>
+              <a:rPr lang="en-US" sz="1800" dirty="0" smtClean="0"/>
+              <a:t> </a:t>
+            </a:r>
+            <a:r>
+              <a:rPr lang="en-US" sz="1800" dirty="0" smtClean="0"/>
+              <a:t>       </a:t>
+            </a:r>
+            <a:r>
+              <a:rPr lang="en-US" sz="1800" dirty="0" err="1" smtClean="0"/>
+              <a:t>print_int</a:t>
+            </a:r>
+            <a:r>
+              <a:rPr lang="en-US" sz="1800" dirty="0" smtClean="0"/>
+              <a:t>(</a:t>
+            </a:r>
+            <a:r>
+              <a:rPr lang="en-US" sz="1800" dirty="0" smtClean="0">
+                <a:solidFill>
+                  <a:srgbClr val="FF0000"/>
+                </a:solidFill>
+              </a:rPr>
+              <a:t>t0</a:t>
+            </a:r>
+            <a:r>
+              <a:rPr lang="en-US" sz="1800" dirty="0" smtClean="0"/>
               <a:t>)</a:t>
             </a:r>
           </a:p>
@@ -9690,16 +10081,48 @@
               <a:buNone/>
             </a:pPr>
             <a:r>
-              <a:rPr lang="en-US" sz="1600" dirty="0" smtClean="0"/>
-              <a:t>    </a:t>
-            </a:r>
-            <a:r>
-              <a:rPr lang="en-US" sz="1600" dirty="0" err="1" smtClean="0"/>
-              <a:t>print_int</a:t>
-            </a:r>
-            <a:r>
-              <a:rPr lang="en-US" sz="1600" dirty="0" smtClean="0"/>
-              <a:t>(t0)</a:t>
+              <a:rPr lang="en-US" sz="1800" dirty="0" smtClean="0"/>
+              <a:t>  </a:t>
+            </a:r>
+            <a:r>
+              <a:rPr lang="en-US" sz="1800" dirty="0" smtClean="0"/>
+              <a:t>      </a:t>
+            </a:r>
+            <a:r>
+              <a:rPr lang="en-US" sz="1800" dirty="0" err="1" smtClean="0"/>
+              <a:t>lw</a:t>
+            </a:r>
+            <a:r>
+              <a:rPr lang="en-US" sz="1800" dirty="0" smtClean="0"/>
+              <a:t>   </a:t>
+            </a:r>
+            <a:r>
+              <a:rPr lang="en-US" sz="1800" dirty="0" smtClean="0"/>
+              <a:t>  </a:t>
+            </a:r>
+            <a:r>
+              <a:rPr lang="en-US" sz="1800" dirty="0" smtClean="0">
+                <a:solidFill>
+                  <a:srgbClr val="FF0000"/>
+                </a:solidFill>
+              </a:rPr>
+              <a:t>t0</a:t>
+            </a:r>
+            <a:r>
+              <a:rPr lang="en-US" sz="1800" dirty="0" smtClean="0"/>
+              <a:t>, -8(</a:t>
+            </a:r>
+            <a:r>
+              <a:rPr lang="en-US" sz="1800" dirty="0" err="1" smtClean="0">
+                <a:solidFill>
+                  <a:srgbClr val="FF0000"/>
+                </a:solidFill>
+              </a:rPr>
+              <a:t>fp</a:t>
+            </a:r>
+            <a:r>
+              <a:rPr lang="en-US" sz="1800" dirty="0" smtClean="0"/>
+              <a:t>)</a:t>
             </a:r>
           </a:p>
           <a:p>
@@ -9710,23 +10133,31 @@
               <a:buNone/>
             </a:pPr>
             <a:r>
-              <a:rPr lang="en-US" sz="1600" dirty="0" smtClean="0"/>
-              <a:t>    </a:t>
-            </a:r>
-            <a:r>
-              <a:rPr lang="en-US" sz="1600" dirty="0" err="1" smtClean="0"/>
-              <a:t>lw</a:t>
-            </a:r>
-            <a:r>
-              <a:rPr lang="en-US" sz="1600" dirty="0" smtClean="0"/>
-              <a:t>   t0, -8(</a:t>
-            </a:r>
-            <a:r>
-              <a:rPr lang="en-US" sz="1600" dirty="0" err="1" smtClean="0"/>
-              <a:t>fp</a:t>
-            </a:r>
-            <a:r>
-              <a:rPr lang="en-US" sz="1600" dirty="0" smtClean="0"/>
+              <a:rPr lang="en-US" sz="1800" dirty="0" smtClean="0"/>
+              <a:t> </a:t>
+            </a:r>
+            <a:r>
+              <a:rPr lang="en-US" sz="1800" dirty="0" smtClean="0"/>
+              <a:t>       </a:t>
+            </a:r>
+            <a:r>
+              <a:rPr lang="en-US" sz="1800" dirty="0" err="1" smtClean="0"/>
+              <a:t>print_int</a:t>
+            </a:r>
+            <a:r>
+              <a:rPr lang="en-US" sz="1800" dirty="0" smtClean="0"/>
+              <a:t>(</a:t>
+            </a:r>
+            <a:r>
+              <a:rPr lang="en-US" sz="1800" dirty="0" smtClean="0">
+                <a:solidFill>
+                  <a:srgbClr val="FF0000"/>
+                </a:solidFill>
+              </a:rPr>
+              <a:t>t0</a:t>
+            </a:r>
+            <a:r>
+              <a:rPr lang="en-US" sz="1800" dirty="0" smtClean="0"/>
               <a:t>)</a:t>
             </a:r>
           </a:p>
@@ -9738,16 +10169,44 @@
               <a:buNone/>
             </a:pPr>
             <a:r>
-              <a:rPr lang="en-US" sz="1600" dirty="0" smtClean="0"/>
-              <a:t>    </a:t>
-            </a:r>
-            <a:r>
-              <a:rPr lang="en-US" sz="1600" dirty="0" err="1" smtClean="0"/>
-              <a:t>print_int</a:t>
-            </a:r>
-            <a:r>
-              <a:rPr lang="en-US" sz="1600" dirty="0" smtClean="0"/>
-              <a:t>(t0)</a:t>
+              <a:rPr lang="en-US" sz="1800" dirty="0" smtClean="0"/>
+              <a:t>  </a:t>
+            </a:r>
+            <a:r>
+              <a:rPr lang="en-US" sz="1800" dirty="0" smtClean="0"/>
+              <a:t>      </a:t>
+            </a:r>
+            <a:r>
+              <a:rPr lang="en-US" sz="1800" dirty="0" smtClean="0"/>
+              <a:t>addi </a:t>
+            </a:r>
+            <a:r>
+              <a:rPr lang="en-US" sz="1800" dirty="0" smtClean="0"/>
+              <a:t> </a:t>
+            </a:r>
+            <a:r>
+              <a:rPr lang="en-US" sz="1800" dirty="0" smtClean="0">
+                <a:solidFill>
+                  <a:srgbClr val="FF0000"/>
+                </a:solidFill>
+              </a:rPr>
+              <a:t>sp</a:t>
+            </a:r>
+            <a:r>
+              <a:rPr lang="en-US" sz="1800" dirty="0" smtClean="0"/>
+              <a:t>, </a:t>
+            </a:r>
+            <a:r>
+              <a:rPr lang="en-US" sz="1800" dirty="0" smtClean="0">
+                <a:solidFill>
+                  <a:srgbClr val="FF0000"/>
+                </a:solidFill>
+              </a:rPr>
+              <a:t>sp</a:t>
+            </a:r>
+            <a:r>
+              <a:rPr lang="en-US" sz="1800" dirty="0" smtClean="0"/>
+              <a:t>, 12</a:t>
             </a:r>
           </a:p>
           <a:p>
@@ -9758,34 +10217,38 @@
               <a:buNone/>
             </a:pPr>
             <a:r>
-              <a:rPr lang="en-US" sz="1600" smtClean="0"/>
-              <a:t>    </a:t>
-            </a:r>
-            <a:r>
-              <a:rPr lang="en-US" sz="1600" dirty="0" smtClean="0"/>
-              <a:t>addi sp, sp, 12</a:t>
-            </a:r>
-          </a:p>
-          <a:p>
-            <a:pPr marL="0" indent="0">
-              <a:spcBef>
-                <a:spcPts val="0"/>
-              </a:spcBef>
-              <a:buNone/>
-            </a:pPr>
-            <a:r>
-              <a:rPr lang="en-US" sz="1600" dirty="0" smtClean="0"/>
-              <a:t>    jalr zero, 0(</a:t>
-            </a:r>
-            <a:r>
-              <a:rPr lang="en-US" sz="1600" dirty="0" err="1" smtClean="0"/>
+              <a:rPr lang="en-US" sz="1800" dirty="0" smtClean="0"/>
+              <a:t>  </a:t>
+            </a:r>
+            <a:r>
+              <a:rPr lang="en-US" sz="1800" dirty="0" smtClean="0"/>
+              <a:t>      jalr    </a:t>
+            </a:r>
+            <a:r>
+              <a:rPr lang="en-US" sz="1800" dirty="0" smtClean="0">
+                <a:solidFill>
+                  <a:srgbClr val="FF0000"/>
+                </a:solidFill>
+              </a:rPr>
+              <a:t>zero</a:t>
+            </a:r>
+            <a:r>
+              <a:rPr lang="en-US" sz="1800" dirty="0" smtClean="0"/>
+              <a:t>, 0(</a:t>
+            </a:r>
+            <a:r>
+              <a:rPr lang="en-US" sz="1800" dirty="0" err="1" smtClean="0">
+                <a:solidFill>
+                  <a:srgbClr val="FF0000"/>
+                </a:solidFill>
+              </a:rPr>
               <a:t>ra</a:t>
             </a:r>
             <a:r>
-              <a:rPr lang="en-US" sz="1600" dirty="0" smtClean="0"/>
+              <a:rPr lang="en-US" sz="1800" dirty="0" smtClean="0"/>
               <a:t>)</a:t>
             </a:r>
-            <a:endParaRPr lang="ru-RU" sz="1600" dirty="0"/>
+            <a:endParaRPr lang="ru-RU" sz="1800" dirty="0"/>
           </a:p>
         </p:txBody>
       </p:sp>
@@ -9834,6 +10297,548 @@
               <a:t>Using Frame Pointer</a:t>
             </a:r>
             <a:endParaRPr lang="ru-RU" dirty="0"/>
+          </a:p>
+        </p:txBody>
+      </p:sp>
+      <p:cxnSp>
+        <p:nvCxnSpPr>
+          <p:cNvPr id="5" name="Прямая со стрелкой 4"/>
+          <p:cNvCxnSpPr/>
+          <p:nvPr/>
+        </p:nvCxnSpPr>
+        <p:spPr>
+          <a:xfrm flipV="1">
+            <a:off x="2971800" y="2114370"/>
+            <a:ext cx="4120243" cy="19230"/>
+          </a:xfrm>
+          <a:prstGeom prst="straightConnector1">
+            <a:avLst/>
+          </a:prstGeom>
+          <a:ln w="38100">
+            <a:tailEnd type="triangle" w="lg" len="lg"/>
+          </a:ln>
+        </p:spPr>
+        <p:style>
+          <a:lnRef idx="1">
+            <a:schemeClr val="accent1"/>
+          </a:lnRef>
+          <a:fillRef idx="0">
+            <a:schemeClr val="accent1"/>
+          </a:fillRef>
+          <a:effectRef idx="0">
+            <a:schemeClr val="accent1"/>
+          </a:effectRef>
+          <a:fontRef idx="minor">
+            <a:schemeClr val="tx1"/>
+          </a:fontRef>
+        </p:style>
+      </p:cxnSp>
+      <p:sp>
+        <p:nvSpPr>
+          <p:cNvPr id="8" name="TextBox 7"/>
+          <p:cNvSpPr txBox="1"/>
+          <p:nvPr/>
+        </p:nvSpPr>
+        <p:spPr>
+          <a:xfrm>
+            <a:off x="7209608" y="1815737"/>
+            <a:ext cx="2103120" cy="470263"/>
+          </a:xfrm>
+          <a:prstGeom prst="rect">
+            <a:avLst/>
+          </a:prstGeom>
+          <a:noFill/>
+        </p:spPr>
+        <p:txBody>
+          <a:bodyPr wrap="square" lIns="72000" tIns="25200" rIns="0" bIns="25200" rtlCol="0" anchor="ctr" anchorCtr="0">
+            <a:normAutofit/>
+          </a:bodyPr>
+          <a:lstStyle/>
+          <a:p>
+            <a:r>
+              <a:rPr lang="en-US" sz="2000" b="1" dirty="0" smtClean="0">
+                <a:solidFill>
+                  <a:srgbClr val="1E3272"/>
+                </a:solidFill>
+              </a:rPr>
+              <a:t>system call “exit”</a:t>
+            </a:r>
+            <a:endParaRPr lang="ru-RU" sz="2000" b="1" dirty="0" smtClean="0">
+              <a:solidFill>
+                <a:srgbClr val="1E3272"/>
+              </a:solidFill>
+            </a:endParaRPr>
+          </a:p>
+        </p:txBody>
+      </p:sp>
+      <p:cxnSp>
+        <p:nvCxnSpPr>
+          <p:cNvPr id="10" name="Прямая со стрелкой 9"/>
+          <p:cNvCxnSpPr/>
+          <p:nvPr/>
+        </p:nvCxnSpPr>
+        <p:spPr>
+          <a:xfrm>
+            <a:off x="3885837" y="6552111"/>
+            <a:ext cx="3365863" cy="22860"/>
+          </a:xfrm>
+          <a:prstGeom prst="straightConnector1">
+            <a:avLst/>
+          </a:prstGeom>
+          <a:ln w="38100">
+            <a:tailEnd type="triangle" w="lg" len="lg"/>
+          </a:ln>
+        </p:spPr>
+        <p:style>
+          <a:lnRef idx="1">
+            <a:schemeClr val="accent1"/>
+          </a:lnRef>
+          <a:fillRef idx="0">
+            <a:schemeClr val="accent1"/>
+          </a:fillRef>
+          <a:effectRef idx="0">
+            <a:schemeClr val="accent1"/>
+          </a:effectRef>
+          <a:fontRef idx="minor">
+            <a:schemeClr val="tx1"/>
+          </a:fontRef>
+        </p:style>
+      </p:cxnSp>
+      <p:sp>
+        <p:nvSpPr>
+          <p:cNvPr id="11" name="TextBox 10"/>
+          <p:cNvSpPr txBox="1"/>
+          <p:nvPr/>
+        </p:nvSpPr>
+        <p:spPr>
+          <a:xfrm>
+            <a:off x="7420067" y="6344195"/>
+            <a:ext cx="1457235" cy="470263"/>
+          </a:xfrm>
+          <a:prstGeom prst="rect">
+            <a:avLst/>
+          </a:prstGeom>
+          <a:solidFill>
+            <a:schemeClr val="bg1"/>
+          </a:solidFill>
+        </p:spPr>
+        <p:txBody>
+          <a:bodyPr wrap="square" lIns="72000" tIns="25200" rIns="0" bIns="25200" rtlCol="0" anchor="ctr" anchorCtr="0">
+            <a:normAutofit/>
+          </a:bodyPr>
+          <a:lstStyle/>
+          <a:p>
+            <a:r>
+              <a:rPr lang="en-US" sz="2000" b="1" dirty="0" smtClean="0">
+                <a:solidFill>
+                  <a:srgbClr val="1E3272"/>
+                </a:solidFill>
+              </a:rPr>
+              <a:t>return</a:t>
+            </a:r>
+            <a:endParaRPr lang="ru-RU" sz="2000" b="1" dirty="0" smtClean="0">
+              <a:solidFill>
+                <a:srgbClr val="1E3272"/>
+              </a:solidFill>
+            </a:endParaRPr>
+          </a:p>
+        </p:txBody>
+      </p:sp>
+      <p:cxnSp>
+        <p:nvCxnSpPr>
+          <p:cNvPr id="13" name="Прямая со стрелкой 12"/>
+          <p:cNvCxnSpPr/>
+          <p:nvPr/>
+        </p:nvCxnSpPr>
+        <p:spPr>
+          <a:xfrm>
+            <a:off x="3531692" y="1362908"/>
+            <a:ext cx="3553097" cy="13063"/>
+          </a:xfrm>
+          <a:prstGeom prst="straightConnector1">
+            <a:avLst/>
+          </a:prstGeom>
+          <a:ln w="38100">
+            <a:tailEnd type="triangle" w="lg" len="lg"/>
+          </a:ln>
+        </p:spPr>
+        <p:style>
+          <a:lnRef idx="1">
+            <a:schemeClr val="accent1"/>
+          </a:lnRef>
+          <a:fillRef idx="0">
+            <a:schemeClr val="accent1"/>
+          </a:fillRef>
+          <a:effectRef idx="0">
+            <a:schemeClr val="accent1"/>
+          </a:effectRef>
+          <a:fontRef idx="minor">
+            <a:schemeClr val="tx1"/>
+          </a:fontRef>
+        </p:style>
+      </p:cxnSp>
+      <p:sp>
+        <p:nvSpPr>
+          <p:cNvPr id="14" name="TextBox 13"/>
+          <p:cNvSpPr txBox="1"/>
+          <p:nvPr/>
+        </p:nvSpPr>
+        <p:spPr>
+          <a:xfrm>
+            <a:off x="7216867" y="1140839"/>
+            <a:ext cx="3634376" cy="470263"/>
+          </a:xfrm>
+          <a:prstGeom prst="rect">
+            <a:avLst/>
+          </a:prstGeom>
+          <a:noFill/>
+        </p:spPr>
+        <p:txBody>
+          <a:bodyPr wrap="square" lIns="72000" tIns="25200" rIns="0" bIns="25200" rtlCol="0" anchor="ctr" anchorCtr="0">
+            <a:normAutofit/>
+          </a:bodyPr>
+          <a:lstStyle/>
+          <a:p>
+            <a:r>
+              <a:rPr lang="en-US" sz="2000" b="1" dirty="0" smtClean="0">
+                <a:solidFill>
+                  <a:srgbClr val="1E3272"/>
+                </a:solidFill>
+              </a:rPr>
+              <a:t>frame pointer initialization</a:t>
+            </a:r>
+            <a:endParaRPr lang="ru-RU" sz="2000" b="1" dirty="0" smtClean="0">
+              <a:solidFill>
+                <a:srgbClr val="1E3272"/>
+              </a:solidFill>
+            </a:endParaRPr>
+          </a:p>
+        </p:txBody>
+      </p:sp>
+      <p:cxnSp>
+        <p:nvCxnSpPr>
+          <p:cNvPr id="15" name="Прямая со стрелкой 14"/>
+          <p:cNvCxnSpPr/>
+          <p:nvPr/>
+        </p:nvCxnSpPr>
+        <p:spPr>
+          <a:xfrm>
+            <a:off x="3645994" y="1656820"/>
+            <a:ext cx="3427906" cy="19580"/>
+          </a:xfrm>
+          <a:prstGeom prst="straightConnector1">
+            <a:avLst/>
+          </a:prstGeom>
+          <a:ln w="38100">
+            <a:tailEnd type="triangle" w="lg" len="lg"/>
+          </a:ln>
+        </p:spPr>
+        <p:style>
+          <a:lnRef idx="1">
+            <a:schemeClr val="accent1"/>
+          </a:lnRef>
+          <a:fillRef idx="0">
+            <a:schemeClr val="accent1"/>
+          </a:fillRef>
+          <a:effectRef idx="0">
+            <a:schemeClr val="accent1"/>
+          </a:effectRef>
+          <a:fontRef idx="minor">
+            <a:schemeClr val="tx1"/>
+          </a:fontRef>
+        </p:style>
+      </p:cxnSp>
+      <p:sp>
+        <p:nvSpPr>
+          <p:cNvPr id="18" name="TextBox 17"/>
+          <p:cNvSpPr txBox="1"/>
+          <p:nvPr/>
+        </p:nvSpPr>
+        <p:spPr>
+          <a:xfrm>
+            <a:off x="7216867" y="1417064"/>
+            <a:ext cx="1841408" cy="470263"/>
+          </a:xfrm>
+          <a:prstGeom prst="rect">
+            <a:avLst/>
+          </a:prstGeom>
+          <a:noFill/>
+        </p:spPr>
+        <p:txBody>
+          <a:bodyPr wrap="square" lIns="72000" tIns="25200" rIns="0" bIns="25200" rtlCol="0" anchor="ctr" anchorCtr="0">
+            <a:normAutofit/>
+          </a:bodyPr>
+          <a:lstStyle/>
+          <a:p>
+            <a:r>
+              <a:rPr lang="en-US" sz="2000" b="1" dirty="0" smtClean="0">
+                <a:solidFill>
+                  <a:srgbClr val="1E3272"/>
+                </a:solidFill>
+              </a:rPr>
+              <a:t>function call</a:t>
+            </a:r>
+            <a:endParaRPr lang="ru-RU" sz="2000" b="1" dirty="0" smtClean="0">
+              <a:solidFill>
+                <a:srgbClr val="1E3272"/>
+              </a:solidFill>
+            </a:endParaRPr>
+          </a:p>
+        </p:txBody>
+      </p:sp>
+      <p:sp>
+        <p:nvSpPr>
+          <p:cNvPr id="19" name="Скругленный прямоугольник 18"/>
+          <p:cNvSpPr/>
+          <p:nvPr/>
+        </p:nvSpPr>
+        <p:spPr>
+          <a:xfrm>
+            <a:off x="2047875" y="4705350"/>
+            <a:ext cx="1933575" cy="1485900"/>
+          </a:xfrm>
+          <a:prstGeom prst="roundRect">
+            <a:avLst/>
+          </a:prstGeom>
+          <a:noFill/>
+          <a:ln w="38100">
+            <a:solidFill>
+              <a:schemeClr val="accent1"/>
+            </a:solidFill>
+            <a:prstDash val="dash"/>
+          </a:ln>
+        </p:spPr>
+        <p:style>
+          <a:lnRef idx="2">
+            <a:schemeClr val="accent1">
+              <a:shade val="50000"/>
+            </a:schemeClr>
+          </a:lnRef>
+          <a:fillRef idx="1">
+            <a:schemeClr val="accent1"/>
+          </a:fillRef>
+          <a:effectRef idx="0">
+            <a:schemeClr val="accent1"/>
+          </a:effectRef>
+          <a:fontRef idx="minor">
+            <a:schemeClr val="lt1"/>
+          </a:fontRef>
+        </p:style>
+        <p:txBody>
+          <a:bodyPr rtlCol="0" anchor="ctr"/>
+          <a:lstStyle/>
+          <a:p>
+            <a:pPr algn="ctr"/>
+            <a:endParaRPr lang="ru-RU"/>
+          </a:p>
+        </p:txBody>
+      </p:sp>
+      <p:sp>
+        <p:nvSpPr>
+          <p:cNvPr id="20" name="Скругленный прямоугольник 19"/>
+          <p:cNvSpPr/>
+          <p:nvPr/>
+        </p:nvSpPr>
+        <p:spPr>
+          <a:xfrm>
+            <a:off x="1962150" y="2466974"/>
+            <a:ext cx="1990725" cy="2181225"/>
+          </a:xfrm>
+          <a:prstGeom prst="roundRect">
+            <a:avLst/>
+          </a:prstGeom>
+          <a:noFill/>
+          <a:ln w="38100">
+            <a:solidFill>
+              <a:schemeClr val="accent1"/>
+            </a:solidFill>
+            <a:prstDash val="dash"/>
+          </a:ln>
+        </p:spPr>
+        <p:style>
+          <a:lnRef idx="2">
+            <a:schemeClr val="accent1">
+              <a:shade val="50000"/>
+            </a:schemeClr>
+          </a:lnRef>
+          <a:fillRef idx="1">
+            <a:schemeClr val="accent1"/>
+          </a:fillRef>
+          <a:effectRef idx="0">
+            <a:schemeClr val="accent1"/>
+          </a:effectRef>
+          <a:fontRef idx="minor">
+            <a:schemeClr val="lt1"/>
+          </a:fontRef>
+        </p:style>
+        <p:txBody>
+          <a:bodyPr rtlCol="0" anchor="ctr"/>
+          <a:lstStyle/>
+          <a:p>
+            <a:pPr algn="ctr"/>
+            <a:endParaRPr lang="ru-RU"/>
+          </a:p>
+        </p:txBody>
+      </p:sp>
+      <p:cxnSp>
+        <p:nvCxnSpPr>
+          <p:cNvPr id="21" name="Прямая со стрелкой 20"/>
+          <p:cNvCxnSpPr/>
+          <p:nvPr/>
+        </p:nvCxnSpPr>
+        <p:spPr>
+          <a:xfrm flipV="1">
+            <a:off x="4047762" y="3505200"/>
+            <a:ext cx="3038838" cy="17961"/>
+          </a:xfrm>
+          <a:prstGeom prst="straightConnector1">
+            <a:avLst/>
+          </a:prstGeom>
+          <a:ln w="38100">
+            <a:tailEnd type="triangle" w="lg" len="lg"/>
+          </a:ln>
+        </p:spPr>
+        <p:style>
+          <a:lnRef idx="1">
+            <a:schemeClr val="accent1"/>
+          </a:lnRef>
+          <a:fillRef idx="0">
+            <a:schemeClr val="accent1"/>
+          </a:fillRef>
+          <a:effectRef idx="0">
+            <a:schemeClr val="accent1"/>
+          </a:effectRef>
+          <a:fontRef idx="minor">
+            <a:schemeClr val="tx1"/>
+          </a:fontRef>
+        </p:style>
+      </p:cxnSp>
+      <p:sp>
+        <p:nvSpPr>
+          <p:cNvPr id="23" name="TextBox 22"/>
+          <p:cNvSpPr txBox="1"/>
+          <p:nvPr/>
+        </p:nvSpPr>
+        <p:spPr>
+          <a:xfrm>
+            <a:off x="7270842" y="3248570"/>
+            <a:ext cx="2000158" cy="470263"/>
+          </a:xfrm>
+          <a:prstGeom prst="rect">
+            <a:avLst/>
+          </a:prstGeom>
+          <a:solidFill>
+            <a:schemeClr val="bg1"/>
+          </a:solidFill>
+        </p:spPr>
+        <p:txBody>
+          <a:bodyPr wrap="square" lIns="72000" tIns="25200" rIns="0" bIns="25200" rtlCol="0" anchor="ctr" anchorCtr="0">
+            <a:normAutofit/>
+          </a:bodyPr>
+          <a:lstStyle/>
+          <a:p>
+            <a:r>
+              <a:rPr lang="en-US" sz="2000" b="1" dirty="0" smtClean="0">
+                <a:solidFill>
+                  <a:srgbClr val="1E3272"/>
+                </a:solidFill>
+              </a:rPr>
+              <a:t>sp-relative </a:t>
+            </a:r>
+            <a:r>
+              <a:rPr lang="en-US" sz="2000" b="1" dirty="0" smtClean="0">
+                <a:solidFill>
+                  <a:srgbClr val="1E3272"/>
+                </a:solidFill>
+              </a:rPr>
+              <a:t>stores</a:t>
+            </a:r>
+            <a:endParaRPr lang="ru-RU" sz="2000" b="1" dirty="0" smtClean="0">
+              <a:solidFill>
+                <a:srgbClr val="1E3272"/>
+              </a:solidFill>
+            </a:endParaRPr>
+          </a:p>
+        </p:txBody>
+      </p:sp>
+      <p:cxnSp>
+        <p:nvCxnSpPr>
+          <p:cNvPr id="24" name="Прямая со стрелкой 23"/>
+          <p:cNvCxnSpPr/>
+          <p:nvPr/>
+        </p:nvCxnSpPr>
+        <p:spPr>
+          <a:xfrm flipV="1">
+            <a:off x="4076337" y="5397500"/>
+            <a:ext cx="3073763" cy="11611"/>
+          </a:xfrm>
+          <a:prstGeom prst="straightConnector1">
+            <a:avLst/>
+          </a:prstGeom>
+          <a:ln w="38100">
+            <a:tailEnd type="triangle" w="lg" len="lg"/>
+          </a:ln>
+        </p:spPr>
+        <p:style>
+          <a:lnRef idx="1">
+            <a:schemeClr val="accent1"/>
+          </a:lnRef>
+          <a:fillRef idx="0">
+            <a:schemeClr val="accent1"/>
+          </a:fillRef>
+          <a:effectRef idx="0">
+            <a:schemeClr val="accent1"/>
+          </a:effectRef>
+          <a:fontRef idx="minor">
+            <a:schemeClr val="tx1"/>
+          </a:fontRef>
+        </p:style>
+      </p:cxnSp>
+      <p:sp>
+        <p:nvSpPr>
+          <p:cNvPr id="25" name="TextBox 24"/>
+          <p:cNvSpPr txBox="1"/>
+          <p:nvPr/>
+        </p:nvSpPr>
+        <p:spPr>
+          <a:xfrm>
+            <a:off x="7318467" y="5169445"/>
+            <a:ext cx="2000158" cy="470263"/>
+          </a:xfrm>
+          <a:prstGeom prst="rect">
+            <a:avLst/>
+          </a:prstGeom>
+          <a:solidFill>
+            <a:schemeClr val="bg1"/>
+          </a:solidFill>
+        </p:spPr>
+        <p:txBody>
+          <a:bodyPr wrap="square" lIns="72000" tIns="25200" rIns="0" bIns="25200" rtlCol="0" anchor="ctr" anchorCtr="0">
+            <a:normAutofit/>
+          </a:bodyPr>
+          <a:lstStyle/>
+          <a:p>
+            <a:r>
+              <a:rPr lang="en-US" sz="2000" b="1" dirty="0" err="1" smtClean="0">
+                <a:solidFill>
+                  <a:srgbClr val="1E3272"/>
+                </a:solidFill>
+              </a:rPr>
+              <a:t>fp</a:t>
+            </a:r>
+            <a:r>
+              <a:rPr lang="en-US" sz="2000" b="1" dirty="0" smtClean="0">
+                <a:solidFill>
+                  <a:srgbClr val="1E3272"/>
+                </a:solidFill>
+              </a:rPr>
+              <a:t>-relative loads</a:t>
+            </a:r>
+            <a:endParaRPr lang="ru-RU" sz="2000" b="1" dirty="0" smtClean="0">
+              <a:solidFill>
+                <a:srgbClr val="1E3272"/>
+              </a:solidFill>
+            </a:endParaRPr>
           </a:p>
         </p:txBody>
       </p:sp>
@@ -10353,7 +11358,7 @@
     </p:spTree>
     <p:extLst>
       <p:ext uri="{BB962C8B-B14F-4D97-AF65-F5344CB8AC3E}">
-        <p14:creationId xmlns="" xmlns:p14="http://schemas.microsoft.com/office/powerpoint/2010/main" val="4217875043"/>
+        <p14:creationId xmlns:p14="http://schemas.microsoft.com/office/powerpoint/2010/main" xmlns="" val="4217875043"/>
       </p:ext>
     </p:extLst>
   </p:cSld>
@@ -12155,7 +13160,7 @@
           <p:nvPr>
             <p:extLst>
               <p:ext uri="{D42A27DB-BD31-4B8C-83A1-F6EECF244321}">
-                <p14:modId xmlns="" xmlns:p14="http://schemas.microsoft.com/office/powerpoint/2010/main" val="2871209487"/>
+                <p14:modId xmlns:p14="http://schemas.microsoft.com/office/powerpoint/2010/main" xmlns="" val="2871209487"/>
               </p:ext>
             </p:extLst>
           </p:nvPr>
@@ -15795,7 +16800,7 @@
     </p:spTree>
     <p:extLst>
       <p:ext uri="{BB962C8B-B14F-4D97-AF65-F5344CB8AC3E}">
-        <p14:creationId xmlns="" xmlns:p14="http://schemas.microsoft.com/office/powerpoint/2010/main" val="2496046611"/>
+        <p14:creationId xmlns:p14="http://schemas.microsoft.com/office/powerpoint/2010/main" xmlns="" val="2496046611"/>
       </p:ext>
     </p:extLst>
   </p:cSld>
@@ -17253,7 +18258,7 @@
   <a:extraClrSchemeLst/>
   <a:extLst>
     <a:ext uri="{05A4C25C-085E-4340-85A3-A5531E510DB2}">
-      <thm15:themeFamily xmlns="" xmlns:thm15="http://schemas.microsoft.com/office/thememl/2012/main" name="Office Theme" id="{62F939B6-93AF-4DB8-9C6B-D6C7DFDC589F}" vid="{4A3C46E8-61CC-4603-A589-7422A47A8E4A}"/>
+      <thm15:themeFamily xmlns:thm15="http://schemas.microsoft.com/office/thememl/2012/main" xmlns="" name="Office Theme" id="{62F939B6-93AF-4DB8-9C6B-D6C7DFDC589F}" vid="{4A3C46E8-61CC-4603-A589-7422A47A8E4A}"/>
     </a:ext>
   </a:extLst>
 </a:theme>
@@ -17514,7 +18519,7 @@
   <a:extraClrSchemeLst/>
   <a:extLst>
     <a:ext uri="{05A4C25C-085E-4340-85A3-A5531E510DB2}">
-      <thm15:themeFamily xmlns="" xmlns:thm15="http://schemas.microsoft.com/office/thememl/2012/main" name="Office Theme" id="{62F939B6-93AF-4DB8-9C6B-D6C7DFDC589F}" vid="{4A3C46E8-61CC-4603-A589-7422A47A8E4A}"/>
+      <thm15:themeFamily xmlns:thm15="http://schemas.microsoft.com/office/thememl/2012/main" xmlns="" name="Office Theme" id="{62F939B6-93AF-4DB8-9C6B-D6C7DFDC589F}" vid="{4A3C46E8-61CC-4603-A589-7422A47A8E4A}"/>
     </a:ext>
   </a:extLst>
 </a:theme>
@@ -17775,7 +18780,7 @@
   <a:extraClrSchemeLst/>
   <a:extLst>
     <a:ext uri="{05A4C25C-085E-4340-85A3-A5531E510DB2}">
-      <thm15:themeFamily xmlns="" xmlns:thm15="http://schemas.microsoft.com/office/thememl/2012/main" name="Office Theme" id="{62F939B6-93AF-4DB8-9C6B-D6C7DFDC589F}" vid="{4A3C46E8-61CC-4603-A589-7422A47A8E4A}"/>
+      <thm15:themeFamily xmlns:thm15="http://schemas.microsoft.com/office/thememl/2012/main" xmlns="" name="Office Theme" id="{62F939B6-93AF-4DB8-9C6B-D6C7DFDC589F}" vid="{4A3C46E8-61CC-4603-A589-7422A47A8E4A}"/>
     </a:ext>
   </a:extLst>
 </a:theme>

--- a/docs/part1ca/06_CallStack/CA_Lecture_06.pptx
+++ b/docs/part1ca/06_CallStack/CA_Lecture_06.pptx
@@ -129,7 +129,7 @@
   </p:defaultTextStyle>
   <p:extLst>
     <p:ext uri="{EFAFB233-063F-42B5-8137-9DF3F51BA10A}">
-      <p15:sldGuideLst xmlns:p15="http://schemas.microsoft.com/office/powerpoint/2012/main" xmlns="">
+      <p15:sldGuideLst xmlns="" xmlns:p15="http://schemas.microsoft.com/office/powerpoint/2012/main">
         <p15:guide id="1" orient="horz" pos="2160">
           <p15:clr>
             <a:srgbClr val="A4A3A4"/>
@@ -143,7 +143,7 @@
       </p15:sldGuideLst>
     </p:ext>
     <p:ext uri="{2D200454-40CA-4A62-9FC3-DE9A4176ACB9}">
-      <p15:notesGuideLst xmlns:p15="http://schemas.microsoft.com/office/powerpoint/2012/main" xmlns="">
+      <p15:notesGuideLst xmlns="" xmlns:p15="http://schemas.microsoft.com/office/powerpoint/2012/main">
         <p15:guide id="1" orient="horz" pos="2880">
           <p15:clr>
             <a:srgbClr val="A4A3A4"/>
@@ -251,7 +251,7 @@
             <a:fld id="{D0106195-8D78-4F6F-B8E4-FA67975ACEF5}" type="datetimeFigureOut">
               <a:rPr lang="ru-RU" smtClean="0"/>
               <a:pPr/>
-              <a:t>28.01.2021</a:t>
+              <a:t>30.01.2021</a:t>
             </a:fld>
             <a:endParaRPr lang="ru-RU"/>
           </a:p>
@@ -327,7 +327,7 @@
     </p:spTree>
     <p:extLst>
       <p:ext uri="{BB962C8B-B14F-4D97-AF65-F5344CB8AC3E}">
-        <p14:creationId xmlns:p14="http://schemas.microsoft.com/office/powerpoint/2010/main" xmlns="" val="827279973"/>
+        <p14:creationId xmlns="" xmlns:p14="http://schemas.microsoft.com/office/powerpoint/2010/main" val="827279973"/>
       </p:ext>
     </p:extLst>
   </p:cSld>
@@ -419,7 +419,7 @@
             <a:fld id="{878212F1-C3D9-4F2B-8F42-5E960FE8BE51}" type="datetimeFigureOut">
               <a:rPr lang="ru-RU" smtClean="0"/>
               <a:pPr/>
-              <a:t>28.01.2021</a:t>
+              <a:t>30.01.2021</a:t>
             </a:fld>
             <a:endParaRPr lang="ru-RU"/>
           </a:p>
@@ -588,7 +588,7 @@
     </p:spTree>
     <p:extLst>
       <p:ext uri="{BB962C8B-B14F-4D97-AF65-F5344CB8AC3E}">
-        <p14:creationId xmlns:p14="http://schemas.microsoft.com/office/powerpoint/2010/main" xmlns="" val="3865021395"/>
+        <p14:creationId xmlns="" xmlns:p14="http://schemas.microsoft.com/office/powerpoint/2010/main" val="3865021395"/>
       </p:ext>
     </p:extLst>
   </p:cSld>
@@ -802,7 +802,7 @@
     </p:spTree>
     <p:extLst>
       <p:ext uri="{BB962C8B-B14F-4D97-AF65-F5344CB8AC3E}">
-        <p14:creationId xmlns:p14="http://schemas.microsoft.com/office/powerpoint/2010/main" xmlns="" val="2381791527"/>
+        <p14:creationId xmlns="" xmlns:p14="http://schemas.microsoft.com/office/powerpoint/2010/main" val="2381791527"/>
       </p:ext>
     </p:extLst>
   </p:cSld>
@@ -925,7 +925,7 @@
     </p:spTree>
     <p:extLst>
       <p:ext uri="{BB962C8B-B14F-4D97-AF65-F5344CB8AC3E}">
-        <p14:creationId xmlns:p14="http://schemas.microsoft.com/office/powerpoint/2010/main" xmlns="" val="1915950851"/>
+        <p14:creationId xmlns="" xmlns:p14="http://schemas.microsoft.com/office/powerpoint/2010/main" val="1915950851"/>
       </p:ext>
     </p:extLst>
   </p:cSld>
@@ -1185,7 +1185,7 @@
     </p:spTree>
     <p:extLst>
       <p:ext uri="{BB962C8B-B14F-4D97-AF65-F5344CB8AC3E}">
-        <p14:creationId xmlns:p14="http://schemas.microsoft.com/office/powerpoint/2010/main" xmlns="" val="322455162"/>
+        <p14:creationId xmlns="" xmlns:p14="http://schemas.microsoft.com/office/powerpoint/2010/main" val="322455162"/>
       </p:ext>
     </p:extLst>
   </p:cSld>
@@ -1359,7 +1359,7 @@
     </p:spTree>
     <p:extLst>
       <p:ext uri="{BB962C8B-B14F-4D97-AF65-F5344CB8AC3E}">
-        <p14:creationId xmlns:p14="http://schemas.microsoft.com/office/powerpoint/2010/main" xmlns="" val="971117636"/>
+        <p14:creationId xmlns="" xmlns:p14="http://schemas.microsoft.com/office/powerpoint/2010/main" val="971117636"/>
       </p:ext>
     </p:extLst>
   </p:cSld>
@@ -1536,7 +1536,7 @@
     </p:spTree>
     <p:extLst>
       <p:ext uri="{BB962C8B-B14F-4D97-AF65-F5344CB8AC3E}">
-        <p14:creationId xmlns:p14="http://schemas.microsoft.com/office/powerpoint/2010/main" xmlns="" val="3348877825"/>
+        <p14:creationId xmlns="" xmlns:p14="http://schemas.microsoft.com/office/powerpoint/2010/main" val="3348877825"/>
       </p:ext>
     </p:extLst>
   </p:cSld>
@@ -1861,7 +1861,7 @@
     </p:spTree>
     <p:extLst>
       <p:ext uri="{BB962C8B-B14F-4D97-AF65-F5344CB8AC3E}">
-        <p14:creationId xmlns:p14="http://schemas.microsoft.com/office/powerpoint/2010/main" xmlns="" val="3256953994"/>
+        <p14:creationId xmlns="" xmlns:p14="http://schemas.microsoft.com/office/powerpoint/2010/main" val="3256953994"/>
       </p:ext>
     </p:extLst>
   </p:cSld>
@@ -2111,7 +2111,7 @@
     </p:spTree>
     <p:extLst>
       <p:ext uri="{BB962C8B-B14F-4D97-AF65-F5344CB8AC3E}">
-        <p14:creationId xmlns:p14="http://schemas.microsoft.com/office/powerpoint/2010/main" xmlns="" val="3067076846"/>
+        <p14:creationId xmlns="" xmlns:p14="http://schemas.microsoft.com/office/powerpoint/2010/main" val="3067076846"/>
       </p:ext>
     </p:extLst>
   </p:cSld>
@@ -2347,7 +2347,7 @@
     </p:spTree>
     <p:extLst>
       <p:ext uri="{BB962C8B-B14F-4D97-AF65-F5344CB8AC3E}">
-        <p14:creationId xmlns:p14="http://schemas.microsoft.com/office/powerpoint/2010/main" xmlns="" val="3710015975"/>
+        <p14:creationId xmlns="" xmlns:p14="http://schemas.microsoft.com/office/powerpoint/2010/main" val="3710015975"/>
       </p:ext>
     </p:extLst>
   </p:cSld>
@@ -2718,7 +2718,7 @@
     </p:spTree>
     <p:extLst>
       <p:ext uri="{BB962C8B-B14F-4D97-AF65-F5344CB8AC3E}">
-        <p14:creationId xmlns:p14="http://schemas.microsoft.com/office/powerpoint/2010/main" xmlns="" val="4075590966"/>
+        <p14:creationId xmlns="" xmlns:p14="http://schemas.microsoft.com/office/powerpoint/2010/main" val="4075590966"/>
       </p:ext>
     </p:extLst>
   </p:cSld>
@@ -2840,7 +2840,7 @@
     </p:spTree>
     <p:extLst>
       <p:ext uri="{BB962C8B-B14F-4D97-AF65-F5344CB8AC3E}">
-        <p14:creationId xmlns:p14="http://schemas.microsoft.com/office/powerpoint/2010/main" xmlns="" val="2889604898"/>
+        <p14:creationId xmlns="" xmlns:p14="http://schemas.microsoft.com/office/powerpoint/2010/main" val="2889604898"/>
       </p:ext>
     </p:extLst>
   </p:cSld>
@@ -2939,7 +2939,7 @@
     </p:spTree>
     <p:extLst>
       <p:ext uri="{BB962C8B-B14F-4D97-AF65-F5344CB8AC3E}">
-        <p14:creationId xmlns:p14="http://schemas.microsoft.com/office/powerpoint/2010/main" xmlns="" val="152384765"/>
+        <p14:creationId xmlns="" xmlns:p14="http://schemas.microsoft.com/office/powerpoint/2010/main" val="152384765"/>
       </p:ext>
     </p:extLst>
   </p:cSld>
@@ -3220,7 +3220,7 @@
     </p:spTree>
     <p:extLst>
       <p:ext uri="{BB962C8B-B14F-4D97-AF65-F5344CB8AC3E}">
-        <p14:creationId xmlns:p14="http://schemas.microsoft.com/office/powerpoint/2010/main" xmlns="" val="2127791886"/>
+        <p14:creationId xmlns="" xmlns:p14="http://schemas.microsoft.com/office/powerpoint/2010/main" val="2127791886"/>
       </p:ext>
     </p:extLst>
   </p:cSld>
@@ -3477,7 +3477,7 @@
     </p:spTree>
     <p:extLst>
       <p:ext uri="{BB962C8B-B14F-4D97-AF65-F5344CB8AC3E}">
-        <p14:creationId xmlns:p14="http://schemas.microsoft.com/office/powerpoint/2010/main" xmlns="" val="1752705130"/>
+        <p14:creationId xmlns="" xmlns:p14="http://schemas.microsoft.com/office/powerpoint/2010/main" val="1752705130"/>
       </p:ext>
     </p:extLst>
   </p:cSld>
@@ -3730,7 +3730,7 @@
     </p:spTree>
     <p:extLst>
       <p:ext uri="{BB962C8B-B14F-4D97-AF65-F5344CB8AC3E}">
-        <p14:creationId xmlns:p14="http://schemas.microsoft.com/office/powerpoint/2010/main" xmlns="" val="968833914"/>
+        <p14:creationId xmlns="" xmlns:p14="http://schemas.microsoft.com/office/powerpoint/2010/main" val="968833914"/>
       </p:ext>
     </p:extLst>
   </p:cSld>
@@ -4207,7 +4207,7 @@
     </p:spTree>
     <p:extLst>
       <p:ext uri="{BB962C8B-B14F-4D97-AF65-F5344CB8AC3E}">
-        <p14:creationId xmlns:p14="http://schemas.microsoft.com/office/powerpoint/2010/main" xmlns="" val="2492894732"/>
+        <p14:creationId xmlns="" xmlns:p14="http://schemas.microsoft.com/office/powerpoint/2010/main" val="2492894732"/>
       </p:ext>
     </p:extLst>
   </p:cSld>
@@ -4534,77 +4534,25 @@
           <a:p>
             <a:r>
               <a:rPr lang="en-US" dirty="0" smtClean="0"/>
-              <a:t>﻿</a:t>
-            </a:r>
+              <a:t>﻿arguments g, ..., j in a0 (x10)...a3 (x13)</a:t>
+            </a:r>
+          </a:p>
+          <a:p>
             <a:r>
               <a:rPr lang="en-US" dirty="0" smtClean="0"/>
-              <a:t>arguments </a:t>
-            </a:r>
+              <a:t>f in s4 (x20)</a:t>
+            </a:r>
+          </a:p>
+          <a:p>
             <a:r>
               <a:rPr lang="en-US" dirty="0" smtClean="0"/>
-              <a:t>g, ..., j in </a:t>
-            </a:r>
+              <a:t>temporaries t0 (x5), t1 (x6)</a:t>
+            </a:r>
+          </a:p>
+          <a:p>
             <a:r>
               <a:rPr lang="en-US" dirty="0" smtClean="0"/>
-              <a:t>a0 (</a:t>
-            </a:r>
-            <a:r>
-              <a:rPr lang="en-US" dirty="0" smtClean="0"/>
-              <a:t>x10)...</a:t>
-            </a:r>
-            <a:r>
-              <a:rPr lang="en-US" dirty="0" smtClean="0"/>
-              <a:t>a3 (</a:t>
-            </a:r>
-            <a:r>
-              <a:rPr lang="en-US" dirty="0" smtClean="0"/>
-              <a:t>x13</a:t>
-            </a:r>
-            <a:r>
-              <a:rPr lang="en-US" dirty="0" smtClean="0"/>
-              <a:t>)</a:t>
-            </a:r>
-          </a:p>
-          <a:p>
-            <a:r>
-              <a:rPr lang="en-US" dirty="0" smtClean="0"/>
-              <a:t>f </a:t>
-            </a:r>
-            <a:r>
-              <a:rPr lang="en-US" dirty="0" smtClean="0"/>
-              <a:t>in s4 (x20)</a:t>
-            </a:r>
-          </a:p>
-          <a:p>
-            <a:r>
-              <a:rPr lang="en-US" dirty="0" smtClean="0"/>
-              <a:t>temporaries </a:t>
-            </a:r>
-            <a:r>
-              <a:rPr lang="en-US" dirty="0" smtClean="0"/>
-              <a:t>t0 (</a:t>
-            </a:r>
-            <a:r>
-              <a:rPr lang="en-US" dirty="0" smtClean="0"/>
-              <a:t>x5), </a:t>
-            </a:r>
-            <a:r>
-              <a:rPr lang="en-US" dirty="0" smtClean="0"/>
-              <a:t>t1 (</a:t>
-            </a:r>
-            <a:r>
-              <a:rPr lang="en-US" dirty="0" smtClean="0"/>
-              <a:t>x6)</a:t>
-            </a:r>
-          </a:p>
-          <a:p>
-            <a:r>
-              <a:rPr lang="en-US" dirty="0" smtClean="0"/>
-              <a:t>need </a:t>
-            </a:r>
-            <a:r>
-              <a:rPr lang="en-US" dirty="0" smtClean="0"/>
-              <a:t>to save t0, t1, s4 on stack</a:t>
+              <a:t>need to save t0, t1, s4 on stack</a:t>
             </a:r>
           </a:p>
         </p:txBody>
@@ -6273,6 +6221,10 @@
               <a:t>, </a:t>
             </a:r>
             <a:r>
+              <a:rPr lang="ru-RU" sz="6000" dirty="0" smtClean="0"/>
+              <a:t> </a:t>
+            </a:r>
+            <a:r>
               <a:rPr lang="en-US" sz="6000" dirty="0" smtClean="0">
                 <a:solidFill>
                   <a:srgbClr val="FF0000"/>
@@ -6317,6 +6269,10 @@
               <a:t>   </a:t>
             </a:r>
             <a:r>
+              <a:rPr lang="ru-RU" sz="6000" dirty="0" smtClean="0"/>
+              <a:t> </a:t>
+            </a:r>
+            <a:r>
               <a:rPr lang="en-US" sz="6000" dirty="0" err="1" smtClean="0">
                 <a:solidFill>
                   <a:srgbClr val="FF0000"/>
@@ -6389,6 +6345,10 @@
               <a:t>   </a:t>
             </a:r>
             <a:r>
+              <a:rPr lang="ru-RU" sz="6000" dirty="0" smtClean="0"/>
+              <a:t> </a:t>
+            </a:r>
+            <a:r>
               <a:rPr lang="en-US" sz="6000" dirty="0" smtClean="0">
                 <a:solidFill>
                   <a:srgbClr val="FF0000"/>
@@ -6445,6 +6405,10 @@
               <a:t>   </a:t>
             </a:r>
             <a:r>
+              <a:rPr lang="ru-RU" sz="6000" dirty="0" smtClean="0"/>
+              <a:t> </a:t>
+            </a:r>
+            <a:r>
               <a:rPr lang="en-US" sz="6000" dirty="0" smtClean="0">
                 <a:solidFill>
                   <a:srgbClr val="FF0000"/>
@@ -6501,6 +6465,10 @@
               <a:t>   </a:t>
             </a:r>
             <a:r>
+              <a:rPr lang="ru-RU" sz="6000" dirty="0" smtClean="0"/>
+              <a:t> </a:t>
+            </a:r>
+            <a:r>
               <a:rPr lang="en-US" sz="6000" dirty="0" smtClean="0">
                 <a:solidFill>
                   <a:srgbClr val="FF0000"/>
@@ -6557,6 +6525,10 @@
               <a:t>   </a:t>
             </a:r>
             <a:r>
+              <a:rPr lang="ru-RU" sz="6000" dirty="0" smtClean="0"/>
+              <a:t> </a:t>
+            </a:r>
+            <a:r>
               <a:rPr lang="en-US" sz="6000" dirty="0" smtClean="0">
                 <a:solidFill>
                   <a:srgbClr val="FF0000"/>
@@ -6625,6 +6597,10 @@
               <a:t>   </a:t>
             </a:r>
             <a:r>
+              <a:rPr lang="ru-RU" sz="6000" dirty="0" smtClean="0"/>
+              <a:t>  </a:t>
+            </a:r>
+            <a:r>
               <a:rPr lang="en-US" sz="6000" dirty="0" smtClean="0">
                 <a:solidFill>
                   <a:srgbClr val="FF0000"/>
@@ -6681,6 +6657,10 @@
               <a:t>   </a:t>
             </a:r>
             <a:r>
+              <a:rPr lang="ru-RU" sz="6000" dirty="0" smtClean="0"/>
+              <a:t>  </a:t>
+            </a:r>
+            <a:r>
               <a:rPr lang="en-US" sz="6000" dirty="0" smtClean="0">
                 <a:solidFill>
                   <a:srgbClr val="FF0000"/>
@@ -6737,6 +6717,10 @@
               <a:t>   </a:t>
             </a:r>
             <a:r>
+              <a:rPr lang="ru-RU" sz="6000" dirty="0" smtClean="0"/>
+              <a:t>  </a:t>
+            </a:r>
+            <a:r>
               <a:rPr lang="en-US" sz="6000" dirty="0" smtClean="0">
                 <a:solidFill>
                   <a:srgbClr val="FF0000"/>
@@ -6793,6 +6777,10 @@
               <a:t>    </a:t>
             </a:r>
             <a:r>
+              <a:rPr lang="ru-RU" sz="6000" dirty="0" smtClean="0"/>
+              <a:t> </a:t>
+            </a:r>
+            <a:r>
               <a:rPr lang="en-US" sz="6000" dirty="0" smtClean="0">
                 <a:solidFill>
                   <a:srgbClr val="FF0000"/>
@@ -6802,7 +6790,15 @@
             </a:r>
             <a:r>
               <a:rPr lang="en-US" sz="6000" dirty="0" smtClean="0"/>
-              <a:t>, 12(</a:t>
+              <a:t>, </a:t>
+            </a:r>
+            <a:r>
+              <a:rPr lang="ru-RU" sz="6000" dirty="0" smtClean="0"/>
+              <a:t> </a:t>
+            </a:r>
+            <a:r>
+              <a:rPr lang="en-US" sz="6000" dirty="0" smtClean="0"/>
+              <a:t>12(</a:t>
             </a:r>
             <a:r>
               <a:rPr lang="en-US" sz="6000" dirty="0" smtClean="0">
@@ -6849,6 +6845,10 @@
               <a:t>    </a:t>
             </a:r>
             <a:r>
+              <a:rPr lang="ru-RU" sz="6000" dirty="0" smtClean="0"/>
+              <a:t> </a:t>
+            </a:r>
+            <a:r>
               <a:rPr lang="en-US" sz="6000" dirty="0" err="1" smtClean="0">
                 <a:solidFill>
                   <a:srgbClr val="FF0000"/>
@@ -6858,7 +6858,15 @@
             </a:r>
             <a:r>
               <a:rPr lang="en-US" sz="6000" dirty="0" smtClean="0"/>
-              <a:t>, 16(</a:t>
+              <a:t>, </a:t>
+            </a:r>
+            <a:r>
+              <a:rPr lang="ru-RU" sz="6000" dirty="0" smtClean="0"/>
+              <a:t> </a:t>
+            </a:r>
+            <a:r>
+              <a:rPr lang="en-US" sz="6000" dirty="0" smtClean="0"/>
+              <a:t>16(</a:t>
             </a:r>
             <a:r>
               <a:rPr lang="en-US" sz="6000" dirty="0" smtClean="0">
@@ -7091,7 +7099,7 @@
         </p:nvSpPr>
         <p:spPr>
           <a:xfrm>
-            <a:off x="838200" y="1045030"/>
+            <a:off x="838200" y="1006930"/>
             <a:ext cx="10515600" cy="5812970"/>
           </a:xfrm>
         </p:spPr>
@@ -7197,7 +7205,11 @@
             </a:r>
             <a:r>
               <a:rPr lang="en-US" sz="6000" dirty="0" smtClean="0"/>
-              <a:t>,   12(</a:t>
+              <a:t>, </a:t>
+            </a:r>
+            <a:r>
+              <a:rPr lang="en-US" sz="6000" dirty="0" smtClean="0"/>
+              <a:t>12(</a:t>
             </a:r>
             <a:r>
               <a:rPr lang="en-US" sz="6000" dirty="0" smtClean="0">
@@ -7209,7 +7221,15 @@
             </a:r>
             <a:r>
               <a:rPr lang="en-US" sz="6000" dirty="0" smtClean="0"/>
-              <a:t>)  </a:t>
+              <a:t>) </a:t>
+            </a:r>
+            <a:r>
+              <a:rPr lang="ru-RU" sz="6000" dirty="0" smtClean="0"/>
+              <a:t>  </a:t>
+            </a:r>
+            <a:r>
+              <a:rPr lang="en-US" sz="6000" dirty="0" smtClean="0"/>
+              <a:t> </a:t>
             </a:r>
             <a:r>
               <a:rPr lang="en-US" sz="6000" dirty="0" smtClean="0">
@@ -7253,7 +7273,11 @@
             </a:r>
             <a:r>
               <a:rPr lang="en-US" sz="6000" dirty="0" smtClean="0"/>
-              <a:t>,     8(</a:t>
+              <a:t>,   </a:t>
+            </a:r>
+            <a:r>
+              <a:rPr lang="en-US" sz="6000" dirty="0" smtClean="0"/>
+              <a:t>8(</a:t>
             </a:r>
             <a:r>
               <a:rPr lang="en-US" sz="6000" dirty="0" smtClean="0">
@@ -7265,7 +7289,15 @@
             </a:r>
             <a:r>
               <a:rPr lang="en-US" sz="6000" dirty="0" smtClean="0"/>
-              <a:t>)  </a:t>
+              <a:t>) </a:t>
+            </a:r>
+            <a:r>
+              <a:rPr lang="ru-RU" sz="6000" dirty="0" smtClean="0"/>
+              <a:t>  </a:t>
+            </a:r>
+            <a:r>
+              <a:rPr lang="en-US" sz="6000" dirty="0" smtClean="0"/>
+              <a:t> </a:t>
             </a:r>
             <a:r>
               <a:rPr lang="en-US" sz="6000" dirty="0" smtClean="0">
@@ -7309,7 +7341,11 @@
             </a:r>
             <a:r>
               <a:rPr lang="en-US" sz="6000" dirty="0" smtClean="0"/>
-              <a:t>,     4(</a:t>
+              <a:t>,   </a:t>
+            </a:r>
+            <a:r>
+              <a:rPr lang="en-US" sz="6000" dirty="0" smtClean="0"/>
+              <a:t>4(</a:t>
             </a:r>
             <a:r>
               <a:rPr lang="en-US" sz="6000" dirty="0" smtClean="0">
@@ -7321,7 +7357,15 @@
             </a:r>
             <a:r>
               <a:rPr lang="en-US" sz="6000" dirty="0" smtClean="0"/>
-              <a:t>)  </a:t>
+              <a:t>) </a:t>
+            </a:r>
+            <a:r>
+              <a:rPr lang="ru-RU" sz="6000" dirty="0" smtClean="0"/>
+              <a:t>  </a:t>
+            </a:r>
+            <a:r>
+              <a:rPr lang="en-US" sz="6000" dirty="0" smtClean="0"/>
+              <a:t> </a:t>
             </a:r>
             <a:r>
               <a:rPr lang="en-US" sz="6000" dirty="0" smtClean="0">
@@ -7365,7 +7409,11 @@
             </a:r>
             <a:r>
               <a:rPr lang="en-US" sz="6000" dirty="0" smtClean="0"/>
-              <a:t>,     0(</a:t>
+              <a:t>,   </a:t>
+            </a:r>
+            <a:r>
+              <a:rPr lang="en-US" sz="6000" dirty="0" smtClean="0"/>
+              <a:t>0(</a:t>
             </a:r>
             <a:r>
               <a:rPr lang="en-US" sz="6000" dirty="0" smtClean="0">
@@ -7380,25 +7428,38 @@
               <a:t>)  </a:t>
             </a:r>
             <a:r>
+              <a:rPr lang="ru-RU" sz="6000" dirty="0" smtClean="0"/>
+              <a:t>  </a:t>
+            </a:r>
+            <a:r>
               <a:rPr lang="en-US" sz="6000" dirty="0" smtClean="0">
                 <a:solidFill>
                   <a:srgbClr val="00B050"/>
                 </a:solidFill>
               </a:rPr>
-              <a:t># save t3 (x28) on stack</a:t>
-            </a:r>
-          </a:p>
-          <a:p>
-            <a:pPr>
-              <a:spcAft>
-                <a:spcPts val="600"/>
-              </a:spcAft>
-              <a:defRPr/>
-            </a:pPr>
-            <a:r>
-              <a:rPr lang="en-US" sz="6700" b="1" dirty="0" smtClean="0"/>
-              <a:t>Restore registers:</a:t>
-            </a:r>
+              <a:t># </a:t>
+            </a:r>
+            <a:r>
+              <a:rPr lang="en-US" sz="6000" dirty="0" smtClean="0">
+                <a:solidFill>
+                  <a:srgbClr val="00B050"/>
+                </a:solidFill>
+              </a:rPr>
+              <a:t>save t3 (x28) on </a:t>
+            </a:r>
+            <a:r>
+              <a:rPr lang="en-US" sz="6000" dirty="0" smtClean="0">
+                <a:solidFill>
+                  <a:srgbClr val="00B050"/>
+                </a:solidFill>
+              </a:rPr>
+              <a:t>stack</a:t>
+            </a:r>
+            <a:endParaRPr lang="ru-RU" sz="6000" dirty="0" smtClean="0">
+              <a:solidFill>
+                <a:srgbClr val="00B050"/>
+              </a:solidFill>
+            </a:endParaRPr>
           </a:p>
           <a:p>
             <a:pPr marL="233363" indent="-233363">
@@ -7412,8 +7473,20 @@
               <a:defRPr/>
             </a:pPr>
             <a:r>
+              <a:rPr lang="ru-RU" sz="6000" dirty="0" smtClean="0"/>
+              <a:t>    </a:t>
+            </a:r>
+            <a:r>
+              <a:rPr lang="en-US" sz="6000" dirty="0" err="1" smtClean="0"/>
+              <a:t>jal</a:t>
+            </a:r>
+            <a:r>
               <a:rPr lang="en-US" sz="6000" dirty="0" smtClean="0"/>
-              <a:t>    jal   </a:t>
+              <a:t>   </a:t>
+            </a:r>
+            <a:r>
+              <a:rPr lang="ru-RU" sz="6000" dirty="0" smtClean="0"/>
+              <a:t> </a:t>
             </a:r>
             <a:r>
               <a:rPr lang="en-US" sz="6000" dirty="0" err="1" smtClean="0">
@@ -7425,7 +7498,7 @@
             </a:r>
             <a:r>
               <a:rPr lang="en-US" sz="6000" dirty="0" smtClean="0"/>
-              <a:t>,    </a:t>
+              <a:t>,  </a:t>
             </a:r>
             <a:r>
               <a:rPr lang="en-US" sz="6000" i="1" dirty="0" err="1" smtClean="0"/>
@@ -7433,6 +7506,10 @@
             </a:r>
             <a:r>
               <a:rPr lang="en-US" sz="6000" dirty="0" smtClean="0"/>
+              <a:t> </a:t>
+            </a:r>
+            <a:r>
+              <a:rPr lang="ru-RU" sz="6000" dirty="0" smtClean="0"/>
               <a:t>  </a:t>
             </a:r>
             <a:r>
@@ -7441,7 +7518,15 @@
                   <a:srgbClr val="00B050"/>
                 </a:solidFill>
               </a:rPr>
-              <a:t># jump to </a:t>
+              <a:t># </a:t>
+            </a:r>
+            <a:r>
+              <a:rPr lang="en-US" sz="6000" dirty="0" smtClean="0">
+                <a:solidFill>
+                  <a:srgbClr val="00B050"/>
+                </a:solidFill>
+              </a:rPr>
+              <a:t>jump to </a:t>
             </a:r>
             <a:r>
               <a:rPr lang="en-US" sz="6000" dirty="0" err="1" smtClean="0">
@@ -7451,9 +7536,22 @@
               </a:rPr>
               <a:t>callee</a:t>
             </a:r>
-            <a:r>
-              <a:rPr lang="en-US" sz="6000" dirty="0" smtClean="0"/>
-              <a:t>   </a:t>
+            <a:endParaRPr lang="en-US" sz="6000" dirty="0" smtClean="0">
+              <a:solidFill>
+                <a:srgbClr val="00B050"/>
+              </a:solidFill>
+            </a:endParaRPr>
+          </a:p>
+          <a:p>
+            <a:pPr>
+              <a:spcAft>
+                <a:spcPts val="600"/>
+              </a:spcAft>
+              <a:defRPr/>
+            </a:pPr>
+            <a:r>
+              <a:rPr lang="en-US" sz="6700" b="1" dirty="0" smtClean="0"/>
+              <a:t>Restore registers:</a:t>
             </a:r>
           </a:p>
           <a:p>
@@ -7489,7 +7587,15 @@
             </a:r>
             <a:r>
               <a:rPr lang="en-US" sz="6000" dirty="0" smtClean="0"/>
-              <a:t>,    0(</a:t>
+              <a:t>,  </a:t>
+            </a:r>
+            <a:r>
+              <a:rPr lang="en-US" sz="6000" dirty="0" smtClean="0"/>
+              <a:t> </a:t>
+            </a:r>
+            <a:r>
+              <a:rPr lang="en-US" sz="6000" dirty="0" smtClean="0"/>
+              <a:t>0(</a:t>
             </a:r>
             <a:r>
               <a:rPr lang="en-US" sz="6000" dirty="0" smtClean="0">
@@ -7501,7 +7607,15 @@
             </a:r>
             <a:r>
               <a:rPr lang="en-US" sz="6000" dirty="0" smtClean="0"/>
-              <a:t>)   </a:t>
+              <a:t>)  </a:t>
+            </a:r>
+            <a:r>
+              <a:rPr lang="ru-RU" sz="6000" dirty="0" smtClean="0"/>
+              <a:t>  </a:t>
+            </a:r>
+            <a:r>
+              <a:rPr lang="en-US" sz="6000" dirty="0" smtClean="0"/>
+              <a:t> </a:t>
             </a:r>
             <a:r>
               <a:rPr lang="en-US" sz="6000" dirty="0" smtClean="0">
@@ -7536,6 +7650,10 @@
               <a:t>   </a:t>
             </a:r>
             <a:r>
+              <a:rPr lang="ru-RU" sz="6000" dirty="0" smtClean="0"/>
+              <a:t> </a:t>
+            </a:r>
+            <a:r>
               <a:rPr lang="en-US" sz="6000" dirty="0" smtClean="0">
                 <a:solidFill>
                   <a:srgbClr val="FF0000"/>
@@ -7545,7 +7663,15 @@
             </a:r>
             <a:r>
               <a:rPr lang="en-US" sz="6000" dirty="0" smtClean="0"/>
-              <a:t>,    4(</a:t>
+              <a:t>,  </a:t>
+            </a:r>
+            <a:r>
+              <a:rPr lang="en-US" sz="6000" dirty="0" smtClean="0"/>
+              <a:t> </a:t>
+            </a:r>
+            <a:r>
+              <a:rPr lang="en-US" sz="6000" dirty="0" smtClean="0"/>
+              <a:t>4(</a:t>
             </a:r>
             <a:r>
               <a:rPr lang="en-US" sz="6000" dirty="0" smtClean="0">
@@ -7557,7 +7683,11 @@
             </a:r>
             <a:r>
               <a:rPr lang="en-US" sz="6000" dirty="0" smtClean="0"/>
-              <a:t>)   </a:t>
+              <a:t>)  </a:t>
+            </a:r>
+            <a:r>
+              <a:rPr lang="ru-RU" sz="6000" dirty="0" smtClean="0"/>
+              <a:t>  </a:t>
             </a:r>
             <a:r>
               <a:rPr lang="en-US" sz="6000" dirty="0" smtClean="0">
@@ -7565,7 +7695,15 @@
                   <a:srgbClr val="00B050"/>
                 </a:solidFill>
               </a:rPr>
-              <a:t># restore t2 (x7) from stack</a:t>
+              <a:t># </a:t>
+            </a:r>
+            <a:r>
+              <a:rPr lang="en-US" sz="6000" dirty="0" smtClean="0">
+                <a:solidFill>
+                  <a:srgbClr val="00B050"/>
+                </a:solidFill>
+              </a:rPr>
+              <a:t>restore t2 (x7) from stack</a:t>
             </a:r>
           </a:p>
           <a:p>
@@ -7592,6 +7730,10 @@
               <a:t>   </a:t>
             </a:r>
             <a:r>
+              <a:rPr lang="ru-RU" sz="6000" dirty="0" smtClean="0"/>
+              <a:t> </a:t>
+            </a:r>
+            <a:r>
               <a:rPr lang="en-US" sz="6000" dirty="0" smtClean="0">
                 <a:solidFill>
                   <a:srgbClr val="FF0000"/>
@@ -7601,7 +7743,15 @@
             </a:r>
             <a:r>
               <a:rPr lang="en-US" sz="6000" dirty="0" smtClean="0"/>
-              <a:t>,    8(</a:t>
+              <a:t>,  </a:t>
+            </a:r>
+            <a:r>
+              <a:rPr lang="en-US" sz="6000" dirty="0" smtClean="0"/>
+              <a:t> </a:t>
+            </a:r>
+            <a:r>
+              <a:rPr lang="en-US" sz="6000" dirty="0" smtClean="0"/>
+              <a:t>8(</a:t>
             </a:r>
             <a:r>
               <a:rPr lang="en-US" sz="6000" dirty="0" smtClean="0">
@@ -7616,12 +7766,24 @@
               <a:t>)   </a:t>
             </a:r>
             <a:r>
+              <a:rPr lang="ru-RU" sz="6000" dirty="0" smtClean="0"/>
+              <a:t> </a:t>
+            </a:r>
+            <a:r>
               <a:rPr lang="en-US" sz="6000" dirty="0" smtClean="0">
                 <a:solidFill>
                   <a:srgbClr val="00B050"/>
                 </a:solidFill>
               </a:rPr>
-              <a:t># restore t1 (x6) from stack</a:t>
+              <a:t># </a:t>
+            </a:r>
+            <a:r>
+              <a:rPr lang="en-US" sz="6000" dirty="0" smtClean="0">
+                <a:solidFill>
+                  <a:srgbClr val="00B050"/>
+                </a:solidFill>
+              </a:rPr>
+              <a:t>restore t1 (x6) from stack</a:t>
             </a:r>
           </a:p>
           <a:p>
@@ -7669,7 +7831,15 @@
             </a:r>
             <a:r>
               <a:rPr lang="en-US" sz="6000" dirty="0" smtClean="0"/>
-              <a:t>)   </a:t>
+              <a:t>)  </a:t>
+            </a:r>
+            <a:r>
+              <a:rPr lang="ru-RU" sz="6000" dirty="0" smtClean="0"/>
+              <a:t> </a:t>
+            </a:r>
+            <a:r>
+              <a:rPr lang="en-US" sz="6000" dirty="0" smtClean="0"/>
+              <a:t> </a:t>
             </a:r>
             <a:r>
               <a:rPr lang="en-US" sz="6000" dirty="0" smtClean="0">
@@ -7677,7 +7847,15 @@
                   <a:srgbClr val="00B050"/>
                 </a:solidFill>
               </a:rPr>
-              <a:t># restore t0 (x5) from stack</a:t>
+              <a:t># </a:t>
+            </a:r>
+            <a:r>
+              <a:rPr lang="en-US" sz="6000" dirty="0" smtClean="0">
+                <a:solidFill>
+                  <a:srgbClr val="00B050"/>
+                </a:solidFill>
+              </a:rPr>
+              <a:t>restore t0 (x5) from stack</a:t>
             </a:r>
           </a:p>
           <a:p>
@@ -7717,7 +7895,11 @@
             </a:r>
             <a:r>
               <a:rPr lang="en-US" sz="6000" dirty="0" smtClean="0"/>
-              <a:t>, 16    </a:t>
+              <a:t>, 16   </a:t>
+            </a:r>
+            <a:r>
+              <a:rPr lang="ru-RU" sz="6000" dirty="0" smtClean="0"/>
+              <a:t> </a:t>
             </a:r>
             <a:r>
               <a:rPr lang="en-US" sz="6000" dirty="0" smtClean="0">
@@ -7725,7 +7907,15 @@
                   <a:srgbClr val="00B050"/>
                 </a:solidFill>
               </a:rPr>
-              <a:t># restore stack pointer</a:t>
+              <a:t># </a:t>
+            </a:r>
+            <a:r>
+              <a:rPr lang="en-US" sz="6000" dirty="0" smtClean="0">
+                <a:solidFill>
+                  <a:srgbClr val="00B050"/>
+                </a:solidFill>
+              </a:rPr>
+              <a:t>restore stack pointer</a:t>
             </a:r>
             <a:endParaRPr lang="ru-RU" dirty="0"/>
           </a:p>
@@ -9356,11 +9546,7 @@
             </a:pPr>
             <a:r>
               <a:rPr lang="en-US" sz="1800" dirty="0" smtClean="0"/>
-              <a:t>    </a:t>
-            </a:r>
-            <a:r>
-              <a:rPr lang="en-US" sz="1800" dirty="0" smtClean="0"/>
-              <a:t>    </a:t>
+              <a:t>        </a:t>
             </a:r>
             <a:r>
               <a:rPr lang="en-US" sz="1800" dirty="0" err="1" smtClean="0"/>
@@ -9400,11 +9586,7 @@
             </a:pPr>
             <a:r>
               <a:rPr lang="en-US" sz="1800" dirty="0" smtClean="0"/>
-              <a:t>    </a:t>
-            </a:r>
-            <a:r>
-              <a:rPr lang="en-US" sz="1800" dirty="0" smtClean="0"/>
-              <a:t>    jal     </a:t>
+              <a:t>        jal     </a:t>
             </a:r>
             <a:r>
               <a:rPr lang="en-US" sz="1800" dirty="0" err="1" smtClean="0">
@@ -9465,11 +9647,7 @@
             </a:pPr>
             <a:r>
               <a:rPr lang="en-US" sz="1800" dirty="0" smtClean="0"/>
-              <a:t>    </a:t>
-            </a:r>
-            <a:r>
-              <a:rPr lang="en-US" sz="1800" dirty="0" smtClean="0"/>
-              <a:t>    </a:t>
+              <a:t>        </a:t>
             </a:r>
             <a:r>
               <a:rPr lang="en-US" sz="1800" dirty="0" err="1" smtClean="0"/>
@@ -9502,15 +9680,7 @@
             </a:pPr>
             <a:r>
               <a:rPr lang="en-US" sz="1800" dirty="0" smtClean="0"/>
-              <a:t>   </a:t>
-            </a:r>
-            <a:r>
-              <a:rPr lang="en-US" sz="1800" dirty="0" smtClean="0"/>
-              <a:t>     </a:t>
-            </a:r>
-            <a:r>
-              <a:rPr lang="en-US" sz="1800" dirty="0" smtClean="0"/>
-              <a:t>addi </a:t>
+              <a:t>        addi </a:t>
             </a:r>
             <a:r>
               <a:rPr lang="en-US" sz="1800" dirty="0" smtClean="0">
@@ -9546,11 +9716,7 @@
             </a:pPr>
             <a:r>
               <a:rPr lang="en-US" sz="1800" dirty="0" smtClean="0"/>
-              <a:t>  </a:t>
-            </a:r>
-            <a:r>
-              <a:rPr lang="en-US" sz="1800" dirty="0" smtClean="0"/>
-              <a:t>      </a:t>
+              <a:t>        </a:t>
             </a:r>
             <a:r>
               <a:rPr lang="en-US" sz="1800" dirty="0" err="1" smtClean="0"/>
@@ -9558,11 +9724,7 @@
             </a:r>
             <a:r>
               <a:rPr lang="en-US" sz="1800" dirty="0" smtClean="0"/>
-              <a:t>   </a:t>
-            </a:r>
-            <a:r>
-              <a:rPr lang="en-US" sz="1800" dirty="0" smtClean="0"/>
-              <a:t>    </a:t>
+              <a:t>       </a:t>
             </a:r>
             <a:r>
               <a:rPr lang="en-US" sz="1800" dirty="0" smtClean="0">
@@ -9586,11 +9748,7 @@
             </a:pPr>
             <a:r>
               <a:rPr lang="en-US" sz="1800" dirty="0" smtClean="0"/>
-              <a:t>   </a:t>
-            </a:r>
-            <a:r>
-              <a:rPr lang="en-US" sz="1800" dirty="0" smtClean="0"/>
-              <a:t>     </a:t>
+              <a:t>        </a:t>
             </a:r>
             <a:r>
               <a:rPr lang="en-US" sz="1800" dirty="0" err="1" smtClean="0"/>
@@ -9598,11 +9756,7 @@
             </a:r>
             <a:r>
               <a:rPr lang="en-US" sz="1800" dirty="0" smtClean="0"/>
-              <a:t>   </a:t>
-            </a:r>
-            <a:r>
-              <a:rPr lang="en-US" sz="1800" dirty="0" smtClean="0"/>
-              <a:t> </a:t>
+              <a:t>    </a:t>
             </a:r>
             <a:r>
               <a:rPr lang="en-US" sz="1800" dirty="0" smtClean="0">
@@ -9638,15 +9792,7 @@
             </a:pPr>
             <a:r>
               <a:rPr lang="en-US" sz="1800" dirty="0" smtClean="0"/>
-              <a:t>   </a:t>
-            </a:r>
-            <a:r>
-              <a:rPr lang="en-US" sz="1800" dirty="0" smtClean="0"/>
-              <a:t>     </a:t>
-            </a:r>
-            <a:r>
-              <a:rPr lang="en-US" sz="1800" dirty="0" smtClean="0"/>
-              <a:t>addi </a:t>
+              <a:t>        addi </a:t>
             </a:r>
             <a:r>
               <a:rPr lang="en-US" sz="1800" dirty="0" smtClean="0">
@@ -9682,11 +9828,7 @@
             </a:pPr>
             <a:r>
               <a:rPr lang="en-US" sz="1800" dirty="0" smtClean="0"/>
-              <a:t>   </a:t>
-            </a:r>
-            <a:r>
-              <a:rPr lang="en-US" sz="1800" dirty="0" smtClean="0"/>
-              <a:t>     </a:t>
+              <a:t>        </a:t>
             </a:r>
             <a:r>
               <a:rPr lang="en-US" sz="1800" dirty="0" err="1" smtClean="0"/>
@@ -9694,11 +9836,7 @@
             </a:r>
             <a:r>
               <a:rPr lang="en-US" sz="1800" dirty="0" smtClean="0"/>
-              <a:t>   </a:t>
-            </a:r>
-            <a:r>
-              <a:rPr lang="en-US" sz="1800" dirty="0" smtClean="0"/>
-              <a:t>    </a:t>
+              <a:t>       </a:t>
             </a:r>
             <a:r>
               <a:rPr lang="en-US" sz="1800" dirty="0" smtClean="0">
@@ -9722,11 +9860,7 @@
             </a:pPr>
             <a:r>
               <a:rPr lang="en-US" sz="1800" dirty="0" smtClean="0"/>
-              <a:t>   </a:t>
-            </a:r>
-            <a:r>
-              <a:rPr lang="en-US" sz="1800" dirty="0" smtClean="0"/>
-              <a:t>     </a:t>
+              <a:t>        </a:t>
             </a:r>
             <a:r>
               <a:rPr lang="en-US" sz="1800" dirty="0" err="1" smtClean="0"/>
@@ -9734,11 +9868,7 @@
             </a:r>
             <a:r>
               <a:rPr lang="en-US" sz="1800" dirty="0" smtClean="0"/>
-              <a:t>   </a:t>
-            </a:r>
-            <a:r>
-              <a:rPr lang="en-US" sz="1800" dirty="0" smtClean="0"/>
-              <a:t> </a:t>
+              <a:t>    </a:t>
             </a:r>
             <a:r>
               <a:rPr lang="en-US" sz="1800" dirty="0" smtClean="0">
@@ -9774,15 +9904,7 @@
             </a:pPr>
             <a:r>
               <a:rPr lang="en-US" sz="1800" dirty="0" smtClean="0"/>
-              <a:t>   </a:t>
-            </a:r>
-            <a:r>
-              <a:rPr lang="en-US" sz="1800" dirty="0" smtClean="0"/>
-              <a:t>     </a:t>
-            </a:r>
-            <a:r>
-              <a:rPr lang="en-US" sz="1800" dirty="0" smtClean="0"/>
-              <a:t>addi </a:t>
+              <a:t>        addi </a:t>
             </a:r>
             <a:r>
               <a:rPr lang="en-US" sz="1800" dirty="0" smtClean="0">
@@ -9818,11 +9940,7 @@
             </a:pPr>
             <a:r>
               <a:rPr lang="en-US" sz="1800" dirty="0" smtClean="0"/>
-              <a:t>   </a:t>
-            </a:r>
-            <a:r>
-              <a:rPr lang="en-US" sz="1800" dirty="0" smtClean="0"/>
-              <a:t>     </a:t>
+              <a:t>        </a:t>
             </a:r>
             <a:r>
               <a:rPr lang="en-US" sz="1800" dirty="0" err="1" smtClean="0"/>
@@ -9830,11 +9948,7 @@
             </a:r>
             <a:r>
               <a:rPr lang="en-US" sz="1800" dirty="0" smtClean="0"/>
-              <a:t>   </a:t>
-            </a:r>
-            <a:r>
-              <a:rPr lang="en-US" sz="1800" dirty="0" smtClean="0"/>
-              <a:t>    </a:t>
+              <a:t>       </a:t>
             </a:r>
             <a:r>
               <a:rPr lang="en-US" sz="1800" dirty="0" smtClean="0">
@@ -9858,11 +9972,7 @@
             </a:pPr>
             <a:r>
               <a:rPr lang="en-US" sz="1800" dirty="0" smtClean="0"/>
-              <a:t>   </a:t>
-            </a:r>
-            <a:r>
-              <a:rPr lang="en-US" sz="1800" dirty="0" smtClean="0"/>
-              <a:t>     </a:t>
+              <a:t>        </a:t>
             </a:r>
             <a:r>
               <a:rPr lang="en-US" sz="1800" dirty="0" err="1" smtClean="0"/>
@@ -9870,11 +9980,7 @@
             </a:r>
             <a:r>
               <a:rPr lang="en-US" sz="1800" dirty="0" smtClean="0"/>
-              <a:t>   </a:t>
-            </a:r>
-            <a:r>
-              <a:rPr lang="en-US" sz="1800" dirty="0" smtClean="0"/>
-              <a:t> </a:t>
+              <a:t>    </a:t>
             </a:r>
             <a:r>
               <a:rPr lang="en-US" sz="1800" dirty="0" smtClean="0">
@@ -9910,11 +10016,7 @@
             </a:pPr>
             <a:r>
               <a:rPr lang="en-US" sz="1800" dirty="0" smtClean="0"/>
-              <a:t>  </a:t>
-            </a:r>
-            <a:r>
-              <a:rPr lang="en-US" sz="1800" dirty="0" smtClean="0"/>
-              <a:t>      </a:t>
+              <a:t>        </a:t>
             </a:r>
             <a:r>
               <a:rPr lang="en-US" sz="1800" dirty="0" err="1" smtClean="0"/>
@@ -9922,11 +10024,7 @@
             </a:r>
             <a:r>
               <a:rPr lang="en-US" sz="1800" dirty="0" smtClean="0"/>
-              <a:t>   </a:t>
-            </a:r>
-            <a:r>
-              <a:rPr lang="en-US" sz="1800" dirty="0" smtClean="0"/>
-              <a:t>  </a:t>
+              <a:t>     </a:t>
             </a:r>
             <a:r>
               <a:rPr lang="en-US" sz="1800" dirty="0" smtClean="0">
@@ -9962,11 +10060,7 @@
             </a:pPr>
             <a:r>
               <a:rPr lang="en-US" sz="1800" dirty="0" smtClean="0"/>
-              <a:t>   </a:t>
-            </a:r>
-            <a:r>
-              <a:rPr lang="en-US" sz="1800" dirty="0" smtClean="0"/>
-              <a:t>     </a:t>
+              <a:t>        </a:t>
             </a:r>
             <a:r>
               <a:rPr lang="en-US" sz="1800" dirty="0" err="1" smtClean="0"/>
@@ -10006,11 +10100,7 @@
             </a:r>
             <a:r>
               <a:rPr lang="en-US" sz="1800" dirty="0" smtClean="0"/>
-              <a:t>   </a:t>
-            </a:r>
-            <a:r>
-              <a:rPr lang="en-US" sz="1800" dirty="0" smtClean="0"/>
-              <a:t>  </a:t>
+              <a:t>     </a:t>
             </a:r>
             <a:r>
               <a:rPr lang="en-US" sz="1800" dirty="0" smtClean="0">
@@ -10046,11 +10136,7 @@
             </a:pPr>
             <a:r>
               <a:rPr lang="en-US" sz="1800" dirty="0" smtClean="0"/>
-              <a:t> </a:t>
-            </a:r>
-            <a:r>
-              <a:rPr lang="en-US" sz="1800" dirty="0" smtClean="0"/>
-              <a:t>       </a:t>
+              <a:t>        </a:t>
             </a:r>
             <a:r>
               <a:rPr lang="en-US" sz="1800" dirty="0" err="1" smtClean="0"/>
@@ -10082,11 +10168,7 @@
             </a:pPr>
             <a:r>
               <a:rPr lang="en-US" sz="1800" dirty="0" smtClean="0"/>
-              <a:t>  </a:t>
-            </a:r>
-            <a:r>
-              <a:rPr lang="en-US" sz="1800" dirty="0" smtClean="0"/>
-              <a:t>      </a:t>
+              <a:t>        </a:t>
             </a:r>
             <a:r>
               <a:rPr lang="en-US" sz="1800" dirty="0" err="1" smtClean="0"/>
@@ -10094,11 +10176,7 @@
             </a:r>
             <a:r>
               <a:rPr lang="en-US" sz="1800" dirty="0" smtClean="0"/>
-              <a:t>   </a:t>
-            </a:r>
-            <a:r>
-              <a:rPr lang="en-US" sz="1800" dirty="0" smtClean="0"/>
-              <a:t>  </a:t>
+              <a:t>     </a:t>
             </a:r>
             <a:r>
               <a:rPr lang="en-US" sz="1800" dirty="0" smtClean="0">
@@ -10134,11 +10212,7 @@
             </a:pPr>
             <a:r>
               <a:rPr lang="en-US" sz="1800" dirty="0" smtClean="0"/>
-              <a:t> </a:t>
-            </a:r>
-            <a:r>
-              <a:rPr lang="en-US" sz="1800" dirty="0" smtClean="0"/>
-              <a:t>       </a:t>
+              <a:t>        </a:t>
             </a:r>
             <a:r>
               <a:rPr lang="en-US" sz="1800" dirty="0" err="1" smtClean="0"/>
@@ -10170,19 +10244,7 @@
             </a:pPr>
             <a:r>
               <a:rPr lang="en-US" sz="1800" dirty="0" smtClean="0"/>
-              <a:t>  </a:t>
-            </a:r>
-            <a:r>
-              <a:rPr lang="en-US" sz="1800" dirty="0" smtClean="0"/>
-              <a:t>      </a:t>
-            </a:r>
-            <a:r>
-              <a:rPr lang="en-US" sz="1800" dirty="0" smtClean="0"/>
-              <a:t>addi </a:t>
-            </a:r>
-            <a:r>
-              <a:rPr lang="en-US" sz="1800" dirty="0" smtClean="0"/>
-              <a:t> </a:t>
+              <a:t>        addi  </a:t>
             </a:r>
             <a:r>
               <a:rPr lang="en-US" sz="1800" dirty="0" smtClean="0">
@@ -10218,11 +10280,7 @@
             </a:pPr>
             <a:r>
               <a:rPr lang="en-US" sz="1800" dirty="0" smtClean="0"/>
-              <a:t>  </a:t>
-            </a:r>
-            <a:r>
-              <a:rPr lang="en-US" sz="1800" dirty="0" smtClean="0"/>
-              <a:t>      jalr    </a:t>
+              <a:t>        jalr    </a:t>
             </a:r>
             <a:r>
               <a:rPr lang="en-US" sz="1800" dirty="0" smtClean="0">
@@ -10743,15 +10801,7 @@
                   <a:srgbClr val="1E3272"/>
                 </a:solidFill>
               </a:rPr>
-              <a:t>sp-relative </a:t>
-            </a:r>
-            <a:r>
-              <a:rPr lang="en-US" sz="2000" b="1" dirty="0" smtClean="0">
-                <a:solidFill>
-                  <a:srgbClr val="1E3272"/>
-                </a:solidFill>
-              </a:rPr>
-              <a:t>stores</a:t>
+              <a:t>sp-relative stores</a:t>
             </a:r>
             <a:endParaRPr lang="ru-RU" sz="2000" b="1" dirty="0" smtClean="0">
               <a:solidFill>
@@ -11358,7 +11408,7 @@
     </p:spTree>
     <p:extLst>
       <p:ext uri="{BB962C8B-B14F-4D97-AF65-F5344CB8AC3E}">
-        <p14:creationId xmlns:p14="http://schemas.microsoft.com/office/powerpoint/2010/main" xmlns="" val="4217875043"/>
+        <p14:creationId xmlns="" xmlns:p14="http://schemas.microsoft.com/office/powerpoint/2010/main" val="4217875043"/>
       </p:ext>
     </p:extLst>
   </p:cSld>
@@ -13160,7 +13210,7 @@
           <p:nvPr>
             <p:extLst>
               <p:ext uri="{D42A27DB-BD31-4B8C-83A1-F6EECF244321}">
-                <p14:modId xmlns:p14="http://schemas.microsoft.com/office/powerpoint/2010/main" xmlns="" val="2871209487"/>
+                <p14:modId xmlns="" xmlns:p14="http://schemas.microsoft.com/office/powerpoint/2010/main" val="2871209487"/>
               </p:ext>
             </p:extLst>
           </p:nvPr>
@@ -16800,7 +16850,7 @@
     </p:spTree>
     <p:extLst>
       <p:ext uri="{BB962C8B-B14F-4D97-AF65-F5344CB8AC3E}">
-        <p14:creationId xmlns:p14="http://schemas.microsoft.com/office/powerpoint/2010/main" xmlns="" val="2496046611"/>
+        <p14:creationId xmlns="" xmlns:p14="http://schemas.microsoft.com/office/powerpoint/2010/main" val="2496046611"/>
       </p:ext>
     </p:extLst>
   </p:cSld>
@@ -18258,7 +18308,7 @@
   <a:extraClrSchemeLst/>
   <a:extLst>
     <a:ext uri="{05A4C25C-085E-4340-85A3-A5531E510DB2}">
-      <thm15:themeFamily xmlns:thm15="http://schemas.microsoft.com/office/thememl/2012/main" xmlns="" name="Office Theme" id="{62F939B6-93AF-4DB8-9C6B-D6C7DFDC589F}" vid="{4A3C46E8-61CC-4603-A589-7422A47A8E4A}"/>
+      <thm15:themeFamily xmlns="" xmlns:thm15="http://schemas.microsoft.com/office/thememl/2012/main" name="Office Theme" id="{62F939B6-93AF-4DB8-9C6B-D6C7DFDC589F}" vid="{4A3C46E8-61CC-4603-A589-7422A47A8E4A}"/>
     </a:ext>
   </a:extLst>
 </a:theme>
@@ -18519,7 +18569,7 @@
   <a:extraClrSchemeLst/>
   <a:extLst>
     <a:ext uri="{05A4C25C-085E-4340-85A3-A5531E510DB2}">
-      <thm15:themeFamily xmlns:thm15="http://schemas.microsoft.com/office/thememl/2012/main" xmlns="" name="Office Theme" id="{62F939B6-93AF-4DB8-9C6B-D6C7DFDC589F}" vid="{4A3C46E8-61CC-4603-A589-7422A47A8E4A}"/>
+      <thm15:themeFamily xmlns="" xmlns:thm15="http://schemas.microsoft.com/office/thememl/2012/main" name="Office Theme" id="{62F939B6-93AF-4DB8-9C6B-D6C7DFDC589F}" vid="{4A3C46E8-61CC-4603-A589-7422A47A8E4A}"/>
     </a:ext>
   </a:extLst>
 </a:theme>
@@ -18780,7 +18830,7 @@
   <a:extraClrSchemeLst/>
   <a:extLst>
     <a:ext uri="{05A4C25C-085E-4340-85A3-A5531E510DB2}">
-      <thm15:themeFamily xmlns:thm15="http://schemas.microsoft.com/office/thememl/2012/main" xmlns="" name="Office Theme" id="{62F939B6-93AF-4DB8-9C6B-D6C7DFDC589F}" vid="{4A3C46E8-61CC-4603-A589-7422A47A8E4A}"/>
+      <thm15:themeFamily xmlns="" xmlns:thm15="http://schemas.microsoft.com/office/thememl/2012/main" name="Office Theme" id="{62F939B6-93AF-4DB8-9C6B-D6C7DFDC589F}" vid="{4A3C46E8-61CC-4603-A589-7422A47A8E4A}"/>
     </a:ext>
   </a:extLst>
 </a:theme>
